--- a/docs/presentation/presentation.pptx
+++ b/docs/presentation/presentation.pptx
@@ -4,6 +4,9 @@
   <p:sldMasterIdLst>
     <p:sldMasterId id="2147483648" r:id="rId1"/>
   </p:sldMasterIdLst>
+  <p:notesMasterIdLst>
+    <p:notesMasterId r:id="rId30"/>
+  </p:notesMasterIdLst>
   <p:sldIdLst>
     <p:sldId id="256" r:id="rId2"/>
     <p:sldId id="257" r:id="rId3"/>
@@ -23,9 +26,16 @@
     <p:sldId id="266" r:id="rId17"/>
     <p:sldId id="278" r:id="rId18"/>
     <p:sldId id="277" r:id="rId19"/>
-    <p:sldId id="280" r:id="rId20"/>
-    <p:sldId id="281" r:id="rId21"/>
+    <p:sldId id="291" r:id="rId20"/>
+    <p:sldId id="292" r:id="rId21"/>
     <p:sldId id="282" r:id="rId22"/>
+    <p:sldId id="284" r:id="rId23"/>
+    <p:sldId id="287" r:id="rId24"/>
+    <p:sldId id="288" r:id="rId25"/>
+    <p:sldId id="293" r:id="rId26"/>
+    <p:sldId id="290" r:id="rId27"/>
+    <p:sldId id="289" r:id="rId28"/>
+    <p:sldId id="294" r:id="rId29"/>
   </p:sldIdLst>
   <p:sldSz cx="9144000" cy="5143500" type="screen16x9"/>
   <p:notesSz cx="6858000" cy="9144000"/>
@@ -433,6 +443,1574 @@
 </inkml:ink>
 </file>
 
+<file path=ppt/notesMasters/notesMaster1.xml><?xml version="1.0" encoding="utf-8"?>
+<p:notesMaster xmlns:a="http://schemas.openxmlformats.org/drawingml/2006/main" xmlns:r="http://schemas.openxmlformats.org/officeDocument/2006/relationships" xmlns:p="http://schemas.openxmlformats.org/presentationml/2006/main">
+  <p:cSld>
+    <p:bg>
+      <p:bgRef idx="1001">
+        <a:schemeClr val="bg1"/>
+      </p:bgRef>
+    </p:bg>
+    <p:spTree>
+      <p:nvGrpSpPr>
+        <p:cNvPr id="1" name=""/>
+        <p:cNvGrpSpPr/>
+        <p:nvPr/>
+      </p:nvGrpSpPr>
+      <p:grpSpPr>
+        <a:xfrm>
+          <a:off x="0" y="0"/>
+          <a:ext cx="0" cy="0"/>
+          <a:chOff x="0" y="0"/>
+          <a:chExt cx="0" cy="0"/>
+        </a:xfrm>
+      </p:grpSpPr>
+      <p:sp>
+        <p:nvSpPr>
+          <p:cNvPr id="2" name="Header Placeholder 1"/>
+          <p:cNvSpPr>
+            <a:spLocks noGrp="1"/>
+          </p:cNvSpPr>
+          <p:nvPr>
+            <p:ph type="hdr" sz="quarter"/>
+          </p:nvPr>
+        </p:nvSpPr>
+        <p:spPr>
+          <a:xfrm>
+            <a:off x="0" y="0"/>
+            <a:ext cx="2971800" cy="458788"/>
+          </a:xfrm>
+          <a:prstGeom prst="rect">
+            <a:avLst/>
+          </a:prstGeom>
+        </p:spPr>
+        <p:txBody>
+          <a:bodyPr vert="horz" lIns="91440" tIns="45720" rIns="91440" bIns="45720" rtlCol="0"/>
+          <a:lstStyle>
+            <a:lvl1pPr algn="l">
+              <a:defRPr sz="1200"/>
+            </a:lvl1pPr>
+          </a:lstStyle>
+          <a:p>
+            <a:endParaRPr lang="de-DE"/>
+          </a:p>
+        </p:txBody>
+      </p:sp>
+      <p:sp>
+        <p:nvSpPr>
+          <p:cNvPr id="3" name="Date Placeholder 2"/>
+          <p:cNvSpPr>
+            <a:spLocks noGrp="1"/>
+          </p:cNvSpPr>
+          <p:nvPr>
+            <p:ph type="dt" idx="1"/>
+          </p:nvPr>
+        </p:nvSpPr>
+        <p:spPr>
+          <a:xfrm>
+            <a:off x="3884613" y="0"/>
+            <a:ext cx="2971800" cy="458788"/>
+          </a:xfrm>
+          <a:prstGeom prst="rect">
+            <a:avLst/>
+          </a:prstGeom>
+        </p:spPr>
+        <p:txBody>
+          <a:bodyPr vert="horz" lIns="91440" tIns="45720" rIns="91440" bIns="45720" rtlCol="0"/>
+          <a:lstStyle>
+            <a:lvl1pPr algn="r">
+              <a:defRPr sz="1200"/>
+            </a:lvl1pPr>
+          </a:lstStyle>
+          <a:p>
+            <a:fld id="{98B910BE-62E0-4560-95DE-560F2F8EF0C1}" type="datetimeFigureOut">
+              <a:rPr lang="de-DE" smtClean="0"/>
+              <a:t>23.11.2023</a:t>
+            </a:fld>
+            <a:endParaRPr lang="de-DE"/>
+          </a:p>
+        </p:txBody>
+      </p:sp>
+      <p:sp>
+        <p:nvSpPr>
+          <p:cNvPr id="4" name="Slide Image Placeholder 3"/>
+          <p:cNvSpPr>
+            <a:spLocks noGrp="1" noRot="1" noChangeAspect="1"/>
+          </p:cNvSpPr>
+          <p:nvPr>
+            <p:ph type="sldImg" idx="2"/>
+          </p:nvPr>
+        </p:nvSpPr>
+        <p:spPr>
+          <a:xfrm>
+            <a:off x="685800" y="1143000"/>
+            <a:ext cx="5486400" cy="3086100"/>
+          </a:xfrm>
+          <a:prstGeom prst="rect">
+            <a:avLst/>
+          </a:prstGeom>
+          <a:noFill/>
+          <a:ln w="12700">
+            <a:solidFill>
+              <a:prstClr val="black"/>
+            </a:solidFill>
+          </a:ln>
+        </p:spPr>
+        <p:txBody>
+          <a:bodyPr vert="horz" lIns="91440" tIns="45720" rIns="91440" bIns="45720" rtlCol="0" anchor="ctr"/>
+          <a:lstStyle/>
+          <a:p>
+            <a:endParaRPr lang="de-DE"/>
+          </a:p>
+        </p:txBody>
+      </p:sp>
+      <p:sp>
+        <p:nvSpPr>
+          <p:cNvPr id="5" name="Notes Placeholder 4"/>
+          <p:cNvSpPr>
+            <a:spLocks noGrp="1"/>
+          </p:cNvSpPr>
+          <p:nvPr>
+            <p:ph type="body" sz="quarter" idx="3"/>
+          </p:nvPr>
+        </p:nvSpPr>
+        <p:spPr>
+          <a:xfrm>
+            <a:off x="685800" y="4400550"/>
+            <a:ext cx="5486400" cy="3600450"/>
+          </a:xfrm>
+          <a:prstGeom prst="rect">
+            <a:avLst/>
+          </a:prstGeom>
+        </p:spPr>
+        <p:txBody>
+          <a:bodyPr vert="horz" lIns="91440" tIns="45720" rIns="91440" bIns="45720" rtlCol="0"/>
+          <a:lstStyle/>
+          <a:p>
+            <a:pPr lvl="0"/>
+            <a:r>
+              <a:rPr lang="en-US"/>
+              <a:t>Click to edit Master text styles</a:t>
+            </a:r>
+          </a:p>
+          <a:p>
+            <a:pPr lvl="1"/>
+            <a:r>
+              <a:rPr lang="en-US"/>
+              <a:t>Second level</a:t>
+            </a:r>
+          </a:p>
+          <a:p>
+            <a:pPr lvl="2"/>
+            <a:r>
+              <a:rPr lang="en-US"/>
+              <a:t>Third level</a:t>
+            </a:r>
+          </a:p>
+          <a:p>
+            <a:pPr lvl="3"/>
+            <a:r>
+              <a:rPr lang="en-US"/>
+              <a:t>Fourth level</a:t>
+            </a:r>
+          </a:p>
+          <a:p>
+            <a:pPr lvl="4"/>
+            <a:r>
+              <a:rPr lang="en-US"/>
+              <a:t>Fifth level</a:t>
+            </a:r>
+            <a:endParaRPr lang="de-DE"/>
+          </a:p>
+        </p:txBody>
+      </p:sp>
+      <p:sp>
+        <p:nvSpPr>
+          <p:cNvPr id="6" name="Footer Placeholder 5"/>
+          <p:cNvSpPr>
+            <a:spLocks noGrp="1"/>
+          </p:cNvSpPr>
+          <p:nvPr>
+            <p:ph type="ftr" sz="quarter" idx="4"/>
+          </p:nvPr>
+        </p:nvSpPr>
+        <p:spPr>
+          <a:xfrm>
+            <a:off x="0" y="8685213"/>
+            <a:ext cx="2971800" cy="458787"/>
+          </a:xfrm>
+          <a:prstGeom prst="rect">
+            <a:avLst/>
+          </a:prstGeom>
+        </p:spPr>
+        <p:txBody>
+          <a:bodyPr vert="horz" lIns="91440" tIns="45720" rIns="91440" bIns="45720" rtlCol="0" anchor="b"/>
+          <a:lstStyle>
+            <a:lvl1pPr algn="l">
+              <a:defRPr sz="1200"/>
+            </a:lvl1pPr>
+          </a:lstStyle>
+          <a:p>
+            <a:endParaRPr lang="de-DE"/>
+          </a:p>
+        </p:txBody>
+      </p:sp>
+      <p:sp>
+        <p:nvSpPr>
+          <p:cNvPr id="7" name="Slide Number Placeholder 6"/>
+          <p:cNvSpPr>
+            <a:spLocks noGrp="1"/>
+          </p:cNvSpPr>
+          <p:nvPr>
+            <p:ph type="sldNum" sz="quarter" idx="5"/>
+          </p:nvPr>
+        </p:nvSpPr>
+        <p:spPr>
+          <a:xfrm>
+            <a:off x="3884613" y="8685213"/>
+            <a:ext cx="2971800" cy="458787"/>
+          </a:xfrm>
+          <a:prstGeom prst="rect">
+            <a:avLst/>
+          </a:prstGeom>
+        </p:spPr>
+        <p:txBody>
+          <a:bodyPr vert="horz" lIns="91440" tIns="45720" rIns="91440" bIns="45720" rtlCol="0" anchor="b"/>
+          <a:lstStyle>
+            <a:lvl1pPr algn="r">
+              <a:defRPr sz="1200"/>
+            </a:lvl1pPr>
+          </a:lstStyle>
+          <a:p>
+            <a:fld id="{23C0600A-0E37-43D8-9B4E-8378DB5A7DD2}" type="slidenum">
+              <a:rPr lang="de-DE" smtClean="0"/>
+              <a:t>‹#›</a:t>
+            </a:fld>
+            <a:endParaRPr lang="de-DE"/>
+          </a:p>
+        </p:txBody>
+      </p:sp>
+    </p:spTree>
+    <p:extLst>
+      <p:ext uri="{BB962C8B-B14F-4D97-AF65-F5344CB8AC3E}">
+        <p14:creationId xmlns:p14="http://schemas.microsoft.com/office/powerpoint/2010/main" val="805458790"/>
+      </p:ext>
+    </p:extLst>
+  </p:cSld>
+  <p:clrMap bg1="lt1" tx1="dk1" bg2="lt2" tx2="dk2" accent1="accent1" accent2="accent2" accent3="accent3" accent4="accent4" accent5="accent5" accent6="accent6" hlink="hlink" folHlink="folHlink"/>
+  <p:notesStyle>
+    <a:lvl1pPr marL="0" algn="l" defTabSz="914400" rtl="0" eaLnBrk="1" latinLnBrk="0" hangingPunct="1">
+      <a:defRPr sz="1200" kern="1200">
+        <a:solidFill>
+          <a:schemeClr val="tx1"/>
+        </a:solidFill>
+        <a:latin typeface="+mn-lt"/>
+        <a:ea typeface="+mn-ea"/>
+        <a:cs typeface="+mn-cs"/>
+      </a:defRPr>
+    </a:lvl1pPr>
+    <a:lvl2pPr marL="457200" algn="l" defTabSz="914400" rtl="0" eaLnBrk="1" latinLnBrk="0" hangingPunct="1">
+      <a:defRPr sz="1200" kern="1200">
+        <a:solidFill>
+          <a:schemeClr val="tx1"/>
+        </a:solidFill>
+        <a:latin typeface="+mn-lt"/>
+        <a:ea typeface="+mn-ea"/>
+        <a:cs typeface="+mn-cs"/>
+      </a:defRPr>
+    </a:lvl2pPr>
+    <a:lvl3pPr marL="914400" algn="l" defTabSz="914400" rtl="0" eaLnBrk="1" latinLnBrk="0" hangingPunct="1">
+      <a:defRPr sz="1200" kern="1200">
+        <a:solidFill>
+          <a:schemeClr val="tx1"/>
+        </a:solidFill>
+        <a:latin typeface="+mn-lt"/>
+        <a:ea typeface="+mn-ea"/>
+        <a:cs typeface="+mn-cs"/>
+      </a:defRPr>
+    </a:lvl3pPr>
+    <a:lvl4pPr marL="1371600" algn="l" defTabSz="914400" rtl="0" eaLnBrk="1" latinLnBrk="0" hangingPunct="1">
+      <a:defRPr sz="1200" kern="1200">
+        <a:solidFill>
+          <a:schemeClr val="tx1"/>
+        </a:solidFill>
+        <a:latin typeface="+mn-lt"/>
+        <a:ea typeface="+mn-ea"/>
+        <a:cs typeface="+mn-cs"/>
+      </a:defRPr>
+    </a:lvl4pPr>
+    <a:lvl5pPr marL="1828800" algn="l" defTabSz="914400" rtl="0" eaLnBrk="1" latinLnBrk="0" hangingPunct="1">
+      <a:defRPr sz="1200" kern="1200">
+        <a:solidFill>
+          <a:schemeClr val="tx1"/>
+        </a:solidFill>
+        <a:latin typeface="+mn-lt"/>
+        <a:ea typeface="+mn-ea"/>
+        <a:cs typeface="+mn-cs"/>
+      </a:defRPr>
+    </a:lvl5pPr>
+    <a:lvl6pPr marL="2286000" algn="l" defTabSz="914400" rtl="0" eaLnBrk="1" latinLnBrk="0" hangingPunct="1">
+      <a:defRPr sz="1200" kern="1200">
+        <a:solidFill>
+          <a:schemeClr val="tx1"/>
+        </a:solidFill>
+        <a:latin typeface="+mn-lt"/>
+        <a:ea typeface="+mn-ea"/>
+        <a:cs typeface="+mn-cs"/>
+      </a:defRPr>
+    </a:lvl6pPr>
+    <a:lvl7pPr marL="2743200" algn="l" defTabSz="914400" rtl="0" eaLnBrk="1" latinLnBrk="0" hangingPunct="1">
+      <a:defRPr sz="1200" kern="1200">
+        <a:solidFill>
+          <a:schemeClr val="tx1"/>
+        </a:solidFill>
+        <a:latin typeface="+mn-lt"/>
+        <a:ea typeface="+mn-ea"/>
+        <a:cs typeface="+mn-cs"/>
+      </a:defRPr>
+    </a:lvl7pPr>
+    <a:lvl8pPr marL="3200400" algn="l" defTabSz="914400" rtl="0" eaLnBrk="1" latinLnBrk="0" hangingPunct="1">
+      <a:defRPr sz="1200" kern="1200">
+        <a:solidFill>
+          <a:schemeClr val="tx1"/>
+        </a:solidFill>
+        <a:latin typeface="+mn-lt"/>
+        <a:ea typeface="+mn-ea"/>
+        <a:cs typeface="+mn-cs"/>
+      </a:defRPr>
+    </a:lvl8pPr>
+    <a:lvl9pPr marL="3657600" algn="l" defTabSz="914400" rtl="0" eaLnBrk="1" latinLnBrk="0" hangingPunct="1">
+      <a:defRPr sz="1200" kern="1200">
+        <a:solidFill>
+          <a:schemeClr val="tx1"/>
+        </a:solidFill>
+        <a:latin typeface="+mn-lt"/>
+        <a:ea typeface="+mn-ea"/>
+        <a:cs typeface="+mn-cs"/>
+      </a:defRPr>
+    </a:lvl9pPr>
+  </p:notesStyle>
+</p:notesMaster>
+</file>
+
+<file path=ppt/notesSlides/notesSlide1.xml><?xml version="1.0" encoding="utf-8"?>
+<p:notes xmlns:a="http://schemas.openxmlformats.org/drawingml/2006/main" xmlns:r="http://schemas.openxmlformats.org/officeDocument/2006/relationships" xmlns:p="http://schemas.openxmlformats.org/presentationml/2006/main">
+  <p:cSld>
+    <p:spTree>
+      <p:nvGrpSpPr>
+        <p:cNvPr id="1" name=""/>
+        <p:cNvGrpSpPr/>
+        <p:nvPr/>
+      </p:nvGrpSpPr>
+      <p:grpSpPr>
+        <a:xfrm>
+          <a:off x="0" y="0"/>
+          <a:ext cx="0" cy="0"/>
+          <a:chOff x="0" y="0"/>
+          <a:chExt cx="0" cy="0"/>
+        </a:xfrm>
+      </p:grpSpPr>
+      <p:sp>
+        <p:nvSpPr>
+          <p:cNvPr id="2" name="Slide Image Placeholder 1"/>
+          <p:cNvSpPr>
+            <a:spLocks noGrp="1" noRot="1" noChangeAspect="1"/>
+          </p:cNvSpPr>
+          <p:nvPr>
+            <p:ph type="sldImg"/>
+          </p:nvPr>
+        </p:nvSpPr>
+        <p:spPr/>
+      </p:sp>
+      <p:sp>
+        <p:nvSpPr>
+          <p:cNvPr id="3" name="Notes Placeholder 2"/>
+          <p:cNvSpPr>
+            <a:spLocks noGrp="1"/>
+          </p:cNvSpPr>
+          <p:nvPr>
+            <p:ph type="body" idx="1"/>
+          </p:nvPr>
+        </p:nvSpPr>
+        <p:spPr/>
+        <p:txBody>
+          <a:bodyPr/>
+          <a:lstStyle/>
+          <a:p>
+            <a:r>
+              <a:rPr lang="de-DE" dirty="0"/>
+              <a:t>Moritz</a:t>
+            </a:r>
+          </a:p>
+        </p:txBody>
+      </p:sp>
+      <p:sp>
+        <p:nvSpPr>
+          <p:cNvPr id="4" name="Slide Number Placeholder 3"/>
+          <p:cNvSpPr>
+            <a:spLocks noGrp="1"/>
+          </p:cNvSpPr>
+          <p:nvPr>
+            <p:ph type="sldNum" sz="quarter" idx="5"/>
+          </p:nvPr>
+        </p:nvSpPr>
+        <p:spPr/>
+        <p:txBody>
+          <a:bodyPr/>
+          <a:lstStyle/>
+          <a:p>
+            <a:fld id="{23C0600A-0E37-43D8-9B4E-8378DB5A7DD2}" type="slidenum">
+              <a:rPr lang="de-DE" smtClean="0"/>
+              <a:t>3</a:t>
+            </a:fld>
+            <a:endParaRPr lang="de-DE"/>
+          </a:p>
+        </p:txBody>
+      </p:sp>
+    </p:spTree>
+    <p:extLst>
+      <p:ext uri="{BB962C8B-B14F-4D97-AF65-F5344CB8AC3E}">
+        <p14:creationId xmlns:p14="http://schemas.microsoft.com/office/powerpoint/2010/main" val="229536345"/>
+      </p:ext>
+    </p:extLst>
+  </p:cSld>
+  <p:clrMapOvr>
+    <a:masterClrMapping/>
+  </p:clrMapOvr>
+</p:notes>
+</file>
+
+<file path=ppt/notesSlides/notesSlide10.xml><?xml version="1.0" encoding="utf-8"?>
+<p:notes xmlns:a="http://schemas.openxmlformats.org/drawingml/2006/main" xmlns:r="http://schemas.openxmlformats.org/officeDocument/2006/relationships" xmlns:p="http://schemas.openxmlformats.org/presentationml/2006/main">
+  <p:cSld>
+    <p:spTree>
+      <p:nvGrpSpPr>
+        <p:cNvPr id="1" name=""/>
+        <p:cNvGrpSpPr/>
+        <p:nvPr/>
+      </p:nvGrpSpPr>
+      <p:grpSpPr>
+        <a:xfrm>
+          <a:off x="0" y="0"/>
+          <a:ext cx="0" cy="0"/>
+          <a:chOff x="0" y="0"/>
+          <a:chExt cx="0" cy="0"/>
+        </a:xfrm>
+      </p:grpSpPr>
+      <p:sp>
+        <p:nvSpPr>
+          <p:cNvPr id="2" name="Slide Image Placeholder 1"/>
+          <p:cNvSpPr>
+            <a:spLocks noGrp="1" noRot="1" noChangeAspect="1"/>
+          </p:cNvSpPr>
+          <p:nvPr>
+            <p:ph type="sldImg"/>
+          </p:nvPr>
+        </p:nvSpPr>
+        <p:spPr/>
+      </p:sp>
+      <p:sp>
+        <p:nvSpPr>
+          <p:cNvPr id="3" name="Notes Placeholder 2"/>
+          <p:cNvSpPr>
+            <a:spLocks noGrp="1"/>
+          </p:cNvSpPr>
+          <p:nvPr>
+            <p:ph type="body" idx="1"/>
+          </p:nvPr>
+        </p:nvSpPr>
+        <p:spPr/>
+        <p:txBody>
+          <a:bodyPr/>
+          <a:lstStyle/>
+          <a:p>
+            <a:r>
+              <a:rPr lang="de-DE" dirty="0"/>
+              <a:t>Jonathan</a:t>
+            </a:r>
+          </a:p>
+        </p:txBody>
+      </p:sp>
+      <p:sp>
+        <p:nvSpPr>
+          <p:cNvPr id="4" name="Slide Number Placeholder 3"/>
+          <p:cNvSpPr>
+            <a:spLocks noGrp="1"/>
+          </p:cNvSpPr>
+          <p:nvPr>
+            <p:ph type="sldNum" sz="quarter" idx="5"/>
+          </p:nvPr>
+        </p:nvSpPr>
+        <p:spPr/>
+        <p:txBody>
+          <a:bodyPr/>
+          <a:lstStyle/>
+          <a:p>
+            <a:fld id="{23C0600A-0E37-43D8-9B4E-8378DB5A7DD2}" type="slidenum">
+              <a:rPr lang="de-DE" smtClean="0"/>
+              <a:t>13</a:t>
+            </a:fld>
+            <a:endParaRPr lang="de-DE"/>
+          </a:p>
+        </p:txBody>
+      </p:sp>
+    </p:spTree>
+    <p:extLst>
+      <p:ext uri="{BB962C8B-B14F-4D97-AF65-F5344CB8AC3E}">
+        <p14:creationId xmlns:p14="http://schemas.microsoft.com/office/powerpoint/2010/main" val="921643006"/>
+      </p:ext>
+    </p:extLst>
+  </p:cSld>
+  <p:clrMapOvr>
+    <a:masterClrMapping/>
+  </p:clrMapOvr>
+</p:notes>
+</file>
+
+<file path=ppt/notesSlides/notesSlide11.xml><?xml version="1.0" encoding="utf-8"?>
+<p:notes xmlns:a="http://schemas.openxmlformats.org/drawingml/2006/main" xmlns:r="http://schemas.openxmlformats.org/officeDocument/2006/relationships" xmlns:p="http://schemas.openxmlformats.org/presentationml/2006/main">
+  <p:cSld>
+    <p:spTree>
+      <p:nvGrpSpPr>
+        <p:cNvPr id="1" name=""/>
+        <p:cNvGrpSpPr/>
+        <p:nvPr/>
+      </p:nvGrpSpPr>
+      <p:grpSpPr>
+        <a:xfrm>
+          <a:off x="0" y="0"/>
+          <a:ext cx="0" cy="0"/>
+          <a:chOff x="0" y="0"/>
+          <a:chExt cx="0" cy="0"/>
+        </a:xfrm>
+      </p:grpSpPr>
+      <p:sp>
+        <p:nvSpPr>
+          <p:cNvPr id="2" name="Slide Image Placeholder 1"/>
+          <p:cNvSpPr>
+            <a:spLocks noGrp="1" noRot="1" noChangeAspect="1"/>
+          </p:cNvSpPr>
+          <p:nvPr>
+            <p:ph type="sldImg"/>
+          </p:nvPr>
+        </p:nvSpPr>
+        <p:spPr/>
+      </p:sp>
+      <p:sp>
+        <p:nvSpPr>
+          <p:cNvPr id="3" name="Notes Placeholder 2"/>
+          <p:cNvSpPr>
+            <a:spLocks noGrp="1"/>
+          </p:cNvSpPr>
+          <p:nvPr>
+            <p:ph type="body" idx="1"/>
+          </p:nvPr>
+        </p:nvSpPr>
+        <p:spPr/>
+        <p:txBody>
+          <a:bodyPr/>
+          <a:lstStyle/>
+          <a:p>
+            <a:r>
+              <a:rPr lang="de-DE" dirty="0"/>
+              <a:t>Espen / Lada</a:t>
+            </a:r>
+          </a:p>
+        </p:txBody>
+      </p:sp>
+      <p:sp>
+        <p:nvSpPr>
+          <p:cNvPr id="4" name="Slide Number Placeholder 3"/>
+          <p:cNvSpPr>
+            <a:spLocks noGrp="1"/>
+          </p:cNvSpPr>
+          <p:nvPr>
+            <p:ph type="sldNum" sz="quarter" idx="5"/>
+          </p:nvPr>
+        </p:nvSpPr>
+        <p:spPr/>
+        <p:txBody>
+          <a:bodyPr/>
+          <a:lstStyle/>
+          <a:p>
+            <a:fld id="{23C0600A-0E37-43D8-9B4E-8378DB5A7DD2}" type="slidenum">
+              <a:rPr lang="de-DE" smtClean="0"/>
+              <a:t>14</a:t>
+            </a:fld>
+            <a:endParaRPr lang="de-DE"/>
+          </a:p>
+        </p:txBody>
+      </p:sp>
+    </p:spTree>
+    <p:extLst>
+      <p:ext uri="{BB962C8B-B14F-4D97-AF65-F5344CB8AC3E}">
+        <p14:creationId xmlns:p14="http://schemas.microsoft.com/office/powerpoint/2010/main" val="3962496200"/>
+      </p:ext>
+    </p:extLst>
+  </p:cSld>
+  <p:clrMapOvr>
+    <a:masterClrMapping/>
+  </p:clrMapOvr>
+</p:notes>
+</file>
+
+<file path=ppt/notesSlides/notesSlide12.xml><?xml version="1.0" encoding="utf-8"?>
+<p:notes xmlns:a="http://schemas.openxmlformats.org/drawingml/2006/main" xmlns:r="http://schemas.openxmlformats.org/officeDocument/2006/relationships" xmlns:p="http://schemas.openxmlformats.org/presentationml/2006/main">
+  <p:cSld>
+    <p:spTree>
+      <p:nvGrpSpPr>
+        <p:cNvPr id="1" name=""/>
+        <p:cNvGrpSpPr/>
+        <p:nvPr/>
+      </p:nvGrpSpPr>
+      <p:grpSpPr>
+        <a:xfrm>
+          <a:off x="0" y="0"/>
+          <a:ext cx="0" cy="0"/>
+          <a:chOff x="0" y="0"/>
+          <a:chExt cx="0" cy="0"/>
+        </a:xfrm>
+      </p:grpSpPr>
+      <p:sp>
+        <p:nvSpPr>
+          <p:cNvPr id="2" name="Slide Image Placeholder 1"/>
+          <p:cNvSpPr>
+            <a:spLocks noGrp="1" noRot="1" noChangeAspect="1"/>
+          </p:cNvSpPr>
+          <p:nvPr>
+            <p:ph type="sldImg"/>
+          </p:nvPr>
+        </p:nvSpPr>
+        <p:spPr/>
+      </p:sp>
+      <p:sp>
+        <p:nvSpPr>
+          <p:cNvPr id="3" name="Notes Placeholder 2"/>
+          <p:cNvSpPr>
+            <a:spLocks noGrp="1"/>
+          </p:cNvSpPr>
+          <p:nvPr>
+            <p:ph type="body" idx="1"/>
+          </p:nvPr>
+        </p:nvSpPr>
+        <p:spPr/>
+        <p:txBody>
+          <a:bodyPr/>
+          <a:lstStyle/>
+          <a:p>
+            <a:r>
+              <a:rPr lang="de-DE" dirty="0"/>
+              <a:t>Moritz</a:t>
+            </a:r>
+          </a:p>
+        </p:txBody>
+      </p:sp>
+      <p:sp>
+        <p:nvSpPr>
+          <p:cNvPr id="4" name="Slide Number Placeholder 3"/>
+          <p:cNvSpPr>
+            <a:spLocks noGrp="1"/>
+          </p:cNvSpPr>
+          <p:nvPr>
+            <p:ph type="sldNum" sz="quarter" idx="5"/>
+          </p:nvPr>
+        </p:nvSpPr>
+        <p:spPr/>
+        <p:txBody>
+          <a:bodyPr/>
+          <a:lstStyle/>
+          <a:p>
+            <a:fld id="{23C0600A-0E37-43D8-9B4E-8378DB5A7DD2}" type="slidenum">
+              <a:rPr lang="de-DE" smtClean="0"/>
+              <a:t>15</a:t>
+            </a:fld>
+            <a:endParaRPr lang="de-DE"/>
+          </a:p>
+        </p:txBody>
+      </p:sp>
+    </p:spTree>
+    <p:extLst>
+      <p:ext uri="{BB962C8B-B14F-4D97-AF65-F5344CB8AC3E}">
+        <p14:creationId xmlns:p14="http://schemas.microsoft.com/office/powerpoint/2010/main" val="1633465686"/>
+      </p:ext>
+    </p:extLst>
+  </p:cSld>
+  <p:clrMapOvr>
+    <a:masterClrMapping/>
+  </p:clrMapOvr>
+</p:notes>
+</file>
+
+<file path=ppt/notesSlides/notesSlide13.xml><?xml version="1.0" encoding="utf-8"?>
+<p:notes xmlns:a="http://schemas.openxmlformats.org/drawingml/2006/main" xmlns:r="http://schemas.openxmlformats.org/officeDocument/2006/relationships" xmlns:p="http://schemas.openxmlformats.org/presentationml/2006/main">
+  <p:cSld>
+    <p:spTree>
+      <p:nvGrpSpPr>
+        <p:cNvPr id="1" name=""/>
+        <p:cNvGrpSpPr/>
+        <p:nvPr/>
+      </p:nvGrpSpPr>
+      <p:grpSpPr>
+        <a:xfrm>
+          <a:off x="0" y="0"/>
+          <a:ext cx="0" cy="0"/>
+          <a:chOff x="0" y="0"/>
+          <a:chExt cx="0" cy="0"/>
+        </a:xfrm>
+      </p:grpSpPr>
+      <p:sp>
+        <p:nvSpPr>
+          <p:cNvPr id="2" name="Slide Image Placeholder 1"/>
+          <p:cNvSpPr>
+            <a:spLocks noGrp="1" noRot="1" noChangeAspect="1"/>
+          </p:cNvSpPr>
+          <p:nvPr>
+            <p:ph type="sldImg"/>
+          </p:nvPr>
+        </p:nvSpPr>
+        <p:spPr/>
+      </p:sp>
+      <p:sp>
+        <p:nvSpPr>
+          <p:cNvPr id="3" name="Notes Placeholder 2"/>
+          <p:cNvSpPr>
+            <a:spLocks noGrp="1"/>
+          </p:cNvSpPr>
+          <p:nvPr>
+            <p:ph type="body" idx="1"/>
+          </p:nvPr>
+        </p:nvSpPr>
+        <p:spPr/>
+        <p:txBody>
+          <a:bodyPr/>
+          <a:lstStyle/>
+          <a:p>
+            <a:r>
+              <a:rPr lang="de-DE" dirty="0"/>
+              <a:t>Moritz</a:t>
+            </a:r>
+          </a:p>
+        </p:txBody>
+      </p:sp>
+      <p:sp>
+        <p:nvSpPr>
+          <p:cNvPr id="4" name="Slide Number Placeholder 3"/>
+          <p:cNvSpPr>
+            <a:spLocks noGrp="1"/>
+          </p:cNvSpPr>
+          <p:nvPr>
+            <p:ph type="sldNum" sz="quarter" idx="5"/>
+          </p:nvPr>
+        </p:nvSpPr>
+        <p:spPr/>
+        <p:txBody>
+          <a:bodyPr/>
+          <a:lstStyle/>
+          <a:p>
+            <a:fld id="{23C0600A-0E37-43D8-9B4E-8378DB5A7DD2}" type="slidenum">
+              <a:rPr lang="de-DE" smtClean="0"/>
+              <a:t>16</a:t>
+            </a:fld>
+            <a:endParaRPr lang="de-DE"/>
+          </a:p>
+        </p:txBody>
+      </p:sp>
+    </p:spTree>
+    <p:extLst>
+      <p:ext uri="{BB962C8B-B14F-4D97-AF65-F5344CB8AC3E}">
+        <p14:creationId xmlns:p14="http://schemas.microsoft.com/office/powerpoint/2010/main" val="162735833"/>
+      </p:ext>
+    </p:extLst>
+  </p:cSld>
+  <p:clrMapOvr>
+    <a:masterClrMapping/>
+  </p:clrMapOvr>
+</p:notes>
+</file>
+
+<file path=ppt/notesSlides/notesSlide14.xml><?xml version="1.0" encoding="utf-8"?>
+<p:notes xmlns:a="http://schemas.openxmlformats.org/drawingml/2006/main" xmlns:r="http://schemas.openxmlformats.org/officeDocument/2006/relationships" xmlns:p="http://schemas.openxmlformats.org/presentationml/2006/main">
+  <p:cSld>
+    <p:spTree>
+      <p:nvGrpSpPr>
+        <p:cNvPr id="1" name=""/>
+        <p:cNvGrpSpPr/>
+        <p:nvPr/>
+      </p:nvGrpSpPr>
+      <p:grpSpPr>
+        <a:xfrm>
+          <a:off x="0" y="0"/>
+          <a:ext cx="0" cy="0"/>
+          <a:chOff x="0" y="0"/>
+          <a:chExt cx="0" cy="0"/>
+        </a:xfrm>
+      </p:grpSpPr>
+      <p:sp>
+        <p:nvSpPr>
+          <p:cNvPr id="2" name="Slide Image Placeholder 1"/>
+          <p:cNvSpPr>
+            <a:spLocks noGrp="1" noRot="1" noChangeAspect="1"/>
+          </p:cNvSpPr>
+          <p:nvPr>
+            <p:ph type="sldImg"/>
+          </p:nvPr>
+        </p:nvSpPr>
+        <p:spPr/>
+      </p:sp>
+      <p:sp>
+        <p:nvSpPr>
+          <p:cNvPr id="3" name="Notes Placeholder 2"/>
+          <p:cNvSpPr>
+            <a:spLocks noGrp="1"/>
+          </p:cNvSpPr>
+          <p:nvPr>
+            <p:ph type="body" idx="1"/>
+          </p:nvPr>
+        </p:nvSpPr>
+        <p:spPr/>
+        <p:txBody>
+          <a:bodyPr/>
+          <a:lstStyle/>
+          <a:p>
+            <a:r>
+              <a:rPr lang="de-DE"/>
+              <a:t>Espen</a:t>
+            </a:r>
+          </a:p>
+        </p:txBody>
+      </p:sp>
+      <p:sp>
+        <p:nvSpPr>
+          <p:cNvPr id="4" name="Slide Number Placeholder 3"/>
+          <p:cNvSpPr>
+            <a:spLocks noGrp="1"/>
+          </p:cNvSpPr>
+          <p:nvPr>
+            <p:ph type="sldNum" sz="quarter" idx="5"/>
+          </p:nvPr>
+        </p:nvSpPr>
+        <p:spPr/>
+        <p:txBody>
+          <a:bodyPr/>
+          <a:lstStyle/>
+          <a:p>
+            <a:fld id="{23C0600A-0E37-43D8-9B4E-8378DB5A7DD2}" type="slidenum">
+              <a:rPr lang="de-DE" smtClean="0"/>
+              <a:t>17</a:t>
+            </a:fld>
+            <a:endParaRPr lang="de-DE"/>
+          </a:p>
+        </p:txBody>
+      </p:sp>
+    </p:spTree>
+    <p:extLst>
+      <p:ext uri="{BB962C8B-B14F-4D97-AF65-F5344CB8AC3E}">
+        <p14:creationId xmlns:p14="http://schemas.microsoft.com/office/powerpoint/2010/main" val="1648862843"/>
+      </p:ext>
+    </p:extLst>
+  </p:cSld>
+  <p:clrMapOvr>
+    <a:masterClrMapping/>
+  </p:clrMapOvr>
+</p:notes>
+</file>
+
+<file path=ppt/notesSlides/notesSlide2.xml><?xml version="1.0" encoding="utf-8"?>
+<p:notes xmlns:a="http://schemas.openxmlformats.org/drawingml/2006/main" xmlns:r="http://schemas.openxmlformats.org/officeDocument/2006/relationships" xmlns:p="http://schemas.openxmlformats.org/presentationml/2006/main">
+  <p:cSld>
+    <p:spTree>
+      <p:nvGrpSpPr>
+        <p:cNvPr id="1" name=""/>
+        <p:cNvGrpSpPr/>
+        <p:nvPr/>
+      </p:nvGrpSpPr>
+      <p:grpSpPr>
+        <a:xfrm>
+          <a:off x="0" y="0"/>
+          <a:ext cx="0" cy="0"/>
+          <a:chOff x="0" y="0"/>
+          <a:chExt cx="0" cy="0"/>
+        </a:xfrm>
+      </p:grpSpPr>
+      <p:sp>
+        <p:nvSpPr>
+          <p:cNvPr id="2" name="Slide Image Placeholder 1"/>
+          <p:cNvSpPr>
+            <a:spLocks noGrp="1" noRot="1" noChangeAspect="1"/>
+          </p:cNvSpPr>
+          <p:nvPr>
+            <p:ph type="sldImg"/>
+          </p:nvPr>
+        </p:nvSpPr>
+        <p:spPr/>
+      </p:sp>
+      <p:sp>
+        <p:nvSpPr>
+          <p:cNvPr id="3" name="Notes Placeholder 2"/>
+          <p:cNvSpPr>
+            <a:spLocks noGrp="1"/>
+          </p:cNvSpPr>
+          <p:nvPr>
+            <p:ph type="body" idx="1"/>
+          </p:nvPr>
+        </p:nvSpPr>
+        <p:spPr/>
+        <p:txBody>
+          <a:bodyPr/>
+          <a:lstStyle/>
+          <a:p>
+            <a:r>
+              <a:rPr lang="de-DE" dirty="0"/>
+              <a:t>Moritz</a:t>
+            </a:r>
+          </a:p>
+        </p:txBody>
+      </p:sp>
+      <p:sp>
+        <p:nvSpPr>
+          <p:cNvPr id="4" name="Slide Number Placeholder 3"/>
+          <p:cNvSpPr>
+            <a:spLocks noGrp="1"/>
+          </p:cNvSpPr>
+          <p:nvPr>
+            <p:ph type="sldNum" sz="quarter" idx="5"/>
+          </p:nvPr>
+        </p:nvSpPr>
+        <p:spPr/>
+        <p:txBody>
+          <a:bodyPr/>
+          <a:lstStyle/>
+          <a:p>
+            <a:fld id="{23C0600A-0E37-43D8-9B4E-8378DB5A7DD2}" type="slidenum">
+              <a:rPr lang="de-DE" smtClean="0"/>
+              <a:t>4</a:t>
+            </a:fld>
+            <a:endParaRPr lang="de-DE"/>
+          </a:p>
+        </p:txBody>
+      </p:sp>
+    </p:spTree>
+    <p:extLst>
+      <p:ext uri="{BB962C8B-B14F-4D97-AF65-F5344CB8AC3E}">
+        <p14:creationId xmlns:p14="http://schemas.microsoft.com/office/powerpoint/2010/main" val="202545097"/>
+      </p:ext>
+    </p:extLst>
+  </p:cSld>
+  <p:clrMapOvr>
+    <a:masterClrMapping/>
+  </p:clrMapOvr>
+</p:notes>
+</file>
+
+<file path=ppt/notesSlides/notesSlide3.xml><?xml version="1.0" encoding="utf-8"?>
+<p:notes xmlns:a="http://schemas.openxmlformats.org/drawingml/2006/main" xmlns:r="http://schemas.openxmlformats.org/officeDocument/2006/relationships" xmlns:p="http://schemas.openxmlformats.org/presentationml/2006/main">
+  <p:cSld>
+    <p:spTree>
+      <p:nvGrpSpPr>
+        <p:cNvPr id="1" name=""/>
+        <p:cNvGrpSpPr/>
+        <p:nvPr/>
+      </p:nvGrpSpPr>
+      <p:grpSpPr>
+        <a:xfrm>
+          <a:off x="0" y="0"/>
+          <a:ext cx="0" cy="0"/>
+          <a:chOff x="0" y="0"/>
+          <a:chExt cx="0" cy="0"/>
+        </a:xfrm>
+      </p:grpSpPr>
+      <p:sp>
+        <p:nvSpPr>
+          <p:cNvPr id="2" name="Slide Image Placeholder 1"/>
+          <p:cNvSpPr>
+            <a:spLocks noGrp="1" noRot="1" noChangeAspect="1"/>
+          </p:cNvSpPr>
+          <p:nvPr>
+            <p:ph type="sldImg"/>
+          </p:nvPr>
+        </p:nvSpPr>
+        <p:spPr/>
+      </p:sp>
+      <p:sp>
+        <p:nvSpPr>
+          <p:cNvPr id="3" name="Notes Placeholder 2"/>
+          <p:cNvSpPr>
+            <a:spLocks noGrp="1"/>
+          </p:cNvSpPr>
+          <p:nvPr>
+            <p:ph type="body" idx="1"/>
+          </p:nvPr>
+        </p:nvSpPr>
+        <p:spPr/>
+        <p:txBody>
+          <a:bodyPr/>
+          <a:lstStyle/>
+          <a:p>
+            <a:r>
+              <a:rPr lang="de-DE" dirty="0"/>
+              <a:t>Moritz</a:t>
+            </a:r>
+          </a:p>
+        </p:txBody>
+      </p:sp>
+      <p:sp>
+        <p:nvSpPr>
+          <p:cNvPr id="4" name="Slide Number Placeholder 3"/>
+          <p:cNvSpPr>
+            <a:spLocks noGrp="1"/>
+          </p:cNvSpPr>
+          <p:nvPr>
+            <p:ph type="sldNum" sz="quarter" idx="5"/>
+          </p:nvPr>
+        </p:nvSpPr>
+        <p:spPr/>
+        <p:txBody>
+          <a:bodyPr/>
+          <a:lstStyle/>
+          <a:p>
+            <a:fld id="{23C0600A-0E37-43D8-9B4E-8378DB5A7DD2}" type="slidenum">
+              <a:rPr lang="de-DE" smtClean="0"/>
+              <a:t>5</a:t>
+            </a:fld>
+            <a:endParaRPr lang="de-DE"/>
+          </a:p>
+        </p:txBody>
+      </p:sp>
+    </p:spTree>
+    <p:extLst>
+      <p:ext uri="{BB962C8B-B14F-4D97-AF65-F5344CB8AC3E}">
+        <p14:creationId xmlns:p14="http://schemas.microsoft.com/office/powerpoint/2010/main" val="1250686958"/>
+      </p:ext>
+    </p:extLst>
+  </p:cSld>
+  <p:clrMapOvr>
+    <a:masterClrMapping/>
+  </p:clrMapOvr>
+</p:notes>
+</file>
+
+<file path=ppt/notesSlides/notesSlide4.xml><?xml version="1.0" encoding="utf-8"?>
+<p:notes xmlns:a="http://schemas.openxmlformats.org/drawingml/2006/main" xmlns:r="http://schemas.openxmlformats.org/officeDocument/2006/relationships" xmlns:p="http://schemas.openxmlformats.org/presentationml/2006/main">
+  <p:cSld>
+    <p:spTree>
+      <p:nvGrpSpPr>
+        <p:cNvPr id="1" name=""/>
+        <p:cNvGrpSpPr/>
+        <p:nvPr/>
+      </p:nvGrpSpPr>
+      <p:grpSpPr>
+        <a:xfrm>
+          <a:off x="0" y="0"/>
+          <a:ext cx="0" cy="0"/>
+          <a:chOff x="0" y="0"/>
+          <a:chExt cx="0" cy="0"/>
+        </a:xfrm>
+      </p:grpSpPr>
+      <p:sp>
+        <p:nvSpPr>
+          <p:cNvPr id="2" name="Slide Image Placeholder 1"/>
+          <p:cNvSpPr>
+            <a:spLocks noGrp="1" noRot="1" noChangeAspect="1"/>
+          </p:cNvSpPr>
+          <p:nvPr>
+            <p:ph type="sldImg"/>
+          </p:nvPr>
+        </p:nvSpPr>
+        <p:spPr/>
+      </p:sp>
+      <p:sp>
+        <p:nvSpPr>
+          <p:cNvPr id="3" name="Notes Placeholder 2"/>
+          <p:cNvSpPr>
+            <a:spLocks noGrp="1"/>
+          </p:cNvSpPr>
+          <p:nvPr>
+            <p:ph type="body" idx="1"/>
+          </p:nvPr>
+        </p:nvSpPr>
+        <p:spPr/>
+        <p:txBody>
+          <a:bodyPr/>
+          <a:lstStyle/>
+          <a:p>
+            <a:r>
+              <a:rPr lang="de-DE" dirty="0"/>
+              <a:t>Moritz</a:t>
+            </a:r>
+          </a:p>
+        </p:txBody>
+      </p:sp>
+      <p:sp>
+        <p:nvSpPr>
+          <p:cNvPr id="4" name="Slide Number Placeholder 3"/>
+          <p:cNvSpPr>
+            <a:spLocks noGrp="1"/>
+          </p:cNvSpPr>
+          <p:nvPr>
+            <p:ph type="sldNum" sz="quarter" idx="5"/>
+          </p:nvPr>
+        </p:nvSpPr>
+        <p:spPr/>
+        <p:txBody>
+          <a:bodyPr/>
+          <a:lstStyle/>
+          <a:p>
+            <a:fld id="{23C0600A-0E37-43D8-9B4E-8378DB5A7DD2}" type="slidenum">
+              <a:rPr lang="de-DE" smtClean="0"/>
+              <a:t>7</a:t>
+            </a:fld>
+            <a:endParaRPr lang="de-DE"/>
+          </a:p>
+        </p:txBody>
+      </p:sp>
+    </p:spTree>
+    <p:extLst>
+      <p:ext uri="{BB962C8B-B14F-4D97-AF65-F5344CB8AC3E}">
+        <p14:creationId xmlns:p14="http://schemas.microsoft.com/office/powerpoint/2010/main" val="2758895538"/>
+      </p:ext>
+    </p:extLst>
+  </p:cSld>
+  <p:clrMapOvr>
+    <a:masterClrMapping/>
+  </p:clrMapOvr>
+</p:notes>
+</file>
+
+<file path=ppt/notesSlides/notesSlide5.xml><?xml version="1.0" encoding="utf-8"?>
+<p:notes xmlns:a="http://schemas.openxmlformats.org/drawingml/2006/main" xmlns:r="http://schemas.openxmlformats.org/officeDocument/2006/relationships" xmlns:p="http://schemas.openxmlformats.org/presentationml/2006/main">
+  <p:cSld>
+    <p:spTree>
+      <p:nvGrpSpPr>
+        <p:cNvPr id="1" name=""/>
+        <p:cNvGrpSpPr/>
+        <p:nvPr/>
+      </p:nvGrpSpPr>
+      <p:grpSpPr>
+        <a:xfrm>
+          <a:off x="0" y="0"/>
+          <a:ext cx="0" cy="0"/>
+          <a:chOff x="0" y="0"/>
+          <a:chExt cx="0" cy="0"/>
+        </a:xfrm>
+      </p:grpSpPr>
+      <p:sp>
+        <p:nvSpPr>
+          <p:cNvPr id="2" name="Slide Image Placeholder 1"/>
+          <p:cNvSpPr>
+            <a:spLocks noGrp="1" noRot="1" noChangeAspect="1"/>
+          </p:cNvSpPr>
+          <p:nvPr>
+            <p:ph type="sldImg"/>
+          </p:nvPr>
+        </p:nvSpPr>
+        <p:spPr/>
+      </p:sp>
+      <p:sp>
+        <p:nvSpPr>
+          <p:cNvPr id="3" name="Notes Placeholder 2"/>
+          <p:cNvSpPr>
+            <a:spLocks noGrp="1"/>
+          </p:cNvSpPr>
+          <p:nvPr>
+            <p:ph type="body" idx="1"/>
+          </p:nvPr>
+        </p:nvSpPr>
+        <p:spPr/>
+        <p:txBody>
+          <a:bodyPr/>
+          <a:lstStyle/>
+          <a:p>
+            <a:r>
+              <a:rPr lang="de-DE" dirty="0"/>
+              <a:t>Moritz</a:t>
+            </a:r>
+          </a:p>
+        </p:txBody>
+      </p:sp>
+      <p:sp>
+        <p:nvSpPr>
+          <p:cNvPr id="4" name="Slide Number Placeholder 3"/>
+          <p:cNvSpPr>
+            <a:spLocks noGrp="1"/>
+          </p:cNvSpPr>
+          <p:nvPr>
+            <p:ph type="sldNum" sz="quarter" idx="5"/>
+          </p:nvPr>
+        </p:nvSpPr>
+        <p:spPr/>
+        <p:txBody>
+          <a:bodyPr/>
+          <a:lstStyle/>
+          <a:p>
+            <a:fld id="{23C0600A-0E37-43D8-9B4E-8378DB5A7DD2}" type="slidenum">
+              <a:rPr lang="de-DE" smtClean="0"/>
+              <a:t>8</a:t>
+            </a:fld>
+            <a:endParaRPr lang="de-DE"/>
+          </a:p>
+        </p:txBody>
+      </p:sp>
+    </p:spTree>
+    <p:extLst>
+      <p:ext uri="{BB962C8B-B14F-4D97-AF65-F5344CB8AC3E}">
+        <p14:creationId xmlns:p14="http://schemas.microsoft.com/office/powerpoint/2010/main" val="976856496"/>
+      </p:ext>
+    </p:extLst>
+  </p:cSld>
+  <p:clrMapOvr>
+    <a:masterClrMapping/>
+  </p:clrMapOvr>
+</p:notes>
+</file>
+
+<file path=ppt/notesSlides/notesSlide6.xml><?xml version="1.0" encoding="utf-8"?>
+<p:notes xmlns:a="http://schemas.openxmlformats.org/drawingml/2006/main" xmlns:r="http://schemas.openxmlformats.org/officeDocument/2006/relationships" xmlns:p="http://schemas.openxmlformats.org/presentationml/2006/main">
+  <p:cSld>
+    <p:spTree>
+      <p:nvGrpSpPr>
+        <p:cNvPr id="1" name=""/>
+        <p:cNvGrpSpPr/>
+        <p:nvPr/>
+      </p:nvGrpSpPr>
+      <p:grpSpPr>
+        <a:xfrm>
+          <a:off x="0" y="0"/>
+          <a:ext cx="0" cy="0"/>
+          <a:chOff x="0" y="0"/>
+          <a:chExt cx="0" cy="0"/>
+        </a:xfrm>
+      </p:grpSpPr>
+      <p:sp>
+        <p:nvSpPr>
+          <p:cNvPr id="2" name="Slide Image Placeholder 1"/>
+          <p:cNvSpPr>
+            <a:spLocks noGrp="1" noRot="1" noChangeAspect="1"/>
+          </p:cNvSpPr>
+          <p:nvPr>
+            <p:ph type="sldImg"/>
+          </p:nvPr>
+        </p:nvSpPr>
+        <p:spPr/>
+      </p:sp>
+      <p:sp>
+        <p:nvSpPr>
+          <p:cNvPr id="3" name="Notes Placeholder 2"/>
+          <p:cNvSpPr>
+            <a:spLocks noGrp="1"/>
+          </p:cNvSpPr>
+          <p:nvPr>
+            <p:ph type="body" idx="1"/>
+          </p:nvPr>
+        </p:nvSpPr>
+        <p:spPr/>
+        <p:txBody>
+          <a:bodyPr/>
+          <a:lstStyle/>
+          <a:p>
+            <a:r>
+              <a:rPr lang="de-DE" dirty="0"/>
+              <a:t>Moritz</a:t>
+            </a:r>
+          </a:p>
+        </p:txBody>
+      </p:sp>
+      <p:sp>
+        <p:nvSpPr>
+          <p:cNvPr id="4" name="Slide Number Placeholder 3"/>
+          <p:cNvSpPr>
+            <a:spLocks noGrp="1"/>
+          </p:cNvSpPr>
+          <p:nvPr>
+            <p:ph type="sldNum" sz="quarter" idx="5"/>
+          </p:nvPr>
+        </p:nvSpPr>
+        <p:spPr/>
+        <p:txBody>
+          <a:bodyPr/>
+          <a:lstStyle/>
+          <a:p>
+            <a:fld id="{23C0600A-0E37-43D8-9B4E-8378DB5A7DD2}" type="slidenum">
+              <a:rPr lang="de-DE" smtClean="0"/>
+              <a:t>9</a:t>
+            </a:fld>
+            <a:endParaRPr lang="de-DE"/>
+          </a:p>
+        </p:txBody>
+      </p:sp>
+    </p:spTree>
+    <p:extLst>
+      <p:ext uri="{BB962C8B-B14F-4D97-AF65-F5344CB8AC3E}">
+        <p14:creationId xmlns:p14="http://schemas.microsoft.com/office/powerpoint/2010/main" val="2096232413"/>
+      </p:ext>
+    </p:extLst>
+  </p:cSld>
+  <p:clrMapOvr>
+    <a:masterClrMapping/>
+  </p:clrMapOvr>
+</p:notes>
+</file>
+
+<file path=ppt/notesSlides/notesSlide7.xml><?xml version="1.0" encoding="utf-8"?>
+<p:notes xmlns:a="http://schemas.openxmlformats.org/drawingml/2006/main" xmlns:r="http://schemas.openxmlformats.org/officeDocument/2006/relationships" xmlns:p="http://schemas.openxmlformats.org/presentationml/2006/main">
+  <p:cSld>
+    <p:spTree>
+      <p:nvGrpSpPr>
+        <p:cNvPr id="1" name=""/>
+        <p:cNvGrpSpPr/>
+        <p:nvPr/>
+      </p:nvGrpSpPr>
+      <p:grpSpPr>
+        <a:xfrm>
+          <a:off x="0" y="0"/>
+          <a:ext cx="0" cy="0"/>
+          <a:chOff x="0" y="0"/>
+          <a:chExt cx="0" cy="0"/>
+        </a:xfrm>
+      </p:grpSpPr>
+      <p:sp>
+        <p:nvSpPr>
+          <p:cNvPr id="2" name="Slide Image Placeholder 1"/>
+          <p:cNvSpPr>
+            <a:spLocks noGrp="1" noRot="1" noChangeAspect="1"/>
+          </p:cNvSpPr>
+          <p:nvPr>
+            <p:ph type="sldImg"/>
+          </p:nvPr>
+        </p:nvSpPr>
+        <p:spPr/>
+      </p:sp>
+      <p:sp>
+        <p:nvSpPr>
+          <p:cNvPr id="3" name="Notes Placeholder 2"/>
+          <p:cNvSpPr>
+            <a:spLocks noGrp="1"/>
+          </p:cNvSpPr>
+          <p:nvPr>
+            <p:ph type="body" idx="1"/>
+          </p:nvPr>
+        </p:nvSpPr>
+        <p:spPr/>
+        <p:txBody>
+          <a:bodyPr/>
+          <a:lstStyle/>
+          <a:p>
+            <a:r>
+              <a:rPr lang="de-DE" dirty="0"/>
+              <a:t>Moritz</a:t>
+            </a:r>
+          </a:p>
+        </p:txBody>
+      </p:sp>
+      <p:sp>
+        <p:nvSpPr>
+          <p:cNvPr id="4" name="Slide Number Placeholder 3"/>
+          <p:cNvSpPr>
+            <a:spLocks noGrp="1"/>
+          </p:cNvSpPr>
+          <p:nvPr>
+            <p:ph type="sldNum" sz="quarter" idx="5"/>
+          </p:nvPr>
+        </p:nvSpPr>
+        <p:spPr/>
+        <p:txBody>
+          <a:bodyPr/>
+          <a:lstStyle/>
+          <a:p>
+            <a:fld id="{23C0600A-0E37-43D8-9B4E-8378DB5A7DD2}" type="slidenum">
+              <a:rPr lang="de-DE" smtClean="0"/>
+              <a:t>10</a:t>
+            </a:fld>
+            <a:endParaRPr lang="de-DE"/>
+          </a:p>
+        </p:txBody>
+      </p:sp>
+    </p:spTree>
+    <p:extLst>
+      <p:ext uri="{BB962C8B-B14F-4D97-AF65-F5344CB8AC3E}">
+        <p14:creationId xmlns:p14="http://schemas.microsoft.com/office/powerpoint/2010/main" val="3127353626"/>
+      </p:ext>
+    </p:extLst>
+  </p:cSld>
+  <p:clrMapOvr>
+    <a:masterClrMapping/>
+  </p:clrMapOvr>
+</p:notes>
+</file>
+
+<file path=ppt/notesSlides/notesSlide8.xml><?xml version="1.0" encoding="utf-8"?>
+<p:notes xmlns:a="http://schemas.openxmlformats.org/drawingml/2006/main" xmlns:r="http://schemas.openxmlformats.org/officeDocument/2006/relationships" xmlns:p="http://schemas.openxmlformats.org/presentationml/2006/main">
+  <p:cSld>
+    <p:spTree>
+      <p:nvGrpSpPr>
+        <p:cNvPr id="1" name=""/>
+        <p:cNvGrpSpPr/>
+        <p:nvPr/>
+      </p:nvGrpSpPr>
+      <p:grpSpPr>
+        <a:xfrm>
+          <a:off x="0" y="0"/>
+          <a:ext cx="0" cy="0"/>
+          <a:chOff x="0" y="0"/>
+          <a:chExt cx="0" cy="0"/>
+        </a:xfrm>
+      </p:grpSpPr>
+      <p:sp>
+        <p:nvSpPr>
+          <p:cNvPr id="2" name="Slide Image Placeholder 1"/>
+          <p:cNvSpPr>
+            <a:spLocks noGrp="1" noRot="1" noChangeAspect="1"/>
+          </p:cNvSpPr>
+          <p:nvPr>
+            <p:ph type="sldImg"/>
+          </p:nvPr>
+        </p:nvSpPr>
+        <p:spPr/>
+      </p:sp>
+      <p:sp>
+        <p:nvSpPr>
+          <p:cNvPr id="3" name="Notes Placeholder 2"/>
+          <p:cNvSpPr>
+            <a:spLocks noGrp="1"/>
+          </p:cNvSpPr>
+          <p:nvPr>
+            <p:ph type="body" idx="1"/>
+          </p:nvPr>
+        </p:nvSpPr>
+        <p:spPr/>
+        <p:txBody>
+          <a:bodyPr/>
+          <a:lstStyle/>
+          <a:p>
+            <a:r>
+              <a:rPr lang="de-DE" dirty="0"/>
+              <a:t>Lada</a:t>
+            </a:r>
+          </a:p>
+        </p:txBody>
+      </p:sp>
+      <p:sp>
+        <p:nvSpPr>
+          <p:cNvPr id="4" name="Slide Number Placeholder 3"/>
+          <p:cNvSpPr>
+            <a:spLocks noGrp="1"/>
+          </p:cNvSpPr>
+          <p:nvPr>
+            <p:ph type="sldNum" sz="quarter" idx="5"/>
+          </p:nvPr>
+        </p:nvSpPr>
+        <p:spPr/>
+        <p:txBody>
+          <a:bodyPr/>
+          <a:lstStyle/>
+          <a:p>
+            <a:fld id="{23C0600A-0E37-43D8-9B4E-8378DB5A7DD2}" type="slidenum">
+              <a:rPr lang="de-DE" smtClean="0"/>
+              <a:t>11</a:t>
+            </a:fld>
+            <a:endParaRPr lang="de-DE"/>
+          </a:p>
+        </p:txBody>
+      </p:sp>
+    </p:spTree>
+    <p:extLst>
+      <p:ext uri="{BB962C8B-B14F-4D97-AF65-F5344CB8AC3E}">
+        <p14:creationId xmlns:p14="http://schemas.microsoft.com/office/powerpoint/2010/main" val="1382040621"/>
+      </p:ext>
+    </p:extLst>
+  </p:cSld>
+  <p:clrMapOvr>
+    <a:masterClrMapping/>
+  </p:clrMapOvr>
+</p:notes>
+</file>
+
+<file path=ppt/notesSlides/notesSlide9.xml><?xml version="1.0" encoding="utf-8"?>
+<p:notes xmlns:a="http://schemas.openxmlformats.org/drawingml/2006/main" xmlns:r="http://schemas.openxmlformats.org/officeDocument/2006/relationships" xmlns:p="http://schemas.openxmlformats.org/presentationml/2006/main">
+  <p:cSld>
+    <p:spTree>
+      <p:nvGrpSpPr>
+        <p:cNvPr id="1" name=""/>
+        <p:cNvGrpSpPr/>
+        <p:nvPr/>
+      </p:nvGrpSpPr>
+      <p:grpSpPr>
+        <a:xfrm>
+          <a:off x="0" y="0"/>
+          <a:ext cx="0" cy="0"/>
+          <a:chOff x="0" y="0"/>
+          <a:chExt cx="0" cy="0"/>
+        </a:xfrm>
+      </p:grpSpPr>
+      <p:sp>
+        <p:nvSpPr>
+          <p:cNvPr id="2" name="Slide Image Placeholder 1"/>
+          <p:cNvSpPr>
+            <a:spLocks noGrp="1" noRot="1" noChangeAspect="1"/>
+          </p:cNvSpPr>
+          <p:nvPr>
+            <p:ph type="sldImg"/>
+          </p:nvPr>
+        </p:nvSpPr>
+        <p:spPr/>
+      </p:sp>
+      <p:sp>
+        <p:nvSpPr>
+          <p:cNvPr id="3" name="Notes Placeholder 2"/>
+          <p:cNvSpPr>
+            <a:spLocks noGrp="1"/>
+          </p:cNvSpPr>
+          <p:nvPr>
+            <p:ph type="body" idx="1"/>
+          </p:nvPr>
+        </p:nvSpPr>
+        <p:spPr/>
+        <p:txBody>
+          <a:bodyPr/>
+          <a:lstStyle/>
+          <a:p>
+            <a:r>
+              <a:rPr lang="de-DE" dirty="0"/>
+              <a:t>Jonathan</a:t>
+            </a:r>
+          </a:p>
+        </p:txBody>
+      </p:sp>
+      <p:sp>
+        <p:nvSpPr>
+          <p:cNvPr id="4" name="Slide Number Placeholder 3"/>
+          <p:cNvSpPr>
+            <a:spLocks noGrp="1"/>
+          </p:cNvSpPr>
+          <p:nvPr>
+            <p:ph type="sldNum" sz="quarter" idx="5"/>
+          </p:nvPr>
+        </p:nvSpPr>
+        <p:spPr/>
+        <p:txBody>
+          <a:bodyPr/>
+          <a:lstStyle/>
+          <a:p>
+            <a:fld id="{23C0600A-0E37-43D8-9B4E-8378DB5A7DD2}" type="slidenum">
+              <a:rPr lang="de-DE" smtClean="0"/>
+              <a:t>12</a:t>
+            </a:fld>
+            <a:endParaRPr lang="de-DE"/>
+          </a:p>
+        </p:txBody>
+      </p:sp>
+    </p:spTree>
+    <p:extLst>
+      <p:ext uri="{BB962C8B-B14F-4D97-AF65-F5344CB8AC3E}">
+        <p14:creationId xmlns:p14="http://schemas.microsoft.com/office/powerpoint/2010/main" val="2812190330"/>
+      </p:ext>
+    </p:extLst>
+  </p:cSld>
+  <p:clrMapOvr>
+    <a:masterClrMapping/>
+  </p:clrMapOvr>
+</p:notes>
+</file>
+
 <file path=ppt/slideLayouts/slideLayout1.xml><?xml version="1.0" encoding="utf-8"?>
 <p:sldLayout xmlns:a="http://schemas.openxmlformats.org/drawingml/2006/main" xmlns:r="http://schemas.openxmlformats.org/officeDocument/2006/relationships" xmlns:p="http://schemas.openxmlformats.org/presentationml/2006/main" type="title" preserve="1">
   <p:cSld name="Tittellysbilde">
@@ -3212,7 +4790,7 @@
           <p:nvPr/>
         </p:nvPicPr>
         <p:blipFill rotWithShape="1">
-          <a:blip r:embed="rId2"/>
+          <a:blip r:embed="rId3"/>
           <a:srcRect t="41767" b="3625"/>
           <a:stretch/>
         </p:blipFill>
@@ -3261,9 +4839,9 @@
           </a:p>
         </p:txBody>
       </p:sp>
-      <mc:AlternateContent xmlns:mc="http://schemas.openxmlformats.org/markup-compatibility/2006">
-        <mc:Choice xmlns:p14="http://schemas.microsoft.com/office/powerpoint/2010/main" Requires="p14">
-          <p:contentPart p14:bwMode="auto" r:id="rId3">
+      <mc:AlternateContent xmlns:mc="http://schemas.openxmlformats.org/markup-compatibility/2006" xmlns:p14="http://schemas.microsoft.com/office/powerpoint/2010/main">
+        <mc:Choice Requires="p14">
+          <p:contentPart p14:bwMode="auto" r:id="rId4">
             <p14:nvContentPartPr>
               <p14:cNvPr id="4" name="Ink 3">
                 <a:extLst>
@@ -3281,7 +4859,7 @@
             </p14:xfrm>
           </p:contentPart>
         </mc:Choice>
-        <mc:Fallback>
+        <mc:Fallback xmlns="">
           <p:pic>
             <p:nvPicPr>
               <p:cNvPr id="4" name="Ink 3">
@@ -3295,7 +4873,7 @@
               <p:nvPr/>
             </p:nvPicPr>
             <p:blipFill>
-              <a:blip r:embed="rId4"/>
+              <a:blip r:embed="rId5"/>
               <a:stretch>
                 <a:fillRect/>
               </a:stretch>
@@ -3312,9 +4890,9 @@
           </p:pic>
         </mc:Fallback>
       </mc:AlternateContent>
-      <mc:AlternateContent xmlns:mc="http://schemas.openxmlformats.org/markup-compatibility/2006">
-        <mc:Choice xmlns:p14="http://schemas.microsoft.com/office/powerpoint/2010/main" Requires="p14">
-          <p:contentPart p14:bwMode="auto" r:id="rId5">
+      <mc:AlternateContent xmlns:mc="http://schemas.openxmlformats.org/markup-compatibility/2006" xmlns:p14="http://schemas.microsoft.com/office/powerpoint/2010/main">
+        <mc:Choice Requires="p14">
+          <p:contentPart p14:bwMode="auto" r:id="rId6">
             <p14:nvContentPartPr>
               <p14:cNvPr id="13" name="Ink 12">
                 <a:extLst>
@@ -3332,7 +4910,7 @@
             </p14:xfrm>
           </p:contentPart>
         </mc:Choice>
-        <mc:Fallback>
+        <mc:Fallback xmlns="">
           <p:pic>
             <p:nvPicPr>
               <p:cNvPr id="13" name="Ink 12">
@@ -3346,7 +4924,7 @@
               <p:nvPr/>
             </p:nvPicPr>
             <p:blipFill>
-              <a:blip r:embed="rId6"/>
+              <a:blip r:embed="rId7"/>
               <a:stretch>
                 <a:fillRect/>
               </a:stretch>
@@ -3363,9 +4941,9 @@
           </p:pic>
         </mc:Fallback>
       </mc:AlternateContent>
-      <mc:AlternateContent xmlns:mc="http://schemas.openxmlformats.org/markup-compatibility/2006">
-        <mc:Choice xmlns:p14="http://schemas.microsoft.com/office/powerpoint/2010/main" Requires="p14">
-          <p:contentPart p14:bwMode="auto" r:id="rId7">
+      <mc:AlternateContent xmlns:mc="http://schemas.openxmlformats.org/markup-compatibility/2006" xmlns:p14="http://schemas.microsoft.com/office/powerpoint/2010/main">
+        <mc:Choice Requires="p14">
+          <p:contentPart p14:bwMode="auto" r:id="rId8">
             <p14:nvContentPartPr>
               <p14:cNvPr id="14" name="Ink 13">
                 <a:extLst>
@@ -3383,7 +4961,7 @@
             </p14:xfrm>
           </p:contentPart>
         </mc:Choice>
-        <mc:Fallback>
+        <mc:Fallback xmlns="">
           <p:pic>
             <p:nvPicPr>
               <p:cNvPr id="14" name="Ink 13">
@@ -3397,7 +4975,7 @@
               <p:nvPr/>
             </p:nvPicPr>
             <p:blipFill>
-              <a:blip r:embed="rId8"/>
+              <a:blip r:embed="rId9"/>
               <a:stretch>
                 <a:fillRect/>
               </a:stretch>
@@ -3414,9 +4992,9 @@
           </p:pic>
         </mc:Fallback>
       </mc:AlternateContent>
-      <mc:AlternateContent xmlns:mc="http://schemas.openxmlformats.org/markup-compatibility/2006">
-        <mc:Choice xmlns:p14="http://schemas.microsoft.com/office/powerpoint/2010/main" Requires="p14">
-          <p:contentPart p14:bwMode="auto" r:id="rId9">
+      <mc:AlternateContent xmlns:mc="http://schemas.openxmlformats.org/markup-compatibility/2006" xmlns:p14="http://schemas.microsoft.com/office/powerpoint/2010/main">
+        <mc:Choice Requires="p14">
+          <p:contentPart p14:bwMode="auto" r:id="rId10">
             <p14:nvContentPartPr>
               <p14:cNvPr id="15" name="Ink 14">
                 <a:extLst>
@@ -3434,7 +5012,7 @@
             </p14:xfrm>
           </p:contentPart>
         </mc:Choice>
-        <mc:Fallback>
+        <mc:Fallback xmlns="">
           <p:pic>
             <p:nvPicPr>
               <p:cNvPr id="15" name="Ink 14">
@@ -3448,7 +5026,7 @@
               <p:nvPr/>
             </p:nvPicPr>
             <p:blipFill>
-              <a:blip r:embed="rId10"/>
+              <a:blip r:embed="rId11"/>
               <a:stretch>
                 <a:fillRect/>
               </a:stretch>
@@ -3595,6 +5173,32 @@
           </a:p>
           <a:p>
             <a:r>
+              <a:rPr lang="de-DE" dirty="0" err="1"/>
+              <a:t>No</a:t>
+            </a:r>
+            <a:r>
+              <a:rPr lang="de-DE" dirty="0"/>
+              <a:t> </a:t>
+            </a:r>
+            <a:r>
+              <a:rPr lang="de-DE" dirty="0" err="1"/>
+              <a:t>use</a:t>
+            </a:r>
+            <a:r>
+              <a:rPr lang="de-DE" dirty="0"/>
+              <a:t> </a:t>
+            </a:r>
+            <a:r>
+              <a:rPr lang="de-DE" dirty="0" err="1"/>
+              <a:t>of</a:t>
+            </a:r>
+            <a:r>
+              <a:rPr lang="de-DE" dirty="0"/>
+              <a:t> ERC721URIStorage</a:t>
+            </a:r>
+          </a:p>
+          <a:p>
+            <a:r>
               <a:rPr lang="de-DE" dirty="0"/>
               <a:t>Tokens </a:t>
             </a:r>
@@ -3906,7 +5510,7 @@
           <a:p>
             <a:r>
               <a:rPr lang="de-DE" dirty="0"/>
-              <a:t> Calls Registry </a:t>
+              <a:t>Calls Registry </a:t>
             </a:r>
             <a:r>
               <a:rPr lang="de-DE" dirty="0" err="1"/>
@@ -3943,6 +5547,80 @@
             <a:r>
               <a:rPr lang="de-DE" dirty="0" err="1"/>
               <a:t>finalized</a:t>
+            </a:r>
+            <a:endParaRPr lang="de-DE" dirty="0"/>
+          </a:p>
+          <a:p>
+            <a:r>
+              <a:rPr lang="de-DE" dirty="0" err="1"/>
+              <a:t>Only</a:t>
+            </a:r>
+            <a:r>
+              <a:rPr lang="de-DE" dirty="0"/>
+              <a:t> </a:t>
+            </a:r>
+            <a:r>
+              <a:rPr lang="de-DE" dirty="0" err="1"/>
+              <a:t>interacted</a:t>
+            </a:r>
+            <a:r>
+              <a:rPr lang="de-DE" dirty="0"/>
+              <a:t> </a:t>
+            </a:r>
+            <a:r>
+              <a:rPr lang="de-DE" dirty="0" err="1"/>
+              <a:t>with</a:t>
+            </a:r>
+            <a:r>
+              <a:rPr lang="de-DE" dirty="0"/>
+              <a:t> via </a:t>
+            </a:r>
+            <a:r>
+              <a:rPr lang="de-DE" dirty="0" err="1"/>
+              <a:t>proxies</a:t>
+            </a:r>
+            <a:endParaRPr lang="de-DE" dirty="0"/>
+          </a:p>
+          <a:p>
+            <a:r>
+              <a:rPr lang="de-DE" dirty="0"/>
+              <a:t>Can </a:t>
+            </a:r>
+            <a:r>
+              <a:rPr lang="de-DE" dirty="0" err="1"/>
+              <a:t>updated</a:t>
+            </a:r>
+            <a:r>
+              <a:rPr lang="de-DE" dirty="0"/>
+              <a:t> </a:t>
+            </a:r>
+            <a:r>
+              <a:rPr lang="de-DE" dirty="0" err="1"/>
+              <a:t>by</a:t>
+            </a:r>
+            <a:r>
+              <a:rPr lang="de-DE" dirty="0"/>
+              <a:t> </a:t>
+            </a:r>
+            <a:r>
+              <a:rPr lang="de-DE" dirty="0" err="1"/>
+              <a:t>deploying</a:t>
+            </a:r>
+            <a:r>
+              <a:rPr lang="de-DE" dirty="0"/>
+              <a:t> </a:t>
+            </a:r>
+            <a:r>
+              <a:rPr lang="de-DE" dirty="0" err="1"/>
+              <a:t>new</a:t>
+            </a:r>
+            <a:r>
+              <a:rPr lang="de-DE" dirty="0"/>
+              <a:t> </a:t>
+            </a:r>
+            <a:r>
+              <a:rPr lang="de-DE" dirty="0" err="1"/>
+              <a:t>version</a:t>
             </a:r>
             <a:endParaRPr lang="de-DE" dirty="0"/>
           </a:p>
@@ -5547,6 +7225,320 @@
           <a:bodyPr/>
           <a:lstStyle/>
           <a:p>
+            <a:r>
+              <a:rPr lang="de-DE" dirty="0" err="1"/>
+              <a:t>How</a:t>
+            </a:r>
+            <a:r>
+              <a:rPr lang="de-DE" dirty="0"/>
+              <a:t> </a:t>
+            </a:r>
+            <a:r>
+              <a:rPr lang="de-DE" dirty="0" err="1"/>
+              <a:t>to</a:t>
+            </a:r>
+            <a:r>
+              <a:rPr lang="de-DE" dirty="0"/>
+              <a:t> </a:t>
+            </a:r>
+            <a:r>
+              <a:rPr lang="de-DE" dirty="0" err="1"/>
+              <a:t>efficiently</a:t>
+            </a:r>
+            <a:r>
+              <a:rPr lang="de-DE" dirty="0"/>
+              <a:t> check </a:t>
+            </a:r>
+            <a:r>
+              <a:rPr lang="de-DE" dirty="0" err="1"/>
+              <a:t>wehther</a:t>
+            </a:r>
+            <a:r>
+              <a:rPr lang="de-DE" dirty="0"/>
+              <a:t> </a:t>
+            </a:r>
+            <a:r>
+              <a:rPr lang="de-DE" dirty="0" err="1"/>
+              <a:t>someone</a:t>
+            </a:r>
+            <a:r>
+              <a:rPr lang="de-DE" dirty="0"/>
+              <a:t> </a:t>
+            </a:r>
+            <a:r>
+              <a:rPr lang="de-DE" dirty="0" err="1"/>
+              <a:t>is</a:t>
+            </a:r>
+            <a:r>
+              <a:rPr lang="de-DE" dirty="0"/>
+              <a:t> </a:t>
+            </a:r>
+            <a:r>
+              <a:rPr lang="de-DE" dirty="0" err="1"/>
+              <a:t>married</a:t>
+            </a:r>
+            <a:endParaRPr lang="de-DE" dirty="0"/>
+          </a:p>
+          <a:p>
+            <a:r>
+              <a:rPr lang="de-DE" dirty="0" err="1"/>
+              <a:t>Reducing</a:t>
+            </a:r>
+            <a:r>
+              <a:rPr lang="de-DE" dirty="0"/>
+              <a:t> gas </a:t>
+            </a:r>
+            <a:r>
+              <a:rPr lang="de-DE" dirty="0" err="1"/>
+              <a:t>costs</a:t>
+            </a:r>
+            <a:r>
+              <a:rPr lang="de-DE" dirty="0"/>
+              <a:t> (</a:t>
+            </a:r>
+            <a:r>
+              <a:rPr lang="de-DE" dirty="0">
+                <a:sym typeface="Wingdings" panose="05000000000000000000" pitchFamily="2" charset="2"/>
+              </a:rPr>
+              <a:t></a:t>
+            </a:r>
+            <a:r>
+              <a:rPr lang="de-DE" dirty="0" err="1">
+                <a:sym typeface="Wingdings" panose="05000000000000000000" pitchFamily="2" charset="2"/>
+              </a:rPr>
+              <a:t>Proxies</a:t>
+            </a:r>
+            <a:r>
+              <a:rPr lang="de-DE" dirty="0">
+                <a:sym typeface="Wingdings" panose="05000000000000000000" pitchFamily="2" charset="2"/>
+              </a:rPr>
+              <a:t>)</a:t>
+            </a:r>
+          </a:p>
+          <a:p>
+            <a:r>
+              <a:rPr lang="de-DE" dirty="0" err="1">
+                <a:sym typeface="Wingdings" panose="05000000000000000000" pitchFamily="2" charset="2"/>
+              </a:rPr>
+              <a:t>Polygamy</a:t>
+            </a:r>
+            <a:r>
+              <a:rPr lang="de-DE" dirty="0">
+                <a:sym typeface="Wingdings" panose="05000000000000000000" pitchFamily="2" charset="2"/>
+              </a:rPr>
+              <a:t> </a:t>
+            </a:r>
+            <a:r>
+              <a:rPr lang="de-DE" dirty="0" err="1">
+                <a:sym typeface="Wingdings" panose="05000000000000000000" pitchFamily="2" charset="2"/>
+              </a:rPr>
+              <a:t>edge</a:t>
+            </a:r>
+            <a:r>
+              <a:rPr lang="de-DE" dirty="0">
+                <a:sym typeface="Wingdings" panose="05000000000000000000" pitchFamily="2" charset="2"/>
+              </a:rPr>
+              <a:t> </a:t>
+            </a:r>
+            <a:r>
+              <a:rPr lang="de-DE" dirty="0" err="1">
+                <a:sym typeface="Wingdings" panose="05000000000000000000" pitchFamily="2" charset="2"/>
+              </a:rPr>
+              <a:t>cases</a:t>
+            </a:r>
+            <a:endParaRPr lang="de-DE" dirty="0">
+              <a:sym typeface="Wingdings" panose="05000000000000000000" pitchFamily="2" charset="2"/>
+            </a:endParaRPr>
+          </a:p>
+          <a:p>
+            <a:pPr lvl="1"/>
+            <a:r>
+              <a:rPr lang="de-DE" dirty="0">
+                <a:sym typeface="Wingdings" panose="05000000000000000000" pitchFamily="2" charset="2"/>
+              </a:rPr>
+              <a:t>2 out </a:t>
+            </a:r>
+            <a:r>
+              <a:rPr lang="de-DE" dirty="0" err="1">
+                <a:sym typeface="Wingdings" panose="05000000000000000000" pitchFamily="2" charset="2"/>
+              </a:rPr>
+              <a:t>of</a:t>
+            </a:r>
+            <a:r>
+              <a:rPr lang="de-DE" dirty="0">
+                <a:sym typeface="Wingdings" panose="05000000000000000000" pitchFamily="2" charset="2"/>
+              </a:rPr>
+              <a:t> N </a:t>
+            </a:r>
+            <a:r>
+              <a:rPr lang="de-DE" dirty="0" err="1">
+                <a:sym typeface="Wingdings" panose="05000000000000000000" pitchFamily="2" charset="2"/>
+              </a:rPr>
+              <a:t>for</a:t>
+            </a:r>
+            <a:r>
+              <a:rPr lang="de-DE" dirty="0">
+                <a:sym typeface="Wingdings" panose="05000000000000000000" pitchFamily="2" charset="2"/>
+              </a:rPr>
+              <a:t> </a:t>
+            </a:r>
+            <a:r>
+              <a:rPr lang="de-DE" dirty="0" err="1">
+                <a:sym typeface="Wingdings" panose="05000000000000000000" pitchFamily="2" charset="2"/>
+              </a:rPr>
+              <a:t>divorce</a:t>
+            </a:r>
+            <a:endParaRPr lang="de-DE" dirty="0">
+              <a:sym typeface="Wingdings" panose="05000000000000000000" pitchFamily="2" charset="2"/>
+            </a:endParaRPr>
+          </a:p>
+          <a:p>
+            <a:pPr lvl="1"/>
+            <a:r>
+              <a:rPr lang="de-DE" dirty="0" err="1">
+                <a:sym typeface="Wingdings" panose="05000000000000000000" pitchFamily="2" charset="2"/>
+              </a:rPr>
+              <a:t>How</a:t>
+            </a:r>
+            <a:r>
+              <a:rPr lang="de-DE" dirty="0">
+                <a:sym typeface="Wingdings" panose="05000000000000000000" pitchFamily="2" charset="2"/>
+              </a:rPr>
+              <a:t> </a:t>
+            </a:r>
+            <a:r>
+              <a:rPr lang="de-DE" dirty="0" err="1">
+                <a:sym typeface="Wingdings" panose="05000000000000000000" pitchFamily="2" charset="2"/>
+              </a:rPr>
+              <a:t>to</a:t>
+            </a:r>
+            <a:r>
+              <a:rPr lang="de-DE" dirty="0">
+                <a:sym typeface="Wingdings" panose="05000000000000000000" pitchFamily="2" charset="2"/>
+              </a:rPr>
+              <a:t> handle </a:t>
+            </a:r>
+            <a:r>
+              <a:rPr lang="de-DE" dirty="0" err="1">
+                <a:sym typeface="Wingdings" panose="05000000000000000000" pitchFamily="2" charset="2"/>
+              </a:rPr>
+              <a:t>duplicates</a:t>
+            </a:r>
+            <a:r>
+              <a:rPr lang="de-DE" dirty="0">
+                <a:sym typeface="Wingdings" panose="05000000000000000000" pitchFamily="2" charset="2"/>
+              </a:rPr>
+              <a:t> in </a:t>
+            </a:r>
+            <a:r>
+              <a:rPr lang="de-DE" dirty="0" err="1">
+                <a:sym typeface="Wingdings" panose="05000000000000000000" pitchFamily="2" charset="2"/>
+              </a:rPr>
+              <a:t>list</a:t>
+            </a:r>
+            <a:r>
+              <a:rPr lang="de-DE" dirty="0">
+                <a:sym typeface="Wingdings" panose="05000000000000000000" pitchFamily="2" charset="2"/>
+              </a:rPr>
+              <a:t>?</a:t>
+            </a:r>
+          </a:p>
+          <a:p>
+            <a:r>
+              <a:rPr lang="de-DE" dirty="0" err="1">
+                <a:sym typeface="Wingdings" panose="05000000000000000000" pitchFamily="2" charset="2"/>
+              </a:rPr>
+              <a:t>Differences</a:t>
+            </a:r>
+            <a:r>
+              <a:rPr lang="de-DE" dirty="0">
+                <a:sym typeface="Wingdings" panose="05000000000000000000" pitchFamily="2" charset="2"/>
+              </a:rPr>
+              <a:t> </a:t>
+            </a:r>
+            <a:r>
+              <a:rPr lang="de-DE" dirty="0" err="1">
+                <a:sym typeface="Wingdings" panose="05000000000000000000" pitchFamily="2" charset="2"/>
+              </a:rPr>
+              <a:t>between</a:t>
+            </a:r>
+            <a:r>
+              <a:rPr lang="de-DE" dirty="0">
+                <a:sym typeface="Wingdings" panose="05000000000000000000" pitchFamily="2" charset="2"/>
+              </a:rPr>
+              <a:t> </a:t>
+            </a:r>
+            <a:r>
+              <a:rPr lang="de-DE" dirty="0" err="1">
+                <a:sym typeface="Wingdings" panose="05000000000000000000" pitchFamily="2" charset="2"/>
+              </a:rPr>
+              <a:t>Görli</a:t>
+            </a:r>
+            <a:r>
+              <a:rPr lang="de-DE" dirty="0">
+                <a:sym typeface="Wingdings" panose="05000000000000000000" pitchFamily="2" charset="2"/>
+              </a:rPr>
+              <a:t> </a:t>
+            </a:r>
+            <a:r>
+              <a:rPr lang="de-DE" dirty="0" err="1">
+                <a:sym typeface="Wingdings" panose="05000000000000000000" pitchFamily="2" charset="2"/>
+              </a:rPr>
+              <a:t>testchain</a:t>
+            </a:r>
+            <a:r>
+              <a:rPr lang="de-DE" dirty="0">
+                <a:sym typeface="Wingdings" panose="05000000000000000000" pitchFamily="2" charset="2"/>
+              </a:rPr>
+              <a:t> and </a:t>
+            </a:r>
+            <a:r>
+              <a:rPr lang="de-DE" dirty="0" err="1">
+                <a:sym typeface="Wingdings" panose="05000000000000000000" pitchFamily="2" charset="2"/>
+              </a:rPr>
+              <a:t>local</a:t>
+            </a:r>
+            <a:r>
+              <a:rPr lang="de-DE" dirty="0">
+                <a:sym typeface="Wingdings" panose="05000000000000000000" pitchFamily="2" charset="2"/>
+              </a:rPr>
+              <a:t> Ganache </a:t>
+            </a:r>
+            <a:r>
+              <a:rPr lang="de-DE" dirty="0" err="1">
+                <a:sym typeface="Wingdings" panose="05000000000000000000" pitchFamily="2" charset="2"/>
+              </a:rPr>
+              <a:t>chain</a:t>
+            </a:r>
+            <a:endParaRPr lang="de-DE" dirty="0">
+              <a:sym typeface="Wingdings" panose="05000000000000000000" pitchFamily="2" charset="2"/>
+            </a:endParaRPr>
+          </a:p>
+          <a:p>
+            <a:r>
+              <a:rPr lang="de-DE" dirty="0" err="1">
+                <a:sym typeface="Wingdings" panose="05000000000000000000" pitchFamily="2" charset="2"/>
+              </a:rPr>
+              <a:t>Efficient</a:t>
+            </a:r>
+            <a:r>
+              <a:rPr lang="de-DE" dirty="0">
+                <a:sym typeface="Wingdings" panose="05000000000000000000" pitchFamily="2" charset="2"/>
+              </a:rPr>
+              <a:t> </a:t>
+            </a:r>
+            <a:r>
+              <a:rPr lang="de-DE" dirty="0" err="1">
+                <a:sym typeface="Wingdings" panose="05000000000000000000" pitchFamily="2" charset="2"/>
+              </a:rPr>
+              <a:t>Testing</a:t>
+            </a:r>
+            <a:r>
+              <a:rPr lang="de-DE" dirty="0">
+                <a:sym typeface="Wingdings" panose="05000000000000000000" pitchFamily="2" charset="2"/>
+              </a:rPr>
+              <a:t> (Brownie) </a:t>
+            </a:r>
             <a:endParaRPr lang="de-DE" dirty="0"/>
           </a:p>
         </p:txBody>
@@ -6004,7 +7996,7 @@
           <p:nvPr/>
         </p:nvPicPr>
         <p:blipFill>
-          <a:blip r:embed="rId2"/>
+          <a:blip r:embed="rId3"/>
           <a:stretch>
             <a:fillRect/>
           </a:stretch>
@@ -6203,7 +8195,7 @@
           </p:nvPr>
         </p:nvPicPr>
         <p:blipFill>
-          <a:blip r:embed="rId2"/>
+          <a:blip r:embed="rId3"/>
           <a:stretch>
             <a:fillRect/>
           </a:stretch>
@@ -6231,7 +8223,7 @@
           <p:nvPr/>
         </p:nvPicPr>
         <p:blipFill rotWithShape="1">
-          <a:blip r:embed="rId3"/>
+          <a:blip r:embed="rId4"/>
           <a:srcRect r="67215"/>
           <a:stretch/>
         </p:blipFill>
@@ -6260,7 +8252,7 @@
           <p:nvPr/>
         </p:nvPicPr>
         <p:blipFill rotWithShape="1">
-          <a:blip r:embed="rId4"/>
+          <a:blip r:embed="rId5"/>
           <a:srcRect r="66957" b="11010"/>
           <a:stretch/>
         </p:blipFill>
@@ -7848,8 +9840,8 @@
         </p:nvSpPr>
         <p:spPr>
           <a:xfrm>
-            <a:off x="2567940" y="812811"/>
-            <a:ext cx="2819400" cy="158162"/>
+            <a:off x="2567939" y="812811"/>
+            <a:ext cx="4935519" cy="328282"/>
           </a:xfrm>
           <a:prstGeom prst="rect">
             <a:avLst/>
@@ -9451,8 +11443,8 @@
         </p:nvSpPr>
         <p:spPr>
           <a:xfrm>
-            <a:off x="2567940" y="948523"/>
-            <a:ext cx="4907280" cy="192569"/>
+            <a:off x="2487921" y="1405623"/>
+            <a:ext cx="5916484" cy="296243"/>
           </a:xfrm>
           <a:prstGeom prst="rect">
             <a:avLst/>
@@ -9499,7 +11491,7 @@
     </p:spTree>
     <p:extLst>
       <p:ext uri="{BB962C8B-B14F-4D97-AF65-F5344CB8AC3E}">
-        <p14:creationId xmlns:p14="http://schemas.microsoft.com/office/powerpoint/2010/main" val="1779437505"/>
+        <p14:creationId xmlns:p14="http://schemas.microsoft.com/office/powerpoint/2010/main" val="1160993291"/>
       </p:ext>
     </p:extLst>
   </p:cSld>
@@ -9626,6 +11618,89 @@
 </file>
 
 <file path=ppt/slides/slide20.xml><?xml version="1.0" encoding="utf-8"?>
+<p:sld xmlns:a="http://schemas.openxmlformats.org/drawingml/2006/main" xmlns:r="http://schemas.openxmlformats.org/officeDocument/2006/relationships" xmlns:p="http://schemas.openxmlformats.org/presentationml/2006/main">
+  <p:cSld>
+    <p:spTree>
+      <p:nvGrpSpPr>
+        <p:cNvPr id="1" name=""/>
+        <p:cNvGrpSpPr/>
+        <p:nvPr/>
+      </p:nvGrpSpPr>
+      <p:grpSpPr>
+        <a:xfrm>
+          <a:off x="0" y="0"/>
+          <a:ext cx="0" cy="0"/>
+          <a:chOff x="0" y="0"/>
+          <a:chExt cx="0" cy="0"/>
+        </a:xfrm>
+      </p:grpSpPr>
+      <p:sp>
+        <p:nvSpPr>
+          <p:cNvPr id="2" name="Title 1">
+            <a:extLst>
+              <a:ext uri="{FF2B5EF4-FFF2-40B4-BE49-F238E27FC236}">
+                <a16:creationId xmlns:a16="http://schemas.microsoft.com/office/drawing/2014/main" id="{1C1054AD-3931-ECEE-8662-7ED9D93862B6}"/>
+              </a:ext>
+            </a:extLst>
+          </p:cNvPr>
+          <p:cNvSpPr>
+            <a:spLocks noGrp="1"/>
+          </p:cNvSpPr>
+          <p:nvPr>
+            <p:ph type="title"/>
+          </p:nvPr>
+        </p:nvSpPr>
+        <p:spPr/>
+        <p:txBody>
+          <a:bodyPr/>
+          <a:lstStyle/>
+          <a:p>
+            <a:r>
+              <a:rPr lang="de-DE" dirty="0"/>
+              <a:t>Demo</a:t>
+            </a:r>
+          </a:p>
+        </p:txBody>
+      </p:sp>
+      <p:sp>
+        <p:nvSpPr>
+          <p:cNvPr id="3" name="Content Placeholder 2">
+            <a:extLst>
+              <a:ext uri="{FF2B5EF4-FFF2-40B4-BE49-F238E27FC236}">
+                <a16:creationId xmlns:a16="http://schemas.microsoft.com/office/drawing/2014/main" id="{A9BCBFA6-52D5-A9AE-9F2C-3BEA1805B4B6}"/>
+              </a:ext>
+            </a:extLst>
+          </p:cNvPr>
+          <p:cNvSpPr>
+            <a:spLocks noGrp="1"/>
+          </p:cNvSpPr>
+          <p:nvPr>
+            <p:ph idx="1"/>
+          </p:nvPr>
+        </p:nvSpPr>
+        <p:spPr/>
+        <p:txBody>
+          <a:bodyPr/>
+          <a:lstStyle/>
+          <a:p>
+            <a:endParaRPr lang="de-DE"/>
+          </a:p>
+        </p:txBody>
+      </p:sp>
+    </p:spTree>
+    <p:extLst>
+      <p:ext uri="{BB962C8B-B14F-4D97-AF65-F5344CB8AC3E}">
+        <p14:creationId xmlns:p14="http://schemas.microsoft.com/office/powerpoint/2010/main" val="3636581264"/>
+      </p:ext>
+    </p:extLst>
+  </p:cSld>
+  <p:clrMapOvr>
+    <a:masterClrMapping/>
+  </p:clrMapOvr>
+</p:sld>
+</file>
+
+<file path=ppt/slides/slide21.xml><?xml version="1.0" encoding="utf-8"?>
 <p:sld xmlns:a="http://schemas.openxmlformats.org/drawingml/2006/main" xmlns:r="http://schemas.openxmlformats.org/officeDocument/2006/relationships" xmlns:p="http://schemas.openxmlformats.org/presentationml/2006/main">
   <p:cSld>
     <p:spTree>
@@ -11087,8 +13162,8 @@
         </p:nvSpPr>
         <p:spPr>
           <a:xfrm>
-            <a:off x="2487920" y="1398766"/>
-            <a:ext cx="6336039" cy="303100"/>
+            <a:off x="2511627" y="1642336"/>
+            <a:ext cx="3978472" cy="791482"/>
           </a:xfrm>
           <a:prstGeom prst="rect">
             <a:avLst/>
@@ -11135,7 +13210,7 @@
     </p:spTree>
     <p:extLst>
       <p:ext uri="{BB962C8B-B14F-4D97-AF65-F5344CB8AC3E}">
-        <p14:creationId xmlns:p14="http://schemas.microsoft.com/office/powerpoint/2010/main" val="320855218"/>
+        <p14:creationId xmlns:p14="http://schemas.microsoft.com/office/powerpoint/2010/main" val="1971837404"/>
       </p:ext>
     </p:extLst>
   </p:cSld>
@@ -11145,7 +13220,90 @@
 </p:sld>
 </file>
 
-<file path=ppt/slides/slide21.xml><?xml version="1.0" encoding="utf-8"?>
+<file path=ppt/slides/slide22.xml><?xml version="1.0" encoding="utf-8"?>
+<p:sld xmlns:a="http://schemas.openxmlformats.org/drawingml/2006/main" xmlns:r="http://schemas.openxmlformats.org/officeDocument/2006/relationships" xmlns:p="http://schemas.openxmlformats.org/presentationml/2006/main">
+  <p:cSld>
+    <p:spTree>
+      <p:nvGrpSpPr>
+        <p:cNvPr id="1" name=""/>
+        <p:cNvGrpSpPr/>
+        <p:nvPr/>
+      </p:nvGrpSpPr>
+      <p:grpSpPr>
+        <a:xfrm>
+          <a:off x="0" y="0"/>
+          <a:ext cx="0" cy="0"/>
+          <a:chOff x="0" y="0"/>
+          <a:chExt cx="0" cy="0"/>
+        </a:xfrm>
+      </p:grpSpPr>
+      <p:sp>
+        <p:nvSpPr>
+          <p:cNvPr id="2" name="Title 1">
+            <a:extLst>
+              <a:ext uri="{FF2B5EF4-FFF2-40B4-BE49-F238E27FC236}">
+                <a16:creationId xmlns:a16="http://schemas.microsoft.com/office/drawing/2014/main" id="{1C1054AD-3931-ECEE-8662-7ED9D93862B6}"/>
+              </a:ext>
+            </a:extLst>
+          </p:cNvPr>
+          <p:cNvSpPr>
+            <a:spLocks noGrp="1"/>
+          </p:cNvSpPr>
+          <p:nvPr>
+            <p:ph type="title"/>
+          </p:nvPr>
+        </p:nvSpPr>
+        <p:spPr/>
+        <p:txBody>
+          <a:bodyPr/>
+          <a:lstStyle/>
+          <a:p>
+            <a:r>
+              <a:rPr lang="de-DE" dirty="0"/>
+              <a:t>Demo</a:t>
+            </a:r>
+          </a:p>
+        </p:txBody>
+      </p:sp>
+      <p:sp>
+        <p:nvSpPr>
+          <p:cNvPr id="3" name="Content Placeholder 2">
+            <a:extLst>
+              <a:ext uri="{FF2B5EF4-FFF2-40B4-BE49-F238E27FC236}">
+                <a16:creationId xmlns:a16="http://schemas.microsoft.com/office/drawing/2014/main" id="{A9BCBFA6-52D5-A9AE-9F2C-3BEA1805B4B6}"/>
+              </a:ext>
+            </a:extLst>
+          </p:cNvPr>
+          <p:cNvSpPr>
+            <a:spLocks noGrp="1"/>
+          </p:cNvSpPr>
+          <p:nvPr>
+            <p:ph idx="1"/>
+          </p:nvPr>
+        </p:nvSpPr>
+        <p:spPr/>
+        <p:txBody>
+          <a:bodyPr/>
+          <a:lstStyle/>
+          <a:p>
+            <a:endParaRPr lang="de-DE"/>
+          </a:p>
+        </p:txBody>
+      </p:sp>
+    </p:spTree>
+    <p:extLst>
+      <p:ext uri="{BB962C8B-B14F-4D97-AF65-F5344CB8AC3E}">
+        <p14:creationId xmlns:p14="http://schemas.microsoft.com/office/powerpoint/2010/main" val="342888343"/>
+      </p:ext>
+    </p:extLst>
+  </p:cSld>
+  <p:clrMapOvr>
+    <a:masterClrMapping/>
+  </p:clrMapOvr>
+</p:sld>
+</file>
+
+<file path=ppt/slides/slide23.xml><?xml version="1.0" encoding="utf-8"?>
 <p:sld xmlns:a="http://schemas.openxmlformats.org/drawingml/2006/main" xmlns:r="http://schemas.openxmlformats.org/officeDocument/2006/relationships" xmlns:p="http://schemas.openxmlformats.org/presentationml/2006/main">
   <p:cSld>
     <p:spTree>
@@ -12607,8 +14765,8 @@
         </p:nvSpPr>
         <p:spPr>
           <a:xfrm>
-            <a:off x="2511627" y="1642336"/>
-            <a:ext cx="3978472" cy="791482"/>
+            <a:off x="2511626" y="2516820"/>
+            <a:ext cx="4523911" cy="343125"/>
           </a:xfrm>
           <a:prstGeom prst="rect">
             <a:avLst/>
@@ -12655,7 +14813,3296 @@
     </p:spTree>
     <p:extLst>
       <p:ext uri="{BB962C8B-B14F-4D97-AF65-F5344CB8AC3E}">
-        <p14:creationId xmlns:p14="http://schemas.microsoft.com/office/powerpoint/2010/main" val="1971837404"/>
+        <p14:creationId xmlns:p14="http://schemas.microsoft.com/office/powerpoint/2010/main" val="4176158355"/>
+      </p:ext>
+    </p:extLst>
+  </p:cSld>
+  <p:clrMapOvr>
+    <a:masterClrMapping/>
+  </p:clrMapOvr>
+</p:sld>
+</file>
+
+<file path=ppt/slides/slide24.xml><?xml version="1.0" encoding="utf-8"?>
+<p:sld xmlns:a="http://schemas.openxmlformats.org/drawingml/2006/main" xmlns:r="http://schemas.openxmlformats.org/officeDocument/2006/relationships" xmlns:p="http://schemas.openxmlformats.org/presentationml/2006/main">
+  <p:cSld>
+    <p:spTree>
+      <p:nvGrpSpPr>
+        <p:cNvPr id="1" name=""/>
+        <p:cNvGrpSpPr/>
+        <p:nvPr/>
+      </p:nvGrpSpPr>
+      <p:grpSpPr>
+        <a:xfrm>
+          <a:off x="0" y="0"/>
+          <a:ext cx="0" cy="0"/>
+          <a:chOff x="0" y="0"/>
+          <a:chExt cx="0" cy="0"/>
+        </a:xfrm>
+      </p:grpSpPr>
+      <p:sp>
+        <p:nvSpPr>
+          <p:cNvPr id="2" name="Title 1">
+            <a:extLst>
+              <a:ext uri="{FF2B5EF4-FFF2-40B4-BE49-F238E27FC236}">
+                <a16:creationId xmlns:a16="http://schemas.microsoft.com/office/drawing/2014/main" id="{1C1054AD-3931-ECEE-8662-7ED9D93862B6}"/>
+              </a:ext>
+            </a:extLst>
+          </p:cNvPr>
+          <p:cNvSpPr>
+            <a:spLocks noGrp="1"/>
+          </p:cNvSpPr>
+          <p:nvPr>
+            <p:ph type="title"/>
+          </p:nvPr>
+        </p:nvSpPr>
+        <p:spPr/>
+        <p:txBody>
+          <a:bodyPr/>
+          <a:lstStyle/>
+          <a:p>
+            <a:r>
+              <a:rPr lang="de-DE" dirty="0"/>
+              <a:t>Demo</a:t>
+            </a:r>
+          </a:p>
+        </p:txBody>
+      </p:sp>
+      <p:sp>
+        <p:nvSpPr>
+          <p:cNvPr id="3" name="Content Placeholder 2">
+            <a:extLst>
+              <a:ext uri="{FF2B5EF4-FFF2-40B4-BE49-F238E27FC236}">
+                <a16:creationId xmlns:a16="http://schemas.microsoft.com/office/drawing/2014/main" id="{A9BCBFA6-52D5-A9AE-9F2C-3BEA1805B4B6}"/>
+              </a:ext>
+            </a:extLst>
+          </p:cNvPr>
+          <p:cNvSpPr>
+            <a:spLocks noGrp="1"/>
+          </p:cNvSpPr>
+          <p:nvPr>
+            <p:ph idx="1"/>
+          </p:nvPr>
+        </p:nvSpPr>
+        <p:spPr/>
+        <p:txBody>
+          <a:bodyPr/>
+          <a:lstStyle/>
+          <a:p>
+            <a:endParaRPr lang="de-DE"/>
+          </a:p>
+        </p:txBody>
+      </p:sp>
+    </p:spTree>
+    <p:extLst>
+      <p:ext uri="{BB962C8B-B14F-4D97-AF65-F5344CB8AC3E}">
+        <p14:creationId xmlns:p14="http://schemas.microsoft.com/office/powerpoint/2010/main" val="3352737205"/>
+      </p:ext>
+    </p:extLst>
+  </p:cSld>
+  <p:clrMapOvr>
+    <a:masterClrMapping/>
+  </p:clrMapOvr>
+</p:sld>
+</file>
+
+<file path=ppt/slides/slide25.xml><?xml version="1.0" encoding="utf-8"?>
+<p:sld xmlns:a="http://schemas.openxmlformats.org/drawingml/2006/main" xmlns:r="http://schemas.openxmlformats.org/officeDocument/2006/relationships" xmlns:p="http://schemas.openxmlformats.org/presentationml/2006/main">
+  <p:cSld>
+    <p:spTree>
+      <p:nvGrpSpPr>
+        <p:cNvPr id="1" name=""/>
+        <p:cNvGrpSpPr/>
+        <p:nvPr/>
+      </p:nvGrpSpPr>
+      <p:grpSpPr>
+        <a:xfrm>
+          <a:off x="0" y="0"/>
+          <a:ext cx="0" cy="0"/>
+          <a:chOff x="0" y="0"/>
+          <a:chExt cx="0" cy="0"/>
+        </a:xfrm>
+      </p:grpSpPr>
+      <p:sp>
+        <p:nvSpPr>
+          <p:cNvPr id="2" name="Title 1">
+            <a:extLst>
+              <a:ext uri="{FF2B5EF4-FFF2-40B4-BE49-F238E27FC236}">
+                <a16:creationId xmlns:a16="http://schemas.microsoft.com/office/drawing/2014/main" id="{C0F3CD03-DECC-7ABB-E0EF-55A01300F825}"/>
+              </a:ext>
+            </a:extLst>
+          </p:cNvPr>
+          <p:cNvSpPr>
+            <a:spLocks noGrp="1"/>
+          </p:cNvSpPr>
+          <p:nvPr>
+            <p:ph type="title"/>
+          </p:nvPr>
+        </p:nvSpPr>
+        <p:spPr/>
+        <p:txBody>
+          <a:bodyPr/>
+          <a:lstStyle/>
+          <a:p>
+            <a:r>
+              <a:rPr lang="de-DE" dirty="0"/>
+              <a:t>Demo</a:t>
+            </a:r>
+          </a:p>
+        </p:txBody>
+      </p:sp>
+      <p:cxnSp>
+        <p:nvCxnSpPr>
+          <p:cNvPr id="4" name="Straight Arrow Connector 3">
+            <a:extLst>
+              <a:ext uri="{FF2B5EF4-FFF2-40B4-BE49-F238E27FC236}">
+                <a16:creationId xmlns:a16="http://schemas.microsoft.com/office/drawing/2014/main" id="{6193D8CC-BC9A-2C9F-E7C9-98A0193AB131}"/>
+              </a:ext>
+            </a:extLst>
+          </p:cNvPr>
+          <p:cNvCxnSpPr/>
+          <p:nvPr/>
+        </p:nvCxnSpPr>
+        <p:spPr>
+          <a:xfrm>
+            <a:off x="2378620" y="812811"/>
+            <a:ext cx="0" cy="4257675"/>
+          </a:xfrm>
+          <a:prstGeom prst="straightConnector1">
+            <a:avLst/>
+          </a:prstGeom>
+          <a:ln w="76200">
+            <a:tailEnd type="triangle"/>
+          </a:ln>
+        </p:spPr>
+        <p:style>
+          <a:lnRef idx="1">
+            <a:schemeClr val="accent1"/>
+          </a:lnRef>
+          <a:fillRef idx="0">
+            <a:schemeClr val="accent1"/>
+          </a:fillRef>
+          <a:effectRef idx="0">
+            <a:schemeClr val="accent1"/>
+          </a:effectRef>
+          <a:fontRef idx="minor">
+            <a:schemeClr val="tx1"/>
+          </a:fontRef>
+        </p:style>
+      </p:cxnSp>
+      <p:sp>
+        <p:nvSpPr>
+          <p:cNvPr id="5" name="TextBox 4">
+            <a:extLst>
+              <a:ext uri="{FF2B5EF4-FFF2-40B4-BE49-F238E27FC236}">
+                <a16:creationId xmlns:a16="http://schemas.microsoft.com/office/drawing/2014/main" id="{6C59E7C2-8C4F-009F-BB94-D37DB41DCC3D}"/>
+              </a:ext>
+            </a:extLst>
+          </p:cNvPr>
+          <p:cNvSpPr txBox="1"/>
+          <p:nvPr/>
+        </p:nvSpPr>
+        <p:spPr>
+          <a:xfrm>
+            <a:off x="2487921" y="783546"/>
+            <a:ext cx="6147662" cy="3647152"/>
+          </a:xfrm>
+          <a:prstGeom prst="rect">
+            <a:avLst/>
+          </a:prstGeom>
+          <a:noFill/>
+        </p:spPr>
+        <p:txBody>
+          <a:bodyPr wrap="square" rtlCol="0">
+            <a:spAutoFit/>
+          </a:bodyPr>
+          <a:lstStyle/>
+          <a:p>
+            <a:r>
+              <a:rPr lang="de-DE" sz="825" dirty="0">
+                <a:latin typeface="Consolas" panose="020B0609020204030204" pitchFamily="49" charset="0"/>
+              </a:rPr>
+              <a:t>Authority: Deploy </a:t>
+            </a:r>
+            <a:r>
+              <a:rPr lang="de-DE" sz="825" dirty="0" err="1">
+                <a:latin typeface="Consolas" panose="020B0609020204030204" pitchFamily="49" charset="0"/>
+              </a:rPr>
+              <a:t>WeddingImplementationContract</a:t>
+            </a:r>
+            <a:r>
+              <a:rPr lang="de-DE" sz="825" dirty="0">
+                <a:latin typeface="Consolas" panose="020B0609020204030204" pitchFamily="49" charset="0"/>
+              </a:rPr>
+              <a:t>()</a:t>
+            </a:r>
+          </a:p>
+          <a:p>
+            <a:r>
+              <a:rPr lang="de-DE" sz="825" dirty="0">
+                <a:latin typeface="Consolas" panose="020B0609020204030204" pitchFamily="49" charset="0"/>
+              </a:rPr>
+              <a:t>Authority: Deploy </a:t>
+            </a:r>
+            <a:r>
+              <a:rPr lang="de-DE" sz="825" dirty="0" err="1">
+                <a:latin typeface="Consolas" panose="020B0609020204030204" pitchFamily="49" charset="0"/>
+              </a:rPr>
+              <a:t>RegistryContract</a:t>
+            </a:r>
+            <a:r>
+              <a:rPr lang="de-DE" sz="825" dirty="0">
+                <a:latin typeface="Consolas" panose="020B0609020204030204" pitchFamily="49" charset="0"/>
+              </a:rPr>
+              <a:t>(</a:t>
+            </a:r>
+            <a:r>
+              <a:rPr lang="de-DE" sz="825" dirty="0" err="1">
+                <a:latin typeface="Consolas" panose="020B0609020204030204" pitchFamily="49" charset="0"/>
+              </a:rPr>
+              <a:t>Authorities</a:t>
+            </a:r>
+            <a:r>
+              <a:rPr lang="de-DE" sz="825" dirty="0">
+                <a:latin typeface="Consolas" panose="020B0609020204030204" pitchFamily="49" charset="0"/>
+              </a:rPr>
+              <a:t>, </a:t>
+            </a:r>
+            <a:r>
+              <a:rPr lang="de-DE" sz="825" dirty="0" err="1">
+                <a:latin typeface="Consolas" panose="020B0609020204030204" pitchFamily="49" charset="0"/>
+              </a:rPr>
+              <a:t>WeddingImplemetationContract-address</a:t>
+            </a:r>
+            <a:r>
+              <a:rPr lang="de-DE" sz="825" dirty="0">
+                <a:latin typeface="Consolas" panose="020B0609020204030204" pitchFamily="49" charset="0"/>
+              </a:rPr>
+              <a:t>)</a:t>
+            </a:r>
+          </a:p>
+          <a:p>
+            <a:endParaRPr lang="de-DE" sz="825" dirty="0">
+              <a:latin typeface="Consolas" panose="020B0609020204030204" pitchFamily="49" charset="0"/>
+            </a:endParaRPr>
+          </a:p>
+          <a:p>
+            <a:endParaRPr lang="de-DE" sz="825" dirty="0">
+              <a:latin typeface="Consolas" panose="020B0609020204030204" pitchFamily="49" charset="0"/>
+            </a:endParaRPr>
+          </a:p>
+          <a:p>
+            <a:endParaRPr lang="de-DE" sz="825" dirty="0">
+              <a:latin typeface="Consolas" panose="020B0609020204030204" pitchFamily="49" charset="0"/>
+            </a:endParaRPr>
+          </a:p>
+          <a:p>
+            <a:r>
+              <a:rPr lang="de-DE" sz="825" dirty="0" err="1">
+                <a:latin typeface="Consolas" panose="020B0609020204030204" pitchFamily="49" charset="0"/>
+              </a:rPr>
+              <a:t>Fiance</a:t>
+            </a:r>
+            <a:r>
+              <a:rPr lang="de-DE" sz="825" dirty="0">
+                <a:latin typeface="Consolas" panose="020B0609020204030204" pitchFamily="49" charset="0"/>
+              </a:rPr>
+              <a:t> 1: </a:t>
+            </a:r>
+            <a:r>
+              <a:rPr lang="de-DE" sz="825" dirty="0" err="1">
+                <a:latin typeface="Consolas" panose="020B0609020204030204" pitchFamily="49" charset="0"/>
+              </a:rPr>
+              <a:t>registry_contract.initiateWedding</a:t>
+            </a:r>
+            <a:r>
+              <a:rPr lang="de-DE" sz="825" dirty="0">
+                <a:latin typeface="Consolas" panose="020B0609020204030204" pitchFamily="49" charset="0"/>
+              </a:rPr>
+              <a:t>([fiance1, fiance2], </a:t>
+            </a:r>
+            <a:r>
+              <a:rPr lang="de-DE" sz="825" dirty="0" err="1">
+                <a:latin typeface="Consolas" panose="020B0609020204030204" pitchFamily="49" charset="0"/>
+              </a:rPr>
+              <a:t>weddingDate</a:t>
+            </a:r>
+            <a:r>
+              <a:rPr lang="de-DE" sz="825" dirty="0">
+                <a:latin typeface="Consolas" panose="020B0609020204030204" pitchFamily="49" charset="0"/>
+              </a:rPr>
+              <a:t>)</a:t>
+            </a:r>
+          </a:p>
+          <a:p>
+            <a:endParaRPr lang="de-DE" sz="825" dirty="0">
+              <a:latin typeface="Consolas" panose="020B0609020204030204" pitchFamily="49" charset="0"/>
+            </a:endParaRPr>
+          </a:p>
+          <a:p>
+            <a:r>
+              <a:rPr lang="de-DE" sz="825" dirty="0" err="1">
+                <a:latin typeface="Consolas" panose="020B0609020204030204" pitchFamily="49" charset="0"/>
+              </a:rPr>
+              <a:t>Fiance</a:t>
+            </a:r>
+            <a:r>
+              <a:rPr lang="de-DE" sz="825" dirty="0">
+                <a:latin typeface="Consolas" panose="020B0609020204030204" pitchFamily="49" charset="0"/>
+              </a:rPr>
+              <a:t> 2: </a:t>
+            </a:r>
+            <a:r>
+              <a:rPr lang="de-DE" sz="825" dirty="0" err="1">
+                <a:latin typeface="Consolas" panose="020B0609020204030204" pitchFamily="49" charset="0"/>
+              </a:rPr>
+              <a:t>WeddingContract.approveGuest</a:t>
+            </a:r>
+            <a:r>
+              <a:rPr lang="de-DE" sz="825" dirty="0">
+                <a:latin typeface="Consolas" panose="020B0609020204030204" pitchFamily="49" charset="0"/>
+              </a:rPr>
+              <a:t>(Guest1)</a:t>
+            </a:r>
+          </a:p>
+          <a:p>
+            <a:r>
+              <a:rPr lang="de-DE" sz="825" dirty="0" err="1">
+                <a:latin typeface="Consolas" panose="020B0609020204030204" pitchFamily="49" charset="0"/>
+              </a:rPr>
+              <a:t>Fiance</a:t>
+            </a:r>
+            <a:r>
+              <a:rPr lang="de-DE" sz="825" dirty="0">
+                <a:latin typeface="Consolas" panose="020B0609020204030204" pitchFamily="49" charset="0"/>
+              </a:rPr>
+              <a:t> 1: </a:t>
+            </a:r>
+            <a:r>
+              <a:rPr lang="de-DE" sz="825" dirty="0" err="1">
+                <a:latin typeface="Consolas" panose="020B0609020204030204" pitchFamily="49" charset="0"/>
+              </a:rPr>
+              <a:t>WeddingContract.approveGuest</a:t>
+            </a:r>
+            <a:r>
+              <a:rPr lang="de-DE" sz="825" dirty="0">
+                <a:latin typeface="Consolas" panose="020B0609020204030204" pitchFamily="49" charset="0"/>
+              </a:rPr>
+              <a:t>(Guest1)</a:t>
+            </a:r>
+          </a:p>
+          <a:p>
+            <a:r>
+              <a:rPr lang="de-DE" sz="825" dirty="0" err="1">
+                <a:latin typeface="Consolas" panose="020B0609020204030204" pitchFamily="49" charset="0"/>
+              </a:rPr>
+              <a:t>Fiance</a:t>
+            </a:r>
+            <a:r>
+              <a:rPr lang="de-DE" sz="825" dirty="0">
+                <a:latin typeface="Consolas" panose="020B0609020204030204" pitchFamily="49" charset="0"/>
+              </a:rPr>
+              <a:t> 1: </a:t>
+            </a:r>
+            <a:r>
+              <a:rPr lang="de-DE" sz="825" dirty="0" err="1">
+                <a:latin typeface="Consolas" panose="020B0609020204030204" pitchFamily="49" charset="0"/>
+              </a:rPr>
+              <a:t>WeddingContract.approveGuest</a:t>
+            </a:r>
+            <a:r>
+              <a:rPr lang="de-DE" sz="825" dirty="0">
+                <a:latin typeface="Consolas" panose="020B0609020204030204" pitchFamily="49" charset="0"/>
+              </a:rPr>
+              <a:t>(Guest2)</a:t>
+            </a:r>
+          </a:p>
+          <a:p>
+            <a:r>
+              <a:rPr lang="de-DE" sz="825" dirty="0" err="1">
+                <a:latin typeface="Consolas" panose="020B0609020204030204" pitchFamily="49" charset="0"/>
+              </a:rPr>
+              <a:t>Fiance</a:t>
+            </a:r>
+            <a:r>
+              <a:rPr lang="de-DE" sz="825" dirty="0">
+                <a:latin typeface="Consolas" panose="020B0609020204030204" pitchFamily="49" charset="0"/>
+              </a:rPr>
+              <a:t> 2: </a:t>
+            </a:r>
+            <a:r>
+              <a:rPr lang="de-DE" sz="825" dirty="0" err="1">
+                <a:latin typeface="Consolas" panose="020B0609020204030204" pitchFamily="49" charset="0"/>
+              </a:rPr>
+              <a:t>WeddingContract.approveGuest</a:t>
+            </a:r>
+            <a:r>
+              <a:rPr lang="de-DE" sz="825" dirty="0">
+                <a:latin typeface="Consolas" panose="020B0609020204030204" pitchFamily="49" charset="0"/>
+              </a:rPr>
+              <a:t>(Guest2)</a:t>
+            </a:r>
+          </a:p>
+          <a:p>
+            <a:endParaRPr lang="de-DE" sz="825" dirty="0">
+              <a:latin typeface="Consolas" panose="020B0609020204030204" pitchFamily="49" charset="0"/>
+            </a:endParaRPr>
+          </a:p>
+          <a:p>
+            <a:endParaRPr lang="de-DE" sz="825" dirty="0">
+              <a:latin typeface="Consolas" panose="020B0609020204030204" pitchFamily="49" charset="0"/>
+            </a:endParaRPr>
+          </a:p>
+          <a:p>
+            <a:endParaRPr lang="de-DE" sz="825" dirty="0">
+              <a:latin typeface="Consolas" panose="020B0609020204030204" pitchFamily="49" charset="0"/>
+            </a:endParaRPr>
+          </a:p>
+          <a:p>
+            <a:r>
+              <a:rPr lang="de-DE" sz="825" dirty="0">
+                <a:latin typeface="Consolas" panose="020B0609020204030204" pitchFamily="49" charset="0"/>
+              </a:rPr>
+              <a:t>Guest 1: </a:t>
+            </a:r>
+            <a:r>
+              <a:rPr lang="de-DE" sz="825" dirty="0" err="1">
+                <a:latin typeface="Consolas" panose="020B0609020204030204" pitchFamily="49" charset="0"/>
+              </a:rPr>
+              <a:t>WeddingContract.voteAgainstWedding</a:t>
+            </a:r>
+            <a:r>
+              <a:rPr lang="de-DE" sz="825" dirty="0">
+                <a:latin typeface="Consolas" panose="020B0609020204030204" pitchFamily="49" charset="0"/>
+              </a:rPr>
+              <a:t>()</a:t>
+            </a:r>
+          </a:p>
+          <a:p>
+            <a:endParaRPr lang="de-DE" sz="825" dirty="0">
+              <a:latin typeface="Consolas" panose="020B0609020204030204" pitchFamily="49" charset="0"/>
+            </a:endParaRPr>
+          </a:p>
+          <a:p>
+            <a:endParaRPr lang="de-DE" sz="825" dirty="0">
+              <a:latin typeface="Consolas" panose="020B0609020204030204" pitchFamily="49" charset="0"/>
+            </a:endParaRPr>
+          </a:p>
+          <a:p>
+            <a:endParaRPr lang="de-DE" sz="825" dirty="0">
+              <a:latin typeface="Consolas" panose="020B0609020204030204" pitchFamily="49" charset="0"/>
+            </a:endParaRPr>
+          </a:p>
+          <a:p>
+            <a:r>
+              <a:rPr lang="de-DE" sz="825" dirty="0" err="1">
+                <a:latin typeface="Consolas" panose="020B0609020204030204" pitchFamily="49" charset="0"/>
+              </a:rPr>
+              <a:t>Fiance</a:t>
+            </a:r>
+            <a:r>
+              <a:rPr lang="de-DE" sz="825" dirty="0">
+                <a:latin typeface="Consolas" panose="020B0609020204030204" pitchFamily="49" charset="0"/>
+              </a:rPr>
+              <a:t> 1: </a:t>
+            </a:r>
+            <a:r>
+              <a:rPr lang="de-DE" sz="825" dirty="0" err="1">
+                <a:latin typeface="Consolas" panose="020B0609020204030204" pitchFamily="49" charset="0"/>
+              </a:rPr>
+              <a:t>WeddingContract.confirmWedding</a:t>
+            </a:r>
+            <a:r>
+              <a:rPr lang="de-DE" sz="825" dirty="0">
+                <a:latin typeface="Consolas" panose="020B0609020204030204" pitchFamily="49" charset="0"/>
+              </a:rPr>
+              <a:t>()</a:t>
+            </a:r>
+          </a:p>
+          <a:p>
+            <a:r>
+              <a:rPr lang="de-DE" sz="825" dirty="0" err="1">
+                <a:latin typeface="Consolas" panose="020B0609020204030204" pitchFamily="49" charset="0"/>
+              </a:rPr>
+              <a:t>Fiance</a:t>
+            </a:r>
+            <a:r>
+              <a:rPr lang="de-DE" sz="825" dirty="0">
+                <a:latin typeface="Consolas" panose="020B0609020204030204" pitchFamily="49" charset="0"/>
+              </a:rPr>
+              <a:t> 2: </a:t>
+            </a:r>
+            <a:r>
+              <a:rPr lang="de-DE" sz="825" dirty="0" err="1">
+                <a:latin typeface="Consolas" panose="020B0609020204030204" pitchFamily="49" charset="0"/>
+              </a:rPr>
+              <a:t>WeddingContract.confirmWedding</a:t>
+            </a:r>
+            <a:r>
+              <a:rPr lang="de-DE" sz="825" dirty="0">
+                <a:latin typeface="Consolas" panose="020B0609020204030204" pitchFamily="49" charset="0"/>
+              </a:rPr>
+              <a:t>() -&gt; </a:t>
+            </a:r>
+            <a:r>
+              <a:rPr lang="de-DE" sz="825" dirty="0" err="1">
+                <a:latin typeface="Consolas" panose="020B0609020204030204" pitchFamily="49" charset="0"/>
+              </a:rPr>
+              <a:t>WeddingContract</a:t>
+            </a:r>
+            <a:r>
+              <a:rPr lang="de-DE" sz="825" dirty="0">
+                <a:latin typeface="Consolas" panose="020B0609020204030204" pitchFamily="49" charset="0"/>
+              </a:rPr>
+              <a:t>: </a:t>
+            </a:r>
+            <a:r>
+              <a:rPr lang="de-DE" sz="825" dirty="0" err="1">
+                <a:latin typeface="Consolas" panose="020B0609020204030204" pitchFamily="49" charset="0"/>
+              </a:rPr>
+              <a:t>WeddingRegistry.issueWeddingToken</a:t>
+            </a:r>
+            <a:r>
+              <a:rPr lang="de-DE" sz="825" dirty="0">
+                <a:latin typeface="Consolas" panose="020B0609020204030204" pitchFamily="49" charset="0"/>
+              </a:rPr>
+              <a:t>()</a:t>
+            </a:r>
+          </a:p>
+          <a:p>
+            <a:endParaRPr lang="de-DE" sz="825" dirty="0">
+              <a:latin typeface="Consolas" panose="020B0609020204030204" pitchFamily="49" charset="0"/>
+            </a:endParaRPr>
+          </a:p>
+          <a:p>
+            <a:endParaRPr lang="de-DE" sz="825" dirty="0">
+              <a:latin typeface="Consolas" panose="020B0609020204030204" pitchFamily="49" charset="0"/>
+            </a:endParaRPr>
+          </a:p>
+          <a:p>
+            <a:endParaRPr lang="de-DE" sz="825" dirty="0">
+              <a:latin typeface="Consolas" panose="020B0609020204030204" pitchFamily="49" charset="0"/>
+            </a:endParaRPr>
+          </a:p>
+          <a:p>
+            <a:endParaRPr lang="de-DE" sz="825" dirty="0">
+              <a:latin typeface="Consolas" panose="020B0609020204030204" pitchFamily="49" charset="0"/>
+            </a:endParaRPr>
+          </a:p>
+          <a:p>
+            <a:r>
+              <a:rPr lang="de-DE" sz="825" dirty="0" err="1">
+                <a:latin typeface="Consolas" panose="020B0609020204030204" pitchFamily="49" charset="0"/>
+              </a:rPr>
+              <a:t>Fiance</a:t>
+            </a:r>
+            <a:r>
+              <a:rPr lang="de-DE" sz="825" dirty="0">
+                <a:latin typeface="Consolas" panose="020B0609020204030204" pitchFamily="49" charset="0"/>
+              </a:rPr>
+              <a:t> 1: </a:t>
+            </a:r>
+            <a:r>
+              <a:rPr lang="de-DE" sz="825" dirty="0" err="1">
+                <a:latin typeface="Consolas" panose="020B0609020204030204" pitchFamily="49" charset="0"/>
+              </a:rPr>
+              <a:t>WeddingContract.divorce</a:t>
+            </a:r>
+            <a:r>
+              <a:rPr lang="de-DE" sz="825" dirty="0">
+                <a:latin typeface="Consolas" panose="020B0609020204030204" pitchFamily="49" charset="0"/>
+              </a:rPr>
+              <a:t>()</a:t>
+            </a:r>
+          </a:p>
+          <a:p>
+            <a:r>
+              <a:rPr lang="de-DE" sz="825" dirty="0">
+                <a:latin typeface="Consolas" panose="020B0609020204030204" pitchFamily="49" charset="0"/>
+              </a:rPr>
+              <a:t>Authority: </a:t>
+            </a:r>
+            <a:r>
+              <a:rPr lang="de-DE" sz="825" dirty="0" err="1">
+                <a:latin typeface="Consolas" panose="020B0609020204030204" pitchFamily="49" charset="0"/>
+              </a:rPr>
+              <a:t>WeddingContract.dicorce</a:t>
+            </a:r>
+            <a:r>
+              <a:rPr lang="de-DE" sz="825" dirty="0">
+                <a:latin typeface="Consolas" panose="020B0609020204030204" pitchFamily="49" charset="0"/>
+              </a:rPr>
+              <a:t>() -&gt; </a:t>
+            </a:r>
+            <a:r>
+              <a:rPr lang="de-DE" sz="825" dirty="0" err="1">
+                <a:latin typeface="Consolas" panose="020B0609020204030204" pitchFamily="49" charset="0"/>
+              </a:rPr>
+              <a:t>WeddingContrac</a:t>
+            </a:r>
+            <a:r>
+              <a:rPr lang="de-DE" sz="825" dirty="0">
+                <a:latin typeface="Consolas" panose="020B0609020204030204" pitchFamily="49" charset="0"/>
+              </a:rPr>
+              <a:t>: </a:t>
+            </a:r>
+            <a:r>
+              <a:rPr lang="de-DE" sz="825" dirty="0" err="1">
+                <a:latin typeface="Consolas" panose="020B0609020204030204" pitchFamily="49" charset="0"/>
+              </a:rPr>
+              <a:t>WeddingRegistry.burnWeddingToken</a:t>
+            </a:r>
+            <a:r>
+              <a:rPr lang="de-DE" sz="825" dirty="0">
+                <a:latin typeface="Consolas" panose="020B0609020204030204" pitchFamily="49" charset="0"/>
+              </a:rPr>
+              <a:t>()</a:t>
+            </a:r>
+          </a:p>
+          <a:p>
+            <a:br>
+              <a:rPr lang="de-DE" sz="825" dirty="0">
+                <a:latin typeface="Consolas" panose="020B0609020204030204" pitchFamily="49" charset="0"/>
+              </a:rPr>
+            </a:br>
+            <a:endParaRPr lang="de-DE" sz="825" dirty="0"/>
+          </a:p>
+        </p:txBody>
+      </p:sp>
+      <p:sp>
+        <p:nvSpPr>
+          <p:cNvPr id="6" name="Left Brace 5">
+            <a:extLst>
+              <a:ext uri="{FF2B5EF4-FFF2-40B4-BE49-F238E27FC236}">
+                <a16:creationId xmlns:a16="http://schemas.microsoft.com/office/drawing/2014/main" id="{3BEBA187-3392-9109-E88C-0AD44D20F57E}"/>
+              </a:ext>
+            </a:extLst>
+          </p:cNvPr>
+          <p:cNvSpPr/>
+          <p:nvPr/>
+        </p:nvSpPr>
+        <p:spPr>
+          <a:xfrm>
+            <a:off x="2164604" y="872345"/>
+            <a:ext cx="112882" cy="468683"/>
+          </a:xfrm>
+          <a:prstGeom prst="leftBrace">
+            <a:avLst/>
+          </a:prstGeom>
+        </p:spPr>
+        <p:style>
+          <a:lnRef idx="1">
+            <a:schemeClr val="accent1"/>
+          </a:lnRef>
+          <a:fillRef idx="0">
+            <a:schemeClr val="accent1"/>
+          </a:fillRef>
+          <a:effectRef idx="0">
+            <a:schemeClr val="accent1"/>
+          </a:effectRef>
+          <a:fontRef idx="minor">
+            <a:schemeClr val="tx1"/>
+          </a:fontRef>
+        </p:style>
+        <p:txBody>
+          <a:bodyPr rtlCol="0" anchor="ctr"/>
+          <a:lstStyle/>
+          <a:p>
+            <a:pPr algn="ctr"/>
+            <a:endParaRPr lang="de-DE" sz="1350" dirty="0"/>
+          </a:p>
+        </p:txBody>
+      </p:sp>
+      <p:sp>
+        <p:nvSpPr>
+          <p:cNvPr id="7" name="TextBox 6">
+            <a:extLst>
+              <a:ext uri="{FF2B5EF4-FFF2-40B4-BE49-F238E27FC236}">
+                <a16:creationId xmlns:a16="http://schemas.microsoft.com/office/drawing/2014/main" id="{CB3C8334-06A7-3746-9631-9A51001D646C}"/>
+              </a:ext>
+            </a:extLst>
+          </p:cNvPr>
+          <p:cNvSpPr txBox="1"/>
+          <p:nvPr/>
+        </p:nvSpPr>
+        <p:spPr>
+          <a:xfrm>
+            <a:off x="802747" y="960267"/>
+            <a:ext cx="607859" cy="300082"/>
+          </a:xfrm>
+          <a:prstGeom prst="rect">
+            <a:avLst/>
+          </a:prstGeom>
+          <a:noFill/>
+        </p:spPr>
+        <p:txBody>
+          <a:bodyPr wrap="none" rtlCol="0">
+            <a:spAutoFit/>
+          </a:bodyPr>
+          <a:lstStyle/>
+          <a:p>
+            <a:r>
+              <a:rPr lang="de-DE" sz="1350" dirty="0" err="1">
+                <a:solidFill>
+                  <a:srgbClr val="507BC8"/>
+                </a:solidFill>
+              </a:rPr>
+              <a:t>setup</a:t>
+            </a:r>
+            <a:endParaRPr lang="de-DE" sz="1350" dirty="0">
+              <a:solidFill>
+                <a:srgbClr val="507BC8"/>
+              </a:solidFill>
+            </a:endParaRPr>
+          </a:p>
+        </p:txBody>
+      </p:sp>
+      <p:sp>
+        <p:nvSpPr>
+          <p:cNvPr id="8" name="Left Brace 7">
+            <a:extLst>
+              <a:ext uri="{FF2B5EF4-FFF2-40B4-BE49-F238E27FC236}">
+                <a16:creationId xmlns:a16="http://schemas.microsoft.com/office/drawing/2014/main" id="{E5423A59-0302-0469-19D3-EC408BEABC9D}"/>
+              </a:ext>
+            </a:extLst>
+          </p:cNvPr>
+          <p:cNvSpPr/>
+          <p:nvPr/>
+        </p:nvSpPr>
+        <p:spPr>
+          <a:xfrm>
+            <a:off x="2117451" y="1462874"/>
+            <a:ext cx="160035" cy="946066"/>
+          </a:xfrm>
+          <a:prstGeom prst="leftBrace">
+            <a:avLst/>
+          </a:prstGeom>
+        </p:spPr>
+        <p:style>
+          <a:lnRef idx="1">
+            <a:schemeClr val="accent1"/>
+          </a:lnRef>
+          <a:fillRef idx="0">
+            <a:schemeClr val="accent1"/>
+          </a:fillRef>
+          <a:effectRef idx="0">
+            <a:schemeClr val="accent1"/>
+          </a:effectRef>
+          <a:fontRef idx="minor">
+            <a:schemeClr val="tx1"/>
+          </a:fontRef>
+        </p:style>
+        <p:txBody>
+          <a:bodyPr rtlCol="0" anchor="ctr"/>
+          <a:lstStyle/>
+          <a:p>
+            <a:pPr algn="ctr"/>
+            <a:endParaRPr lang="de-DE" sz="1350"/>
+          </a:p>
+        </p:txBody>
+      </p:sp>
+      <p:sp>
+        <p:nvSpPr>
+          <p:cNvPr id="9" name="TextBox 8">
+            <a:extLst>
+              <a:ext uri="{FF2B5EF4-FFF2-40B4-BE49-F238E27FC236}">
+                <a16:creationId xmlns:a16="http://schemas.microsoft.com/office/drawing/2014/main" id="{F4CFF4CE-205E-5460-5ACE-CC8966067D38}"/>
+              </a:ext>
+            </a:extLst>
+          </p:cNvPr>
+          <p:cNvSpPr txBox="1"/>
+          <p:nvPr/>
+        </p:nvSpPr>
+        <p:spPr>
+          <a:xfrm>
+            <a:off x="802747" y="1601167"/>
+            <a:ext cx="1156086" cy="507831"/>
+          </a:xfrm>
+          <a:prstGeom prst="rect">
+            <a:avLst/>
+          </a:prstGeom>
+          <a:noFill/>
+        </p:spPr>
+        <p:txBody>
+          <a:bodyPr wrap="none" rtlCol="0">
+            <a:spAutoFit/>
+          </a:bodyPr>
+          <a:lstStyle/>
+          <a:p>
+            <a:r>
+              <a:rPr lang="de-DE" sz="1350" dirty="0" err="1">
+                <a:solidFill>
+                  <a:srgbClr val="507BC8"/>
+                </a:solidFill>
+              </a:rPr>
+              <a:t>Before</a:t>
+            </a:r>
+            <a:r>
+              <a:rPr lang="de-DE" sz="1350" dirty="0">
+                <a:solidFill>
+                  <a:srgbClr val="507BC8"/>
+                </a:solidFill>
+              </a:rPr>
+              <a:t> </a:t>
+            </a:r>
+          </a:p>
+          <a:p>
+            <a:r>
+              <a:rPr lang="de-DE" sz="1350" dirty="0" err="1">
+                <a:solidFill>
+                  <a:srgbClr val="507BC8"/>
+                </a:solidFill>
+              </a:rPr>
+              <a:t>wedding</a:t>
+            </a:r>
+            <a:r>
+              <a:rPr lang="de-DE" sz="1350" dirty="0">
+                <a:solidFill>
+                  <a:srgbClr val="507BC8"/>
+                </a:solidFill>
+              </a:rPr>
+              <a:t> </a:t>
+            </a:r>
+            <a:r>
+              <a:rPr lang="de-DE" sz="1350" dirty="0" err="1">
+                <a:solidFill>
+                  <a:srgbClr val="507BC8"/>
+                </a:solidFill>
+              </a:rPr>
+              <a:t>day</a:t>
+            </a:r>
+            <a:endParaRPr lang="de-DE" sz="1350" dirty="0">
+              <a:solidFill>
+                <a:srgbClr val="507BC8"/>
+              </a:solidFill>
+            </a:endParaRPr>
+          </a:p>
+        </p:txBody>
+      </p:sp>
+      <p:sp>
+        <p:nvSpPr>
+          <p:cNvPr id="10" name="Left Brace 9">
+            <a:extLst>
+              <a:ext uri="{FF2B5EF4-FFF2-40B4-BE49-F238E27FC236}">
+                <a16:creationId xmlns:a16="http://schemas.microsoft.com/office/drawing/2014/main" id="{600A5030-D8F9-5D51-DD21-69EECD7695E8}"/>
+              </a:ext>
+            </a:extLst>
+          </p:cNvPr>
+          <p:cNvSpPr/>
+          <p:nvPr/>
+        </p:nvSpPr>
+        <p:spPr>
+          <a:xfrm>
+            <a:off x="2108462" y="2408940"/>
+            <a:ext cx="173441" cy="472094"/>
+          </a:xfrm>
+          <a:prstGeom prst="leftBrace">
+            <a:avLst/>
+          </a:prstGeom>
+        </p:spPr>
+        <p:style>
+          <a:lnRef idx="1">
+            <a:schemeClr val="accent1"/>
+          </a:lnRef>
+          <a:fillRef idx="0">
+            <a:schemeClr val="accent1"/>
+          </a:fillRef>
+          <a:effectRef idx="0">
+            <a:schemeClr val="accent1"/>
+          </a:effectRef>
+          <a:fontRef idx="minor">
+            <a:schemeClr val="tx1"/>
+          </a:fontRef>
+        </p:style>
+        <p:txBody>
+          <a:bodyPr rtlCol="0" anchor="ctr"/>
+          <a:lstStyle/>
+          <a:p>
+            <a:pPr algn="ctr"/>
+            <a:endParaRPr lang="de-DE" sz="1350"/>
+          </a:p>
+        </p:txBody>
+      </p:sp>
+      <p:sp>
+        <p:nvSpPr>
+          <p:cNvPr id="11" name="TextBox 10">
+            <a:extLst>
+              <a:ext uri="{FF2B5EF4-FFF2-40B4-BE49-F238E27FC236}">
+                <a16:creationId xmlns:a16="http://schemas.microsoft.com/office/drawing/2014/main" id="{8C772DA1-D1C7-2368-5B30-F147E5ADC080}"/>
+              </a:ext>
+            </a:extLst>
+          </p:cNvPr>
+          <p:cNvSpPr txBox="1"/>
+          <p:nvPr/>
+        </p:nvSpPr>
+        <p:spPr>
+          <a:xfrm>
+            <a:off x="818990" y="2433818"/>
+            <a:ext cx="1268361" cy="507831"/>
+          </a:xfrm>
+          <a:prstGeom prst="rect">
+            <a:avLst/>
+          </a:prstGeom>
+          <a:noFill/>
+        </p:spPr>
+        <p:txBody>
+          <a:bodyPr wrap="none" rtlCol="0">
+            <a:spAutoFit/>
+          </a:bodyPr>
+          <a:lstStyle/>
+          <a:p>
+            <a:r>
+              <a:rPr lang="de-DE" sz="1350" dirty="0">
+                <a:solidFill>
+                  <a:srgbClr val="507BC8"/>
+                </a:solidFill>
+              </a:rPr>
+              <a:t>Wedding Day </a:t>
+            </a:r>
+          </a:p>
+          <a:p>
+            <a:r>
+              <a:rPr lang="de-DE" sz="1350" dirty="0" err="1">
+                <a:solidFill>
+                  <a:srgbClr val="507BC8"/>
+                </a:solidFill>
+              </a:rPr>
+              <a:t>before</a:t>
+            </a:r>
+            <a:r>
+              <a:rPr lang="de-DE" sz="1350" dirty="0">
+                <a:solidFill>
+                  <a:srgbClr val="507BC8"/>
+                </a:solidFill>
+              </a:rPr>
+              <a:t> 10am</a:t>
+            </a:r>
+          </a:p>
+        </p:txBody>
+      </p:sp>
+      <p:sp>
+        <p:nvSpPr>
+          <p:cNvPr id="12" name="TextBox 11">
+            <a:extLst>
+              <a:ext uri="{FF2B5EF4-FFF2-40B4-BE49-F238E27FC236}">
+                <a16:creationId xmlns:a16="http://schemas.microsoft.com/office/drawing/2014/main" id="{EEFC66A5-84F1-2BBB-6B01-5110AF21A6E3}"/>
+              </a:ext>
+            </a:extLst>
+          </p:cNvPr>
+          <p:cNvSpPr txBox="1"/>
+          <p:nvPr/>
+        </p:nvSpPr>
+        <p:spPr>
+          <a:xfrm>
+            <a:off x="2450118" y="4854226"/>
+            <a:ext cx="484428" cy="253916"/>
+          </a:xfrm>
+          <a:prstGeom prst="rect">
+            <a:avLst/>
+          </a:prstGeom>
+          <a:noFill/>
+        </p:spPr>
+        <p:txBody>
+          <a:bodyPr wrap="none" rtlCol="0">
+            <a:spAutoFit/>
+          </a:bodyPr>
+          <a:lstStyle/>
+          <a:p>
+            <a:r>
+              <a:rPr lang="de-DE" sz="1050" dirty="0"/>
+              <a:t>Time</a:t>
+            </a:r>
+            <a:endParaRPr lang="de-DE" sz="1350" dirty="0"/>
+          </a:p>
+        </p:txBody>
+      </p:sp>
+      <p:sp>
+        <p:nvSpPr>
+          <p:cNvPr id="13" name="TextBox 12">
+            <a:extLst>
+              <a:ext uri="{FF2B5EF4-FFF2-40B4-BE49-F238E27FC236}">
+                <a16:creationId xmlns:a16="http://schemas.microsoft.com/office/drawing/2014/main" id="{227B101B-FC0C-ECE1-33BD-118296A5BCCC}"/>
+              </a:ext>
+            </a:extLst>
+          </p:cNvPr>
+          <p:cNvSpPr txBox="1"/>
+          <p:nvPr/>
+        </p:nvSpPr>
+        <p:spPr>
+          <a:xfrm>
+            <a:off x="816592" y="2965680"/>
+            <a:ext cx="1268361" cy="507831"/>
+          </a:xfrm>
+          <a:prstGeom prst="rect">
+            <a:avLst/>
+          </a:prstGeom>
+          <a:noFill/>
+        </p:spPr>
+        <p:txBody>
+          <a:bodyPr wrap="none" rtlCol="0">
+            <a:spAutoFit/>
+          </a:bodyPr>
+          <a:lstStyle/>
+          <a:p>
+            <a:r>
+              <a:rPr lang="de-DE" sz="1350" dirty="0">
+                <a:solidFill>
+                  <a:srgbClr val="507BC8"/>
+                </a:solidFill>
+              </a:rPr>
+              <a:t>Wedding Day </a:t>
+            </a:r>
+          </a:p>
+          <a:p>
+            <a:r>
+              <a:rPr lang="de-DE" sz="1350" dirty="0">
+                <a:solidFill>
+                  <a:srgbClr val="507BC8"/>
+                </a:solidFill>
+              </a:rPr>
+              <a:t>after 10am</a:t>
+            </a:r>
+          </a:p>
+        </p:txBody>
+      </p:sp>
+      <p:sp>
+        <p:nvSpPr>
+          <p:cNvPr id="14" name="Left Brace 13">
+            <a:extLst>
+              <a:ext uri="{FF2B5EF4-FFF2-40B4-BE49-F238E27FC236}">
+                <a16:creationId xmlns:a16="http://schemas.microsoft.com/office/drawing/2014/main" id="{D5747E03-BE19-6D5C-765A-7D04A0E43BCD}"/>
+              </a:ext>
+            </a:extLst>
+          </p:cNvPr>
+          <p:cNvSpPr/>
+          <p:nvPr/>
+        </p:nvSpPr>
+        <p:spPr>
+          <a:xfrm>
+            <a:off x="2104045" y="2890735"/>
+            <a:ext cx="173441" cy="582776"/>
+          </a:xfrm>
+          <a:prstGeom prst="leftBrace">
+            <a:avLst/>
+          </a:prstGeom>
+        </p:spPr>
+        <p:style>
+          <a:lnRef idx="1">
+            <a:schemeClr val="accent1"/>
+          </a:lnRef>
+          <a:fillRef idx="0">
+            <a:schemeClr val="accent1"/>
+          </a:fillRef>
+          <a:effectRef idx="0">
+            <a:schemeClr val="accent1"/>
+          </a:effectRef>
+          <a:fontRef idx="minor">
+            <a:schemeClr val="tx1"/>
+          </a:fontRef>
+        </p:style>
+        <p:txBody>
+          <a:bodyPr rtlCol="0" anchor="ctr"/>
+          <a:lstStyle/>
+          <a:p>
+            <a:pPr algn="ctr"/>
+            <a:endParaRPr lang="de-DE" sz="1350" dirty="0"/>
+          </a:p>
+        </p:txBody>
+      </p:sp>
+      <p:sp>
+        <p:nvSpPr>
+          <p:cNvPr id="15" name="TextBox 14">
+            <a:extLst>
+              <a:ext uri="{FF2B5EF4-FFF2-40B4-BE49-F238E27FC236}">
+                <a16:creationId xmlns:a16="http://schemas.microsoft.com/office/drawing/2014/main" id="{58D6A126-2C7D-D15C-2EC8-72F2C2C6C331}"/>
+              </a:ext>
+            </a:extLst>
+          </p:cNvPr>
+          <p:cNvSpPr txBox="1"/>
+          <p:nvPr/>
+        </p:nvSpPr>
+        <p:spPr>
+          <a:xfrm>
+            <a:off x="786389" y="3872465"/>
+            <a:ext cx="1156086" cy="507831"/>
+          </a:xfrm>
+          <a:prstGeom prst="rect">
+            <a:avLst/>
+          </a:prstGeom>
+          <a:noFill/>
+        </p:spPr>
+        <p:txBody>
+          <a:bodyPr wrap="none" rtlCol="0">
+            <a:spAutoFit/>
+          </a:bodyPr>
+          <a:lstStyle/>
+          <a:p>
+            <a:r>
+              <a:rPr lang="de-DE" sz="1350" dirty="0">
+                <a:solidFill>
+                  <a:srgbClr val="507BC8"/>
+                </a:solidFill>
+              </a:rPr>
+              <a:t>After </a:t>
+            </a:r>
+          </a:p>
+          <a:p>
+            <a:r>
+              <a:rPr lang="de-DE" sz="1350" dirty="0" err="1">
+                <a:solidFill>
+                  <a:srgbClr val="507BC8"/>
+                </a:solidFill>
+              </a:rPr>
+              <a:t>wedding</a:t>
+            </a:r>
+            <a:r>
+              <a:rPr lang="de-DE" sz="1350" dirty="0">
+                <a:solidFill>
+                  <a:srgbClr val="507BC8"/>
+                </a:solidFill>
+              </a:rPr>
+              <a:t> </a:t>
+            </a:r>
+            <a:r>
+              <a:rPr lang="de-DE" sz="1350" dirty="0" err="1">
+                <a:solidFill>
+                  <a:srgbClr val="507BC8"/>
+                </a:solidFill>
+              </a:rPr>
+              <a:t>day</a:t>
+            </a:r>
+            <a:endParaRPr lang="de-DE" sz="1350" dirty="0">
+              <a:solidFill>
+                <a:srgbClr val="507BC8"/>
+              </a:solidFill>
+            </a:endParaRPr>
+          </a:p>
+        </p:txBody>
+      </p:sp>
+      <p:sp>
+        <p:nvSpPr>
+          <p:cNvPr id="16" name="Left Brace 15">
+            <a:extLst>
+              <a:ext uri="{FF2B5EF4-FFF2-40B4-BE49-F238E27FC236}">
+                <a16:creationId xmlns:a16="http://schemas.microsoft.com/office/drawing/2014/main" id="{D0AFD87B-856A-E452-F00B-8E8446BB847D}"/>
+              </a:ext>
+            </a:extLst>
+          </p:cNvPr>
+          <p:cNvSpPr/>
+          <p:nvPr/>
+        </p:nvSpPr>
+        <p:spPr>
+          <a:xfrm>
+            <a:off x="2100248" y="3467396"/>
+            <a:ext cx="173441" cy="1013220"/>
+          </a:xfrm>
+          <a:prstGeom prst="leftBrace">
+            <a:avLst/>
+          </a:prstGeom>
+        </p:spPr>
+        <p:style>
+          <a:lnRef idx="1">
+            <a:schemeClr val="accent1"/>
+          </a:lnRef>
+          <a:fillRef idx="0">
+            <a:schemeClr val="accent1"/>
+          </a:fillRef>
+          <a:effectRef idx="0">
+            <a:schemeClr val="accent1"/>
+          </a:effectRef>
+          <a:fontRef idx="minor">
+            <a:schemeClr val="tx1"/>
+          </a:fontRef>
+        </p:style>
+        <p:txBody>
+          <a:bodyPr rtlCol="0" anchor="ctr"/>
+          <a:lstStyle/>
+          <a:p>
+            <a:pPr algn="ctr"/>
+            <a:endParaRPr lang="de-DE" sz="1350"/>
+          </a:p>
+        </p:txBody>
+      </p:sp>
+      <p:sp>
+        <p:nvSpPr>
+          <p:cNvPr id="17" name="Rectangle 16">
+            <a:extLst>
+              <a:ext uri="{FF2B5EF4-FFF2-40B4-BE49-F238E27FC236}">
+                <a16:creationId xmlns:a16="http://schemas.microsoft.com/office/drawing/2014/main" id="{BD757594-F52D-896A-3071-E542959BFA56}"/>
+              </a:ext>
+            </a:extLst>
+          </p:cNvPr>
+          <p:cNvSpPr/>
+          <p:nvPr/>
+        </p:nvSpPr>
+        <p:spPr>
+          <a:xfrm>
+            <a:off x="6939792" y="1448742"/>
+            <a:ext cx="1320287" cy="193594"/>
+          </a:xfrm>
+          <a:prstGeom prst="rect">
+            <a:avLst/>
+          </a:prstGeom>
+        </p:spPr>
+        <p:style>
+          <a:lnRef idx="2">
+            <a:schemeClr val="accent2">
+              <a:shade val="15000"/>
+            </a:schemeClr>
+          </a:lnRef>
+          <a:fillRef idx="1">
+            <a:schemeClr val="accent2"/>
+          </a:fillRef>
+          <a:effectRef idx="0">
+            <a:schemeClr val="accent2"/>
+          </a:effectRef>
+          <a:fontRef idx="minor">
+            <a:schemeClr val="lt1"/>
+          </a:fontRef>
+        </p:style>
+        <p:txBody>
+          <a:bodyPr rtlCol="0" anchor="ctr"/>
+          <a:lstStyle/>
+          <a:p>
+            <a:pPr algn="ctr"/>
+            <a:r>
+              <a:rPr lang="de-DE" sz="825" dirty="0"/>
+              <a:t>Event: </a:t>
+            </a:r>
+            <a:r>
+              <a:rPr lang="de-DE" sz="825" dirty="0" err="1"/>
+              <a:t>initiateWedding</a:t>
+            </a:r>
+            <a:endParaRPr lang="de-DE" sz="825" dirty="0"/>
+          </a:p>
+        </p:txBody>
+      </p:sp>
+      <p:sp>
+        <p:nvSpPr>
+          <p:cNvPr id="18" name="Rectangle 17">
+            <a:extLst>
+              <a:ext uri="{FF2B5EF4-FFF2-40B4-BE49-F238E27FC236}">
+                <a16:creationId xmlns:a16="http://schemas.microsoft.com/office/drawing/2014/main" id="{7A087F33-9F36-194F-2E23-FDBDBE3FAF98}"/>
+              </a:ext>
+            </a:extLst>
+          </p:cNvPr>
+          <p:cNvSpPr/>
+          <p:nvPr/>
+        </p:nvSpPr>
+        <p:spPr>
+          <a:xfrm>
+            <a:off x="5289538" y="2572339"/>
+            <a:ext cx="1650254" cy="204562"/>
+          </a:xfrm>
+          <a:prstGeom prst="rect">
+            <a:avLst/>
+          </a:prstGeom>
+        </p:spPr>
+        <p:style>
+          <a:lnRef idx="2">
+            <a:schemeClr val="accent2">
+              <a:shade val="15000"/>
+            </a:schemeClr>
+          </a:lnRef>
+          <a:fillRef idx="1">
+            <a:schemeClr val="accent2"/>
+          </a:fillRef>
+          <a:effectRef idx="0">
+            <a:schemeClr val="accent2"/>
+          </a:effectRef>
+          <a:fontRef idx="minor">
+            <a:schemeClr val="lt1"/>
+          </a:fontRef>
+        </p:style>
+        <p:txBody>
+          <a:bodyPr rtlCol="0" anchor="ctr"/>
+          <a:lstStyle/>
+          <a:p>
+            <a:pPr algn="ctr"/>
+            <a:r>
+              <a:rPr lang="de-DE" sz="825" dirty="0"/>
+              <a:t>Event: </a:t>
+            </a:r>
+            <a:r>
+              <a:rPr lang="de-DE" sz="825" dirty="0" err="1"/>
+              <a:t>votedAgainstWedding</a:t>
+            </a:r>
+            <a:endParaRPr lang="de-DE" sz="825" dirty="0"/>
+          </a:p>
+        </p:txBody>
+      </p:sp>
+      <p:sp>
+        <p:nvSpPr>
+          <p:cNvPr id="19" name="Rectangle 18">
+            <a:extLst>
+              <a:ext uri="{FF2B5EF4-FFF2-40B4-BE49-F238E27FC236}">
+                <a16:creationId xmlns:a16="http://schemas.microsoft.com/office/drawing/2014/main" id="{0258B74C-8AE1-DA1E-10BF-463164BB3157}"/>
+              </a:ext>
+            </a:extLst>
+          </p:cNvPr>
+          <p:cNvSpPr/>
+          <p:nvPr/>
+        </p:nvSpPr>
+        <p:spPr>
+          <a:xfrm>
+            <a:off x="5289538" y="1836611"/>
+            <a:ext cx="1055964" cy="158162"/>
+          </a:xfrm>
+          <a:prstGeom prst="rect">
+            <a:avLst/>
+          </a:prstGeom>
+        </p:spPr>
+        <p:style>
+          <a:lnRef idx="2">
+            <a:schemeClr val="accent2">
+              <a:shade val="15000"/>
+            </a:schemeClr>
+          </a:lnRef>
+          <a:fillRef idx="1">
+            <a:schemeClr val="accent2"/>
+          </a:fillRef>
+          <a:effectRef idx="0">
+            <a:schemeClr val="accent2"/>
+          </a:effectRef>
+          <a:fontRef idx="minor">
+            <a:schemeClr val="lt1"/>
+          </a:fontRef>
+        </p:style>
+        <p:txBody>
+          <a:bodyPr rtlCol="0" anchor="ctr"/>
+          <a:lstStyle/>
+          <a:p>
+            <a:pPr algn="ctr"/>
+            <a:r>
+              <a:rPr lang="de-DE" sz="825" dirty="0"/>
+              <a:t>Event: </a:t>
+            </a:r>
+            <a:r>
+              <a:rPr lang="de-DE" sz="825" dirty="0" err="1"/>
+              <a:t>inviteSend</a:t>
+            </a:r>
+            <a:endParaRPr lang="de-DE" sz="825" dirty="0"/>
+          </a:p>
+        </p:txBody>
+      </p:sp>
+      <p:sp>
+        <p:nvSpPr>
+          <p:cNvPr id="20" name="Rectangle 19">
+            <a:extLst>
+              <a:ext uri="{FF2B5EF4-FFF2-40B4-BE49-F238E27FC236}">
+                <a16:creationId xmlns:a16="http://schemas.microsoft.com/office/drawing/2014/main" id="{3A828B5F-8FAE-9F87-1BC0-B14084AEE718}"/>
+              </a:ext>
+            </a:extLst>
+          </p:cNvPr>
+          <p:cNvSpPr/>
+          <p:nvPr/>
+        </p:nvSpPr>
+        <p:spPr>
+          <a:xfrm>
+            <a:off x="5294753" y="2125394"/>
+            <a:ext cx="1055964" cy="158162"/>
+          </a:xfrm>
+          <a:prstGeom prst="rect">
+            <a:avLst/>
+          </a:prstGeom>
+        </p:spPr>
+        <p:style>
+          <a:lnRef idx="2">
+            <a:schemeClr val="accent2">
+              <a:shade val="15000"/>
+            </a:schemeClr>
+          </a:lnRef>
+          <a:fillRef idx="1">
+            <a:schemeClr val="accent2"/>
+          </a:fillRef>
+          <a:effectRef idx="0">
+            <a:schemeClr val="accent2"/>
+          </a:effectRef>
+          <a:fontRef idx="minor">
+            <a:schemeClr val="lt1"/>
+          </a:fontRef>
+        </p:style>
+        <p:txBody>
+          <a:bodyPr rtlCol="0" anchor="ctr"/>
+          <a:lstStyle/>
+          <a:p>
+            <a:pPr algn="ctr"/>
+            <a:r>
+              <a:rPr lang="de-DE" sz="825" dirty="0"/>
+              <a:t>Event: </a:t>
+            </a:r>
+            <a:r>
+              <a:rPr lang="de-DE" sz="825" dirty="0" err="1"/>
+              <a:t>inviteSend</a:t>
+            </a:r>
+            <a:endParaRPr lang="de-DE" sz="825" dirty="0"/>
+          </a:p>
+        </p:txBody>
+      </p:sp>
+      <p:sp>
+        <p:nvSpPr>
+          <p:cNvPr id="21" name="Rectangle 20">
+            <a:extLst>
+              <a:ext uri="{FF2B5EF4-FFF2-40B4-BE49-F238E27FC236}">
+                <a16:creationId xmlns:a16="http://schemas.microsoft.com/office/drawing/2014/main" id="{11D0C384-F271-11BB-4324-0FD172EDD89F}"/>
+              </a:ext>
+            </a:extLst>
+          </p:cNvPr>
+          <p:cNvSpPr/>
+          <p:nvPr/>
+        </p:nvSpPr>
+        <p:spPr>
+          <a:xfrm>
+            <a:off x="7299960" y="3399832"/>
+            <a:ext cx="1785317" cy="204562"/>
+          </a:xfrm>
+          <a:prstGeom prst="rect">
+            <a:avLst/>
+          </a:prstGeom>
+        </p:spPr>
+        <p:style>
+          <a:lnRef idx="2">
+            <a:schemeClr val="accent2">
+              <a:shade val="15000"/>
+            </a:schemeClr>
+          </a:lnRef>
+          <a:fillRef idx="1">
+            <a:schemeClr val="accent2"/>
+          </a:fillRef>
+          <a:effectRef idx="0">
+            <a:schemeClr val="accent2"/>
+          </a:effectRef>
+          <a:fontRef idx="minor">
+            <a:schemeClr val="lt1"/>
+          </a:fontRef>
+        </p:style>
+        <p:txBody>
+          <a:bodyPr rtlCol="0" anchor="ctr"/>
+          <a:lstStyle/>
+          <a:p>
+            <a:pPr algn="ctr"/>
+            <a:r>
+              <a:rPr lang="de-DE" sz="825" dirty="0"/>
+              <a:t>Event: </a:t>
+            </a:r>
+            <a:r>
+              <a:rPr lang="de-DE" sz="825" dirty="0" err="1"/>
+              <a:t>issuedWeddingCertificate</a:t>
+            </a:r>
+            <a:endParaRPr lang="de-DE" sz="825" dirty="0"/>
+          </a:p>
+        </p:txBody>
+      </p:sp>
+      <p:sp>
+        <p:nvSpPr>
+          <p:cNvPr id="22" name="Rectangle 21">
+            <a:extLst>
+              <a:ext uri="{FF2B5EF4-FFF2-40B4-BE49-F238E27FC236}">
+                <a16:creationId xmlns:a16="http://schemas.microsoft.com/office/drawing/2014/main" id="{7CC01091-CA0B-D68F-2CC3-D381D65C15D7}"/>
+              </a:ext>
+            </a:extLst>
+          </p:cNvPr>
+          <p:cNvSpPr/>
+          <p:nvPr/>
+        </p:nvSpPr>
+        <p:spPr>
+          <a:xfrm>
+            <a:off x="7391400" y="1742313"/>
+            <a:ext cx="1658563" cy="193594"/>
+          </a:xfrm>
+          <a:prstGeom prst="rect">
+            <a:avLst/>
+          </a:prstGeom>
+          <a:solidFill>
+            <a:srgbClr val="507BC8"/>
+          </a:solidFill>
+        </p:spPr>
+        <p:style>
+          <a:lnRef idx="2">
+            <a:schemeClr val="accent2">
+              <a:shade val="15000"/>
+            </a:schemeClr>
+          </a:lnRef>
+          <a:fillRef idx="1">
+            <a:schemeClr val="accent2"/>
+          </a:fillRef>
+          <a:effectRef idx="0">
+            <a:schemeClr val="accent2"/>
+          </a:effectRef>
+          <a:fontRef idx="minor">
+            <a:schemeClr val="lt1"/>
+          </a:fontRef>
+        </p:style>
+        <p:txBody>
+          <a:bodyPr rtlCol="0" anchor="ctr"/>
+          <a:lstStyle/>
+          <a:p>
+            <a:pPr algn="ctr"/>
+            <a:r>
+              <a:rPr lang="de-DE" sz="825" dirty="0" err="1"/>
+              <a:t>new</a:t>
+            </a:r>
+            <a:r>
+              <a:rPr lang="de-DE" sz="825" dirty="0"/>
+              <a:t> Wedding-Proxy </a:t>
+            </a:r>
+            <a:r>
+              <a:rPr lang="de-DE" sz="825" dirty="0" err="1"/>
+              <a:t>deployed</a:t>
+            </a:r>
+            <a:endParaRPr lang="de-DE" sz="825" dirty="0"/>
+          </a:p>
+        </p:txBody>
+      </p:sp>
+      <p:sp>
+        <p:nvSpPr>
+          <p:cNvPr id="3" name="Rectangle 2">
+            <a:extLst>
+              <a:ext uri="{FF2B5EF4-FFF2-40B4-BE49-F238E27FC236}">
+                <a16:creationId xmlns:a16="http://schemas.microsoft.com/office/drawing/2014/main" id="{2163449E-504A-0715-6CEE-F708C5EA0CC4}"/>
+              </a:ext>
+            </a:extLst>
+          </p:cNvPr>
+          <p:cNvSpPr/>
+          <p:nvPr/>
+        </p:nvSpPr>
+        <p:spPr>
+          <a:xfrm>
+            <a:off x="2547548" y="3041996"/>
+            <a:ext cx="6596452" cy="613940"/>
+          </a:xfrm>
+          <a:prstGeom prst="rect">
+            <a:avLst/>
+          </a:prstGeom>
+          <a:noFill/>
+          <a:ln w="28575" cap="flat" cmpd="sng" algn="ctr">
+            <a:solidFill>
+              <a:srgbClr val="FF0000"/>
+            </a:solidFill>
+            <a:prstDash val="solid"/>
+            <a:round/>
+            <a:headEnd type="none" w="med" len="med"/>
+            <a:tailEnd type="none" w="med" len="med"/>
+          </a:ln>
+        </p:spPr>
+        <p:style>
+          <a:lnRef idx="0">
+            <a:scrgbClr r="0" g="0" b="0"/>
+          </a:lnRef>
+          <a:fillRef idx="0">
+            <a:scrgbClr r="0" g="0" b="0"/>
+          </a:fillRef>
+          <a:effectRef idx="0">
+            <a:scrgbClr r="0" g="0" b="0"/>
+          </a:effectRef>
+          <a:fontRef idx="minor">
+            <a:schemeClr val="accent2"/>
+          </a:fontRef>
+        </p:style>
+        <p:txBody>
+          <a:bodyPr rot="0" spcFirstLastPara="0" vertOverflow="overflow" horzOverflow="overflow" vert="horz" wrap="square" lIns="91440" tIns="45720" rIns="91440" bIns="45720" numCol="1" spcCol="0" rtlCol="0" fromWordArt="0" anchor="ctr" anchorCtr="0" forceAA="0" compatLnSpc="1">
+            <a:prstTxWarp prst="textNoShape">
+              <a:avLst/>
+            </a:prstTxWarp>
+            <a:noAutofit/>
+          </a:bodyPr>
+          <a:lstStyle/>
+          <a:p>
+            <a:pPr algn="ctr"/>
+            <a:endParaRPr lang="de-DE"/>
+          </a:p>
+        </p:txBody>
+      </p:sp>
+    </p:spTree>
+    <p:extLst>
+      <p:ext uri="{BB962C8B-B14F-4D97-AF65-F5344CB8AC3E}">
+        <p14:creationId xmlns:p14="http://schemas.microsoft.com/office/powerpoint/2010/main" val="2421200157"/>
+      </p:ext>
+    </p:extLst>
+  </p:cSld>
+  <p:clrMapOvr>
+    <a:masterClrMapping/>
+  </p:clrMapOvr>
+</p:sld>
+</file>
+
+<file path=ppt/slides/slide26.xml><?xml version="1.0" encoding="utf-8"?>
+<p:sld xmlns:a="http://schemas.openxmlformats.org/drawingml/2006/main" xmlns:r="http://schemas.openxmlformats.org/officeDocument/2006/relationships" xmlns:p="http://schemas.openxmlformats.org/presentationml/2006/main">
+  <p:cSld>
+    <p:spTree>
+      <p:nvGrpSpPr>
+        <p:cNvPr id="1" name=""/>
+        <p:cNvGrpSpPr/>
+        <p:nvPr/>
+      </p:nvGrpSpPr>
+      <p:grpSpPr>
+        <a:xfrm>
+          <a:off x="0" y="0"/>
+          <a:ext cx="0" cy="0"/>
+          <a:chOff x="0" y="0"/>
+          <a:chExt cx="0" cy="0"/>
+        </a:xfrm>
+      </p:grpSpPr>
+      <p:sp>
+        <p:nvSpPr>
+          <p:cNvPr id="2" name="Title 1">
+            <a:extLst>
+              <a:ext uri="{FF2B5EF4-FFF2-40B4-BE49-F238E27FC236}">
+                <a16:creationId xmlns:a16="http://schemas.microsoft.com/office/drawing/2014/main" id="{1C1054AD-3931-ECEE-8662-7ED9D93862B6}"/>
+              </a:ext>
+            </a:extLst>
+          </p:cNvPr>
+          <p:cNvSpPr>
+            <a:spLocks noGrp="1"/>
+          </p:cNvSpPr>
+          <p:nvPr>
+            <p:ph type="title"/>
+          </p:nvPr>
+        </p:nvSpPr>
+        <p:spPr/>
+        <p:txBody>
+          <a:bodyPr/>
+          <a:lstStyle/>
+          <a:p>
+            <a:r>
+              <a:rPr lang="de-DE" dirty="0"/>
+              <a:t>Demo</a:t>
+            </a:r>
+          </a:p>
+        </p:txBody>
+      </p:sp>
+      <p:sp>
+        <p:nvSpPr>
+          <p:cNvPr id="3" name="Content Placeholder 2">
+            <a:extLst>
+              <a:ext uri="{FF2B5EF4-FFF2-40B4-BE49-F238E27FC236}">
+                <a16:creationId xmlns:a16="http://schemas.microsoft.com/office/drawing/2014/main" id="{A9BCBFA6-52D5-A9AE-9F2C-3BEA1805B4B6}"/>
+              </a:ext>
+            </a:extLst>
+          </p:cNvPr>
+          <p:cNvSpPr>
+            <a:spLocks noGrp="1"/>
+          </p:cNvSpPr>
+          <p:nvPr>
+            <p:ph idx="1"/>
+          </p:nvPr>
+        </p:nvSpPr>
+        <p:spPr/>
+        <p:txBody>
+          <a:bodyPr/>
+          <a:lstStyle/>
+          <a:p>
+            <a:endParaRPr lang="de-DE"/>
+          </a:p>
+        </p:txBody>
+      </p:sp>
+    </p:spTree>
+    <p:extLst>
+      <p:ext uri="{BB962C8B-B14F-4D97-AF65-F5344CB8AC3E}">
+        <p14:creationId xmlns:p14="http://schemas.microsoft.com/office/powerpoint/2010/main" val="3747075174"/>
+      </p:ext>
+    </p:extLst>
+  </p:cSld>
+  <p:clrMapOvr>
+    <a:masterClrMapping/>
+  </p:clrMapOvr>
+</p:sld>
+</file>
+
+<file path=ppt/slides/slide27.xml><?xml version="1.0" encoding="utf-8"?>
+<p:sld xmlns:a="http://schemas.openxmlformats.org/drawingml/2006/main" xmlns:r="http://schemas.openxmlformats.org/officeDocument/2006/relationships" xmlns:p="http://schemas.openxmlformats.org/presentationml/2006/main">
+  <p:cSld>
+    <p:spTree>
+      <p:nvGrpSpPr>
+        <p:cNvPr id="1" name=""/>
+        <p:cNvGrpSpPr/>
+        <p:nvPr/>
+      </p:nvGrpSpPr>
+      <p:grpSpPr>
+        <a:xfrm>
+          <a:off x="0" y="0"/>
+          <a:ext cx="0" cy="0"/>
+          <a:chOff x="0" y="0"/>
+          <a:chExt cx="0" cy="0"/>
+        </a:xfrm>
+      </p:grpSpPr>
+      <p:sp>
+        <p:nvSpPr>
+          <p:cNvPr id="2" name="Title 1">
+            <a:extLst>
+              <a:ext uri="{FF2B5EF4-FFF2-40B4-BE49-F238E27FC236}">
+                <a16:creationId xmlns:a16="http://schemas.microsoft.com/office/drawing/2014/main" id="{C0F3CD03-DECC-7ABB-E0EF-55A01300F825}"/>
+              </a:ext>
+            </a:extLst>
+          </p:cNvPr>
+          <p:cNvSpPr>
+            <a:spLocks noGrp="1"/>
+          </p:cNvSpPr>
+          <p:nvPr>
+            <p:ph type="title"/>
+          </p:nvPr>
+        </p:nvSpPr>
+        <p:spPr/>
+        <p:txBody>
+          <a:bodyPr/>
+          <a:lstStyle/>
+          <a:p>
+            <a:r>
+              <a:rPr lang="de-DE" dirty="0"/>
+              <a:t>Demo</a:t>
+            </a:r>
+          </a:p>
+        </p:txBody>
+      </p:sp>
+      <p:cxnSp>
+        <p:nvCxnSpPr>
+          <p:cNvPr id="4" name="Straight Arrow Connector 3">
+            <a:extLst>
+              <a:ext uri="{FF2B5EF4-FFF2-40B4-BE49-F238E27FC236}">
+                <a16:creationId xmlns:a16="http://schemas.microsoft.com/office/drawing/2014/main" id="{6193D8CC-BC9A-2C9F-E7C9-98A0193AB131}"/>
+              </a:ext>
+            </a:extLst>
+          </p:cNvPr>
+          <p:cNvCxnSpPr/>
+          <p:nvPr/>
+        </p:nvCxnSpPr>
+        <p:spPr>
+          <a:xfrm>
+            <a:off x="2378620" y="812811"/>
+            <a:ext cx="0" cy="4257675"/>
+          </a:xfrm>
+          <a:prstGeom prst="straightConnector1">
+            <a:avLst/>
+          </a:prstGeom>
+          <a:ln w="76200">
+            <a:tailEnd type="triangle"/>
+          </a:ln>
+        </p:spPr>
+        <p:style>
+          <a:lnRef idx="1">
+            <a:schemeClr val="accent1"/>
+          </a:lnRef>
+          <a:fillRef idx="0">
+            <a:schemeClr val="accent1"/>
+          </a:fillRef>
+          <a:effectRef idx="0">
+            <a:schemeClr val="accent1"/>
+          </a:effectRef>
+          <a:fontRef idx="minor">
+            <a:schemeClr val="tx1"/>
+          </a:fontRef>
+        </p:style>
+      </p:cxnSp>
+      <p:sp>
+        <p:nvSpPr>
+          <p:cNvPr id="5" name="TextBox 4">
+            <a:extLst>
+              <a:ext uri="{FF2B5EF4-FFF2-40B4-BE49-F238E27FC236}">
+                <a16:creationId xmlns:a16="http://schemas.microsoft.com/office/drawing/2014/main" id="{6C59E7C2-8C4F-009F-BB94-D37DB41DCC3D}"/>
+              </a:ext>
+            </a:extLst>
+          </p:cNvPr>
+          <p:cNvSpPr txBox="1"/>
+          <p:nvPr/>
+        </p:nvSpPr>
+        <p:spPr>
+          <a:xfrm>
+            <a:off x="2487921" y="783546"/>
+            <a:ext cx="6147662" cy="3647152"/>
+          </a:xfrm>
+          <a:prstGeom prst="rect">
+            <a:avLst/>
+          </a:prstGeom>
+          <a:noFill/>
+        </p:spPr>
+        <p:txBody>
+          <a:bodyPr wrap="square" rtlCol="0">
+            <a:spAutoFit/>
+          </a:bodyPr>
+          <a:lstStyle/>
+          <a:p>
+            <a:r>
+              <a:rPr lang="de-DE" sz="825" dirty="0">
+                <a:latin typeface="Consolas" panose="020B0609020204030204" pitchFamily="49" charset="0"/>
+              </a:rPr>
+              <a:t>Authority: Deploy </a:t>
+            </a:r>
+            <a:r>
+              <a:rPr lang="de-DE" sz="825" dirty="0" err="1">
+                <a:latin typeface="Consolas" panose="020B0609020204030204" pitchFamily="49" charset="0"/>
+              </a:rPr>
+              <a:t>WeddingImplementationContract</a:t>
+            </a:r>
+            <a:r>
+              <a:rPr lang="de-DE" sz="825" dirty="0">
+                <a:latin typeface="Consolas" panose="020B0609020204030204" pitchFamily="49" charset="0"/>
+              </a:rPr>
+              <a:t>()</a:t>
+            </a:r>
+          </a:p>
+          <a:p>
+            <a:r>
+              <a:rPr lang="de-DE" sz="825" dirty="0">
+                <a:latin typeface="Consolas" panose="020B0609020204030204" pitchFamily="49" charset="0"/>
+              </a:rPr>
+              <a:t>Authority: Deploy </a:t>
+            </a:r>
+            <a:r>
+              <a:rPr lang="de-DE" sz="825" dirty="0" err="1">
+                <a:latin typeface="Consolas" panose="020B0609020204030204" pitchFamily="49" charset="0"/>
+              </a:rPr>
+              <a:t>RegistryContract</a:t>
+            </a:r>
+            <a:r>
+              <a:rPr lang="de-DE" sz="825" dirty="0">
+                <a:latin typeface="Consolas" panose="020B0609020204030204" pitchFamily="49" charset="0"/>
+              </a:rPr>
+              <a:t>(</a:t>
+            </a:r>
+            <a:r>
+              <a:rPr lang="de-DE" sz="825" dirty="0" err="1">
+                <a:latin typeface="Consolas" panose="020B0609020204030204" pitchFamily="49" charset="0"/>
+              </a:rPr>
+              <a:t>Authorities</a:t>
+            </a:r>
+            <a:r>
+              <a:rPr lang="de-DE" sz="825" dirty="0">
+                <a:latin typeface="Consolas" panose="020B0609020204030204" pitchFamily="49" charset="0"/>
+              </a:rPr>
+              <a:t>, </a:t>
+            </a:r>
+            <a:r>
+              <a:rPr lang="de-DE" sz="825" dirty="0" err="1">
+                <a:latin typeface="Consolas" panose="020B0609020204030204" pitchFamily="49" charset="0"/>
+              </a:rPr>
+              <a:t>WeddingImplemetationContract-address</a:t>
+            </a:r>
+            <a:r>
+              <a:rPr lang="de-DE" sz="825" dirty="0">
+                <a:latin typeface="Consolas" panose="020B0609020204030204" pitchFamily="49" charset="0"/>
+              </a:rPr>
+              <a:t>)</a:t>
+            </a:r>
+          </a:p>
+          <a:p>
+            <a:endParaRPr lang="de-DE" sz="825" dirty="0">
+              <a:latin typeface="Consolas" panose="020B0609020204030204" pitchFamily="49" charset="0"/>
+            </a:endParaRPr>
+          </a:p>
+          <a:p>
+            <a:endParaRPr lang="de-DE" sz="825" dirty="0">
+              <a:latin typeface="Consolas" panose="020B0609020204030204" pitchFamily="49" charset="0"/>
+            </a:endParaRPr>
+          </a:p>
+          <a:p>
+            <a:endParaRPr lang="de-DE" sz="825" dirty="0">
+              <a:latin typeface="Consolas" panose="020B0609020204030204" pitchFamily="49" charset="0"/>
+            </a:endParaRPr>
+          </a:p>
+          <a:p>
+            <a:r>
+              <a:rPr lang="de-DE" sz="825" dirty="0" err="1">
+                <a:latin typeface="Consolas" panose="020B0609020204030204" pitchFamily="49" charset="0"/>
+              </a:rPr>
+              <a:t>Fiance</a:t>
+            </a:r>
+            <a:r>
+              <a:rPr lang="de-DE" sz="825" dirty="0">
+                <a:latin typeface="Consolas" panose="020B0609020204030204" pitchFamily="49" charset="0"/>
+              </a:rPr>
+              <a:t> 1: </a:t>
+            </a:r>
+            <a:r>
+              <a:rPr lang="de-DE" sz="825" dirty="0" err="1">
+                <a:latin typeface="Consolas" panose="020B0609020204030204" pitchFamily="49" charset="0"/>
+              </a:rPr>
+              <a:t>registry_contract.initiateWedding</a:t>
+            </a:r>
+            <a:r>
+              <a:rPr lang="de-DE" sz="825" dirty="0">
+                <a:latin typeface="Consolas" panose="020B0609020204030204" pitchFamily="49" charset="0"/>
+              </a:rPr>
+              <a:t>([fiance1, fiance2], </a:t>
+            </a:r>
+            <a:r>
+              <a:rPr lang="de-DE" sz="825" dirty="0" err="1">
+                <a:latin typeface="Consolas" panose="020B0609020204030204" pitchFamily="49" charset="0"/>
+              </a:rPr>
+              <a:t>weddingDate</a:t>
+            </a:r>
+            <a:r>
+              <a:rPr lang="de-DE" sz="825" dirty="0">
+                <a:latin typeface="Consolas" panose="020B0609020204030204" pitchFamily="49" charset="0"/>
+              </a:rPr>
+              <a:t>)</a:t>
+            </a:r>
+          </a:p>
+          <a:p>
+            <a:endParaRPr lang="de-DE" sz="825" dirty="0">
+              <a:latin typeface="Consolas" panose="020B0609020204030204" pitchFamily="49" charset="0"/>
+            </a:endParaRPr>
+          </a:p>
+          <a:p>
+            <a:r>
+              <a:rPr lang="de-DE" sz="825" dirty="0" err="1">
+                <a:latin typeface="Consolas" panose="020B0609020204030204" pitchFamily="49" charset="0"/>
+              </a:rPr>
+              <a:t>Fiance</a:t>
+            </a:r>
+            <a:r>
+              <a:rPr lang="de-DE" sz="825" dirty="0">
+                <a:latin typeface="Consolas" panose="020B0609020204030204" pitchFamily="49" charset="0"/>
+              </a:rPr>
+              <a:t> 2: </a:t>
+            </a:r>
+            <a:r>
+              <a:rPr lang="de-DE" sz="825" dirty="0" err="1">
+                <a:latin typeface="Consolas" panose="020B0609020204030204" pitchFamily="49" charset="0"/>
+              </a:rPr>
+              <a:t>WeddingContract.approveGuest</a:t>
+            </a:r>
+            <a:r>
+              <a:rPr lang="de-DE" sz="825" dirty="0">
+                <a:latin typeface="Consolas" panose="020B0609020204030204" pitchFamily="49" charset="0"/>
+              </a:rPr>
+              <a:t>(Guest1)</a:t>
+            </a:r>
+          </a:p>
+          <a:p>
+            <a:r>
+              <a:rPr lang="de-DE" sz="825" dirty="0" err="1">
+                <a:latin typeface="Consolas" panose="020B0609020204030204" pitchFamily="49" charset="0"/>
+              </a:rPr>
+              <a:t>Fiance</a:t>
+            </a:r>
+            <a:r>
+              <a:rPr lang="de-DE" sz="825" dirty="0">
+                <a:latin typeface="Consolas" panose="020B0609020204030204" pitchFamily="49" charset="0"/>
+              </a:rPr>
+              <a:t> 1: </a:t>
+            </a:r>
+            <a:r>
+              <a:rPr lang="de-DE" sz="825" dirty="0" err="1">
+                <a:latin typeface="Consolas" panose="020B0609020204030204" pitchFamily="49" charset="0"/>
+              </a:rPr>
+              <a:t>WeddingContract.approveGuest</a:t>
+            </a:r>
+            <a:r>
+              <a:rPr lang="de-DE" sz="825" dirty="0">
+                <a:latin typeface="Consolas" panose="020B0609020204030204" pitchFamily="49" charset="0"/>
+              </a:rPr>
+              <a:t>(Guest1)</a:t>
+            </a:r>
+          </a:p>
+          <a:p>
+            <a:r>
+              <a:rPr lang="de-DE" sz="825" dirty="0" err="1">
+                <a:latin typeface="Consolas" panose="020B0609020204030204" pitchFamily="49" charset="0"/>
+              </a:rPr>
+              <a:t>Fiance</a:t>
+            </a:r>
+            <a:r>
+              <a:rPr lang="de-DE" sz="825" dirty="0">
+                <a:latin typeface="Consolas" panose="020B0609020204030204" pitchFamily="49" charset="0"/>
+              </a:rPr>
+              <a:t> 1: </a:t>
+            </a:r>
+            <a:r>
+              <a:rPr lang="de-DE" sz="825" dirty="0" err="1">
+                <a:latin typeface="Consolas" panose="020B0609020204030204" pitchFamily="49" charset="0"/>
+              </a:rPr>
+              <a:t>WeddingContract.approveGuest</a:t>
+            </a:r>
+            <a:r>
+              <a:rPr lang="de-DE" sz="825" dirty="0">
+                <a:latin typeface="Consolas" panose="020B0609020204030204" pitchFamily="49" charset="0"/>
+              </a:rPr>
+              <a:t>(Guest2)</a:t>
+            </a:r>
+          </a:p>
+          <a:p>
+            <a:r>
+              <a:rPr lang="de-DE" sz="825" dirty="0" err="1">
+                <a:latin typeface="Consolas" panose="020B0609020204030204" pitchFamily="49" charset="0"/>
+              </a:rPr>
+              <a:t>Fiance</a:t>
+            </a:r>
+            <a:r>
+              <a:rPr lang="de-DE" sz="825" dirty="0">
+                <a:latin typeface="Consolas" panose="020B0609020204030204" pitchFamily="49" charset="0"/>
+              </a:rPr>
+              <a:t> 2: </a:t>
+            </a:r>
+            <a:r>
+              <a:rPr lang="de-DE" sz="825" dirty="0" err="1">
+                <a:latin typeface="Consolas" panose="020B0609020204030204" pitchFamily="49" charset="0"/>
+              </a:rPr>
+              <a:t>WeddingContract.approveGuest</a:t>
+            </a:r>
+            <a:r>
+              <a:rPr lang="de-DE" sz="825" dirty="0">
+                <a:latin typeface="Consolas" panose="020B0609020204030204" pitchFamily="49" charset="0"/>
+              </a:rPr>
+              <a:t>(Guest2)</a:t>
+            </a:r>
+          </a:p>
+          <a:p>
+            <a:endParaRPr lang="de-DE" sz="825" dirty="0">
+              <a:latin typeface="Consolas" panose="020B0609020204030204" pitchFamily="49" charset="0"/>
+            </a:endParaRPr>
+          </a:p>
+          <a:p>
+            <a:endParaRPr lang="de-DE" sz="825" dirty="0">
+              <a:latin typeface="Consolas" panose="020B0609020204030204" pitchFamily="49" charset="0"/>
+            </a:endParaRPr>
+          </a:p>
+          <a:p>
+            <a:endParaRPr lang="de-DE" sz="825" dirty="0">
+              <a:latin typeface="Consolas" panose="020B0609020204030204" pitchFamily="49" charset="0"/>
+            </a:endParaRPr>
+          </a:p>
+          <a:p>
+            <a:r>
+              <a:rPr lang="de-DE" sz="825" dirty="0">
+                <a:latin typeface="Consolas" panose="020B0609020204030204" pitchFamily="49" charset="0"/>
+              </a:rPr>
+              <a:t>Guest 1: </a:t>
+            </a:r>
+            <a:r>
+              <a:rPr lang="de-DE" sz="825" dirty="0" err="1">
+                <a:latin typeface="Consolas" panose="020B0609020204030204" pitchFamily="49" charset="0"/>
+              </a:rPr>
+              <a:t>WeddingContract.voteAgainstWedding</a:t>
+            </a:r>
+            <a:r>
+              <a:rPr lang="de-DE" sz="825" dirty="0">
+                <a:latin typeface="Consolas" panose="020B0609020204030204" pitchFamily="49" charset="0"/>
+              </a:rPr>
+              <a:t>()</a:t>
+            </a:r>
+          </a:p>
+          <a:p>
+            <a:endParaRPr lang="de-DE" sz="825" dirty="0">
+              <a:latin typeface="Consolas" panose="020B0609020204030204" pitchFamily="49" charset="0"/>
+            </a:endParaRPr>
+          </a:p>
+          <a:p>
+            <a:endParaRPr lang="de-DE" sz="825" dirty="0">
+              <a:latin typeface="Consolas" panose="020B0609020204030204" pitchFamily="49" charset="0"/>
+            </a:endParaRPr>
+          </a:p>
+          <a:p>
+            <a:endParaRPr lang="de-DE" sz="825" dirty="0">
+              <a:latin typeface="Consolas" panose="020B0609020204030204" pitchFamily="49" charset="0"/>
+            </a:endParaRPr>
+          </a:p>
+          <a:p>
+            <a:r>
+              <a:rPr lang="de-DE" sz="825" dirty="0" err="1">
+                <a:latin typeface="Consolas" panose="020B0609020204030204" pitchFamily="49" charset="0"/>
+              </a:rPr>
+              <a:t>Fiance</a:t>
+            </a:r>
+            <a:r>
+              <a:rPr lang="de-DE" sz="825" dirty="0">
+                <a:latin typeface="Consolas" panose="020B0609020204030204" pitchFamily="49" charset="0"/>
+              </a:rPr>
+              <a:t> 1: </a:t>
+            </a:r>
+            <a:r>
+              <a:rPr lang="de-DE" sz="825" dirty="0" err="1">
+                <a:latin typeface="Consolas" panose="020B0609020204030204" pitchFamily="49" charset="0"/>
+              </a:rPr>
+              <a:t>WeddingContract.confirmWedding</a:t>
+            </a:r>
+            <a:r>
+              <a:rPr lang="de-DE" sz="825" dirty="0">
+                <a:latin typeface="Consolas" panose="020B0609020204030204" pitchFamily="49" charset="0"/>
+              </a:rPr>
+              <a:t>()</a:t>
+            </a:r>
+          </a:p>
+          <a:p>
+            <a:r>
+              <a:rPr lang="de-DE" sz="825" dirty="0" err="1">
+                <a:latin typeface="Consolas" panose="020B0609020204030204" pitchFamily="49" charset="0"/>
+              </a:rPr>
+              <a:t>Fiance</a:t>
+            </a:r>
+            <a:r>
+              <a:rPr lang="de-DE" sz="825" dirty="0">
+                <a:latin typeface="Consolas" panose="020B0609020204030204" pitchFamily="49" charset="0"/>
+              </a:rPr>
+              <a:t> 2: </a:t>
+            </a:r>
+            <a:r>
+              <a:rPr lang="de-DE" sz="825" dirty="0" err="1">
+                <a:latin typeface="Consolas" panose="020B0609020204030204" pitchFamily="49" charset="0"/>
+              </a:rPr>
+              <a:t>WeddingContract.confirmWedding</a:t>
+            </a:r>
+            <a:r>
+              <a:rPr lang="de-DE" sz="825" dirty="0">
+                <a:latin typeface="Consolas" panose="020B0609020204030204" pitchFamily="49" charset="0"/>
+              </a:rPr>
+              <a:t>() -&gt; </a:t>
+            </a:r>
+            <a:r>
+              <a:rPr lang="de-DE" sz="825" dirty="0" err="1">
+                <a:latin typeface="Consolas" panose="020B0609020204030204" pitchFamily="49" charset="0"/>
+              </a:rPr>
+              <a:t>WeddingContract</a:t>
+            </a:r>
+            <a:r>
+              <a:rPr lang="de-DE" sz="825" dirty="0">
+                <a:latin typeface="Consolas" panose="020B0609020204030204" pitchFamily="49" charset="0"/>
+              </a:rPr>
+              <a:t>: </a:t>
+            </a:r>
+            <a:r>
+              <a:rPr lang="de-DE" sz="825" dirty="0" err="1">
+                <a:latin typeface="Consolas" panose="020B0609020204030204" pitchFamily="49" charset="0"/>
+              </a:rPr>
+              <a:t>WeddingRegistry.issueWeddingToken</a:t>
+            </a:r>
+            <a:r>
+              <a:rPr lang="de-DE" sz="825" dirty="0">
+                <a:latin typeface="Consolas" panose="020B0609020204030204" pitchFamily="49" charset="0"/>
+              </a:rPr>
+              <a:t>()</a:t>
+            </a:r>
+          </a:p>
+          <a:p>
+            <a:endParaRPr lang="de-DE" sz="825" dirty="0">
+              <a:latin typeface="Consolas" panose="020B0609020204030204" pitchFamily="49" charset="0"/>
+            </a:endParaRPr>
+          </a:p>
+          <a:p>
+            <a:endParaRPr lang="de-DE" sz="825" dirty="0">
+              <a:latin typeface="Consolas" panose="020B0609020204030204" pitchFamily="49" charset="0"/>
+            </a:endParaRPr>
+          </a:p>
+          <a:p>
+            <a:endParaRPr lang="de-DE" sz="825" dirty="0">
+              <a:latin typeface="Consolas" panose="020B0609020204030204" pitchFamily="49" charset="0"/>
+            </a:endParaRPr>
+          </a:p>
+          <a:p>
+            <a:endParaRPr lang="de-DE" sz="825" dirty="0">
+              <a:latin typeface="Consolas" panose="020B0609020204030204" pitchFamily="49" charset="0"/>
+            </a:endParaRPr>
+          </a:p>
+          <a:p>
+            <a:r>
+              <a:rPr lang="de-DE" sz="825" dirty="0" err="1">
+                <a:latin typeface="Consolas" panose="020B0609020204030204" pitchFamily="49" charset="0"/>
+              </a:rPr>
+              <a:t>Fiance</a:t>
+            </a:r>
+            <a:r>
+              <a:rPr lang="de-DE" sz="825" dirty="0">
+                <a:latin typeface="Consolas" panose="020B0609020204030204" pitchFamily="49" charset="0"/>
+              </a:rPr>
+              <a:t> 1: </a:t>
+            </a:r>
+            <a:r>
+              <a:rPr lang="de-DE" sz="825" dirty="0" err="1">
+                <a:latin typeface="Consolas" panose="020B0609020204030204" pitchFamily="49" charset="0"/>
+              </a:rPr>
+              <a:t>WeddingContract.divorce</a:t>
+            </a:r>
+            <a:r>
+              <a:rPr lang="de-DE" sz="825" dirty="0">
+                <a:latin typeface="Consolas" panose="020B0609020204030204" pitchFamily="49" charset="0"/>
+              </a:rPr>
+              <a:t>()</a:t>
+            </a:r>
+          </a:p>
+          <a:p>
+            <a:r>
+              <a:rPr lang="de-DE" sz="825" dirty="0">
+                <a:latin typeface="Consolas" panose="020B0609020204030204" pitchFamily="49" charset="0"/>
+              </a:rPr>
+              <a:t>Authority: </a:t>
+            </a:r>
+            <a:r>
+              <a:rPr lang="de-DE" sz="825" dirty="0" err="1">
+                <a:latin typeface="Consolas" panose="020B0609020204030204" pitchFamily="49" charset="0"/>
+              </a:rPr>
+              <a:t>WeddingContract.dicorce</a:t>
+            </a:r>
+            <a:r>
+              <a:rPr lang="de-DE" sz="825" dirty="0">
+                <a:latin typeface="Consolas" panose="020B0609020204030204" pitchFamily="49" charset="0"/>
+              </a:rPr>
+              <a:t>() -&gt; </a:t>
+            </a:r>
+            <a:r>
+              <a:rPr lang="de-DE" sz="825" dirty="0" err="1">
+                <a:latin typeface="Consolas" panose="020B0609020204030204" pitchFamily="49" charset="0"/>
+              </a:rPr>
+              <a:t>WeddingContrac</a:t>
+            </a:r>
+            <a:r>
+              <a:rPr lang="de-DE" sz="825" dirty="0">
+                <a:latin typeface="Consolas" panose="020B0609020204030204" pitchFamily="49" charset="0"/>
+              </a:rPr>
+              <a:t>: </a:t>
+            </a:r>
+            <a:r>
+              <a:rPr lang="de-DE" sz="825" dirty="0" err="1">
+                <a:latin typeface="Consolas" panose="020B0609020204030204" pitchFamily="49" charset="0"/>
+              </a:rPr>
+              <a:t>WeddingRegistry.burnWeddingToken</a:t>
+            </a:r>
+            <a:r>
+              <a:rPr lang="de-DE" sz="825" dirty="0">
+                <a:latin typeface="Consolas" panose="020B0609020204030204" pitchFamily="49" charset="0"/>
+              </a:rPr>
+              <a:t>()</a:t>
+            </a:r>
+          </a:p>
+          <a:p>
+            <a:br>
+              <a:rPr lang="de-DE" sz="825" dirty="0">
+                <a:latin typeface="Consolas" panose="020B0609020204030204" pitchFamily="49" charset="0"/>
+              </a:rPr>
+            </a:br>
+            <a:endParaRPr lang="de-DE" sz="825" dirty="0"/>
+          </a:p>
+        </p:txBody>
+      </p:sp>
+      <p:sp>
+        <p:nvSpPr>
+          <p:cNvPr id="6" name="Left Brace 5">
+            <a:extLst>
+              <a:ext uri="{FF2B5EF4-FFF2-40B4-BE49-F238E27FC236}">
+                <a16:creationId xmlns:a16="http://schemas.microsoft.com/office/drawing/2014/main" id="{3BEBA187-3392-9109-E88C-0AD44D20F57E}"/>
+              </a:ext>
+            </a:extLst>
+          </p:cNvPr>
+          <p:cNvSpPr/>
+          <p:nvPr/>
+        </p:nvSpPr>
+        <p:spPr>
+          <a:xfrm>
+            <a:off x="2164604" y="872345"/>
+            <a:ext cx="112882" cy="468683"/>
+          </a:xfrm>
+          <a:prstGeom prst="leftBrace">
+            <a:avLst/>
+          </a:prstGeom>
+        </p:spPr>
+        <p:style>
+          <a:lnRef idx="1">
+            <a:schemeClr val="accent1"/>
+          </a:lnRef>
+          <a:fillRef idx="0">
+            <a:schemeClr val="accent1"/>
+          </a:fillRef>
+          <a:effectRef idx="0">
+            <a:schemeClr val="accent1"/>
+          </a:effectRef>
+          <a:fontRef idx="minor">
+            <a:schemeClr val="tx1"/>
+          </a:fontRef>
+        </p:style>
+        <p:txBody>
+          <a:bodyPr rtlCol="0" anchor="ctr"/>
+          <a:lstStyle/>
+          <a:p>
+            <a:pPr algn="ctr"/>
+            <a:endParaRPr lang="de-DE" sz="1350" dirty="0"/>
+          </a:p>
+        </p:txBody>
+      </p:sp>
+      <p:sp>
+        <p:nvSpPr>
+          <p:cNvPr id="7" name="TextBox 6">
+            <a:extLst>
+              <a:ext uri="{FF2B5EF4-FFF2-40B4-BE49-F238E27FC236}">
+                <a16:creationId xmlns:a16="http://schemas.microsoft.com/office/drawing/2014/main" id="{CB3C8334-06A7-3746-9631-9A51001D646C}"/>
+              </a:ext>
+            </a:extLst>
+          </p:cNvPr>
+          <p:cNvSpPr txBox="1"/>
+          <p:nvPr/>
+        </p:nvSpPr>
+        <p:spPr>
+          <a:xfrm>
+            <a:off x="802747" y="960267"/>
+            <a:ext cx="607859" cy="300082"/>
+          </a:xfrm>
+          <a:prstGeom prst="rect">
+            <a:avLst/>
+          </a:prstGeom>
+          <a:noFill/>
+        </p:spPr>
+        <p:txBody>
+          <a:bodyPr wrap="none" rtlCol="0">
+            <a:spAutoFit/>
+          </a:bodyPr>
+          <a:lstStyle/>
+          <a:p>
+            <a:r>
+              <a:rPr lang="de-DE" sz="1350" dirty="0" err="1">
+                <a:solidFill>
+                  <a:srgbClr val="507BC8"/>
+                </a:solidFill>
+              </a:rPr>
+              <a:t>setup</a:t>
+            </a:r>
+            <a:endParaRPr lang="de-DE" sz="1350" dirty="0">
+              <a:solidFill>
+                <a:srgbClr val="507BC8"/>
+              </a:solidFill>
+            </a:endParaRPr>
+          </a:p>
+        </p:txBody>
+      </p:sp>
+      <p:sp>
+        <p:nvSpPr>
+          <p:cNvPr id="8" name="Left Brace 7">
+            <a:extLst>
+              <a:ext uri="{FF2B5EF4-FFF2-40B4-BE49-F238E27FC236}">
+                <a16:creationId xmlns:a16="http://schemas.microsoft.com/office/drawing/2014/main" id="{E5423A59-0302-0469-19D3-EC408BEABC9D}"/>
+              </a:ext>
+            </a:extLst>
+          </p:cNvPr>
+          <p:cNvSpPr/>
+          <p:nvPr/>
+        </p:nvSpPr>
+        <p:spPr>
+          <a:xfrm>
+            <a:off x="2117451" y="1462874"/>
+            <a:ext cx="160035" cy="946066"/>
+          </a:xfrm>
+          <a:prstGeom prst="leftBrace">
+            <a:avLst/>
+          </a:prstGeom>
+        </p:spPr>
+        <p:style>
+          <a:lnRef idx="1">
+            <a:schemeClr val="accent1"/>
+          </a:lnRef>
+          <a:fillRef idx="0">
+            <a:schemeClr val="accent1"/>
+          </a:fillRef>
+          <a:effectRef idx="0">
+            <a:schemeClr val="accent1"/>
+          </a:effectRef>
+          <a:fontRef idx="minor">
+            <a:schemeClr val="tx1"/>
+          </a:fontRef>
+        </p:style>
+        <p:txBody>
+          <a:bodyPr rtlCol="0" anchor="ctr"/>
+          <a:lstStyle/>
+          <a:p>
+            <a:pPr algn="ctr"/>
+            <a:endParaRPr lang="de-DE" sz="1350"/>
+          </a:p>
+        </p:txBody>
+      </p:sp>
+      <p:sp>
+        <p:nvSpPr>
+          <p:cNvPr id="9" name="TextBox 8">
+            <a:extLst>
+              <a:ext uri="{FF2B5EF4-FFF2-40B4-BE49-F238E27FC236}">
+                <a16:creationId xmlns:a16="http://schemas.microsoft.com/office/drawing/2014/main" id="{F4CFF4CE-205E-5460-5ACE-CC8966067D38}"/>
+              </a:ext>
+            </a:extLst>
+          </p:cNvPr>
+          <p:cNvSpPr txBox="1"/>
+          <p:nvPr/>
+        </p:nvSpPr>
+        <p:spPr>
+          <a:xfrm>
+            <a:off x="802747" y="1601167"/>
+            <a:ext cx="1156086" cy="507831"/>
+          </a:xfrm>
+          <a:prstGeom prst="rect">
+            <a:avLst/>
+          </a:prstGeom>
+          <a:noFill/>
+        </p:spPr>
+        <p:txBody>
+          <a:bodyPr wrap="none" rtlCol="0">
+            <a:spAutoFit/>
+          </a:bodyPr>
+          <a:lstStyle/>
+          <a:p>
+            <a:r>
+              <a:rPr lang="de-DE" sz="1350" dirty="0" err="1">
+                <a:solidFill>
+                  <a:srgbClr val="507BC8"/>
+                </a:solidFill>
+              </a:rPr>
+              <a:t>Before</a:t>
+            </a:r>
+            <a:r>
+              <a:rPr lang="de-DE" sz="1350" dirty="0">
+                <a:solidFill>
+                  <a:srgbClr val="507BC8"/>
+                </a:solidFill>
+              </a:rPr>
+              <a:t> </a:t>
+            </a:r>
+          </a:p>
+          <a:p>
+            <a:r>
+              <a:rPr lang="de-DE" sz="1350" dirty="0" err="1">
+                <a:solidFill>
+                  <a:srgbClr val="507BC8"/>
+                </a:solidFill>
+              </a:rPr>
+              <a:t>wedding</a:t>
+            </a:r>
+            <a:r>
+              <a:rPr lang="de-DE" sz="1350" dirty="0">
+                <a:solidFill>
+                  <a:srgbClr val="507BC8"/>
+                </a:solidFill>
+              </a:rPr>
+              <a:t> </a:t>
+            </a:r>
+            <a:r>
+              <a:rPr lang="de-DE" sz="1350" dirty="0" err="1">
+                <a:solidFill>
+                  <a:srgbClr val="507BC8"/>
+                </a:solidFill>
+              </a:rPr>
+              <a:t>day</a:t>
+            </a:r>
+            <a:endParaRPr lang="de-DE" sz="1350" dirty="0">
+              <a:solidFill>
+                <a:srgbClr val="507BC8"/>
+              </a:solidFill>
+            </a:endParaRPr>
+          </a:p>
+        </p:txBody>
+      </p:sp>
+      <p:sp>
+        <p:nvSpPr>
+          <p:cNvPr id="10" name="Left Brace 9">
+            <a:extLst>
+              <a:ext uri="{FF2B5EF4-FFF2-40B4-BE49-F238E27FC236}">
+                <a16:creationId xmlns:a16="http://schemas.microsoft.com/office/drawing/2014/main" id="{600A5030-D8F9-5D51-DD21-69EECD7695E8}"/>
+              </a:ext>
+            </a:extLst>
+          </p:cNvPr>
+          <p:cNvSpPr/>
+          <p:nvPr/>
+        </p:nvSpPr>
+        <p:spPr>
+          <a:xfrm>
+            <a:off x="2108462" y="2408940"/>
+            <a:ext cx="173441" cy="472094"/>
+          </a:xfrm>
+          <a:prstGeom prst="leftBrace">
+            <a:avLst/>
+          </a:prstGeom>
+        </p:spPr>
+        <p:style>
+          <a:lnRef idx="1">
+            <a:schemeClr val="accent1"/>
+          </a:lnRef>
+          <a:fillRef idx="0">
+            <a:schemeClr val="accent1"/>
+          </a:fillRef>
+          <a:effectRef idx="0">
+            <a:schemeClr val="accent1"/>
+          </a:effectRef>
+          <a:fontRef idx="minor">
+            <a:schemeClr val="tx1"/>
+          </a:fontRef>
+        </p:style>
+        <p:txBody>
+          <a:bodyPr rtlCol="0" anchor="ctr"/>
+          <a:lstStyle/>
+          <a:p>
+            <a:pPr algn="ctr"/>
+            <a:endParaRPr lang="de-DE" sz="1350"/>
+          </a:p>
+        </p:txBody>
+      </p:sp>
+      <p:sp>
+        <p:nvSpPr>
+          <p:cNvPr id="11" name="TextBox 10">
+            <a:extLst>
+              <a:ext uri="{FF2B5EF4-FFF2-40B4-BE49-F238E27FC236}">
+                <a16:creationId xmlns:a16="http://schemas.microsoft.com/office/drawing/2014/main" id="{8C772DA1-D1C7-2368-5B30-F147E5ADC080}"/>
+              </a:ext>
+            </a:extLst>
+          </p:cNvPr>
+          <p:cNvSpPr txBox="1"/>
+          <p:nvPr/>
+        </p:nvSpPr>
+        <p:spPr>
+          <a:xfrm>
+            <a:off x="818990" y="2433818"/>
+            <a:ext cx="1268361" cy="507831"/>
+          </a:xfrm>
+          <a:prstGeom prst="rect">
+            <a:avLst/>
+          </a:prstGeom>
+          <a:noFill/>
+        </p:spPr>
+        <p:txBody>
+          <a:bodyPr wrap="none" rtlCol="0">
+            <a:spAutoFit/>
+          </a:bodyPr>
+          <a:lstStyle/>
+          <a:p>
+            <a:r>
+              <a:rPr lang="de-DE" sz="1350" dirty="0">
+                <a:solidFill>
+                  <a:srgbClr val="507BC8"/>
+                </a:solidFill>
+              </a:rPr>
+              <a:t>Wedding Day </a:t>
+            </a:r>
+          </a:p>
+          <a:p>
+            <a:r>
+              <a:rPr lang="de-DE" sz="1350" dirty="0" err="1">
+                <a:solidFill>
+                  <a:srgbClr val="507BC8"/>
+                </a:solidFill>
+              </a:rPr>
+              <a:t>before</a:t>
+            </a:r>
+            <a:r>
+              <a:rPr lang="de-DE" sz="1350" dirty="0">
+                <a:solidFill>
+                  <a:srgbClr val="507BC8"/>
+                </a:solidFill>
+              </a:rPr>
+              <a:t> 10am</a:t>
+            </a:r>
+          </a:p>
+        </p:txBody>
+      </p:sp>
+      <p:sp>
+        <p:nvSpPr>
+          <p:cNvPr id="12" name="TextBox 11">
+            <a:extLst>
+              <a:ext uri="{FF2B5EF4-FFF2-40B4-BE49-F238E27FC236}">
+                <a16:creationId xmlns:a16="http://schemas.microsoft.com/office/drawing/2014/main" id="{EEFC66A5-84F1-2BBB-6B01-5110AF21A6E3}"/>
+              </a:ext>
+            </a:extLst>
+          </p:cNvPr>
+          <p:cNvSpPr txBox="1"/>
+          <p:nvPr/>
+        </p:nvSpPr>
+        <p:spPr>
+          <a:xfrm>
+            <a:off x="2450118" y="4854226"/>
+            <a:ext cx="484428" cy="253916"/>
+          </a:xfrm>
+          <a:prstGeom prst="rect">
+            <a:avLst/>
+          </a:prstGeom>
+          <a:noFill/>
+        </p:spPr>
+        <p:txBody>
+          <a:bodyPr wrap="none" rtlCol="0">
+            <a:spAutoFit/>
+          </a:bodyPr>
+          <a:lstStyle/>
+          <a:p>
+            <a:r>
+              <a:rPr lang="de-DE" sz="1050" dirty="0"/>
+              <a:t>Time</a:t>
+            </a:r>
+            <a:endParaRPr lang="de-DE" sz="1350" dirty="0"/>
+          </a:p>
+        </p:txBody>
+      </p:sp>
+      <p:sp>
+        <p:nvSpPr>
+          <p:cNvPr id="13" name="TextBox 12">
+            <a:extLst>
+              <a:ext uri="{FF2B5EF4-FFF2-40B4-BE49-F238E27FC236}">
+                <a16:creationId xmlns:a16="http://schemas.microsoft.com/office/drawing/2014/main" id="{227B101B-FC0C-ECE1-33BD-118296A5BCCC}"/>
+              </a:ext>
+            </a:extLst>
+          </p:cNvPr>
+          <p:cNvSpPr txBox="1"/>
+          <p:nvPr/>
+        </p:nvSpPr>
+        <p:spPr>
+          <a:xfrm>
+            <a:off x="816592" y="2965680"/>
+            <a:ext cx="1268361" cy="507831"/>
+          </a:xfrm>
+          <a:prstGeom prst="rect">
+            <a:avLst/>
+          </a:prstGeom>
+          <a:noFill/>
+        </p:spPr>
+        <p:txBody>
+          <a:bodyPr wrap="none" rtlCol="0">
+            <a:spAutoFit/>
+          </a:bodyPr>
+          <a:lstStyle/>
+          <a:p>
+            <a:r>
+              <a:rPr lang="de-DE" sz="1350" dirty="0">
+                <a:solidFill>
+                  <a:srgbClr val="507BC8"/>
+                </a:solidFill>
+              </a:rPr>
+              <a:t>Wedding Day </a:t>
+            </a:r>
+          </a:p>
+          <a:p>
+            <a:r>
+              <a:rPr lang="de-DE" sz="1350" dirty="0">
+                <a:solidFill>
+                  <a:srgbClr val="507BC8"/>
+                </a:solidFill>
+              </a:rPr>
+              <a:t>after 10am</a:t>
+            </a:r>
+          </a:p>
+        </p:txBody>
+      </p:sp>
+      <p:sp>
+        <p:nvSpPr>
+          <p:cNvPr id="14" name="Left Brace 13">
+            <a:extLst>
+              <a:ext uri="{FF2B5EF4-FFF2-40B4-BE49-F238E27FC236}">
+                <a16:creationId xmlns:a16="http://schemas.microsoft.com/office/drawing/2014/main" id="{D5747E03-BE19-6D5C-765A-7D04A0E43BCD}"/>
+              </a:ext>
+            </a:extLst>
+          </p:cNvPr>
+          <p:cNvSpPr/>
+          <p:nvPr/>
+        </p:nvSpPr>
+        <p:spPr>
+          <a:xfrm>
+            <a:off x="2104045" y="2890735"/>
+            <a:ext cx="173441" cy="582776"/>
+          </a:xfrm>
+          <a:prstGeom prst="leftBrace">
+            <a:avLst/>
+          </a:prstGeom>
+        </p:spPr>
+        <p:style>
+          <a:lnRef idx="1">
+            <a:schemeClr val="accent1"/>
+          </a:lnRef>
+          <a:fillRef idx="0">
+            <a:schemeClr val="accent1"/>
+          </a:fillRef>
+          <a:effectRef idx="0">
+            <a:schemeClr val="accent1"/>
+          </a:effectRef>
+          <a:fontRef idx="minor">
+            <a:schemeClr val="tx1"/>
+          </a:fontRef>
+        </p:style>
+        <p:txBody>
+          <a:bodyPr rtlCol="0" anchor="ctr"/>
+          <a:lstStyle/>
+          <a:p>
+            <a:pPr algn="ctr"/>
+            <a:endParaRPr lang="de-DE" sz="1350" dirty="0"/>
+          </a:p>
+        </p:txBody>
+      </p:sp>
+      <p:sp>
+        <p:nvSpPr>
+          <p:cNvPr id="15" name="TextBox 14">
+            <a:extLst>
+              <a:ext uri="{FF2B5EF4-FFF2-40B4-BE49-F238E27FC236}">
+                <a16:creationId xmlns:a16="http://schemas.microsoft.com/office/drawing/2014/main" id="{58D6A126-2C7D-D15C-2EC8-72F2C2C6C331}"/>
+              </a:ext>
+            </a:extLst>
+          </p:cNvPr>
+          <p:cNvSpPr txBox="1"/>
+          <p:nvPr/>
+        </p:nvSpPr>
+        <p:spPr>
+          <a:xfrm>
+            <a:off x="786389" y="3872465"/>
+            <a:ext cx="1156086" cy="507831"/>
+          </a:xfrm>
+          <a:prstGeom prst="rect">
+            <a:avLst/>
+          </a:prstGeom>
+          <a:noFill/>
+        </p:spPr>
+        <p:txBody>
+          <a:bodyPr wrap="none" rtlCol="0">
+            <a:spAutoFit/>
+          </a:bodyPr>
+          <a:lstStyle/>
+          <a:p>
+            <a:r>
+              <a:rPr lang="de-DE" sz="1350" dirty="0">
+                <a:solidFill>
+                  <a:srgbClr val="507BC8"/>
+                </a:solidFill>
+              </a:rPr>
+              <a:t>After </a:t>
+            </a:r>
+          </a:p>
+          <a:p>
+            <a:r>
+              <a:rPr lang="de-DE" sz="1350" dirty="0" err="1">
+                <a:solidFill>
+                  <a:srgbClr val="507BC8"/>
+                </a:solidFill>
+              </a:rPr>
+              <a:t>wedding</a:t>
+            </a:r>
+            <a:r>
+              <a:rPr lang="de-DE" sz="1350" dirty="0">
+                <a:solidFill>
+                  <a:srgbClr val="507BC8"/>
+                </a:solidFill>
+              </a:rPr>
+              <a:t> </a:t>
+            </a:r>
+            <a:r>
+              <a:rPr lang="de-DE" sz="1350" dirty="0" err="1">
+                <a:solidFill>
+                  <a:srgbClr val="507BC8"/>
+                </a:solidFill>
+              </a:rPr>
+              <a:t>day</a:t>
+            </a:r>
+            <a:endParaRPr lang="de-DE" sz="1350" dirty="0">
+              <a:solidFill>
+                <a:srgbClr val="507BC8"/>
+              </a:solidFill>
+            </a:endParaRPr>
+          </a:p>
+        </p:txBody>
+      </p:sp>
+      <p:sp>
+        <p:nvSpPr>
+          <p:cNvPr id="16" name="Left Brace 15">
+            <a:extLst>
+              <a:ext uri="{FF2B5EF4-FFF2-40B4-BE49-F238E27FC236}">
+                <a16:creationId xmlns:a16="http://schemas.microsoft.com/office/drawing/2014/main" id="{D0AFD87B-856A-E452-F00B-8E8446BB847D}"/>
+              </a:ext>
+            </a:extLst>
+          </p:cNvPr>
+          <p:cNvSpPr/>
+          <p:nvPr/>
+        </p:nvSpPr>
+        <p:spPr>
+          <a:xfrm>
+            <a:off x="2100248" y="3467396"/>
+            <a:ext cx="173441" cy="1013220"/>
+          </a:xfrm>
+          <a:prstGeom prst="leftBrace">
+            <a:avLst/>
+          </a:prstGeom>
+        </p:spPr>
+        <p:style>
+          <a:lnRef idx="1">
+            <a:schemeClr val="accent1"/>
+          </a:lnRef>
+          <a:fillRef idx="0">
+            <a:schemeClr val="accent1"/>
+          </a:fillRef>
+          <a:effectRef idx="0">
+            <a:schemeClr val="accent1"/>
+          </a:effectRef>
+          <a:fontRef idx="minor">
+            <a:schemeClr val="tx1"/>
+          </a:fontRef>
+        </p:style>
+        <p:txBody>
+          <a:bodyPr rtlCol="0" anchor="ctr"/>
+          <a:lstStyle/>
+          <a:p>
+            <a:pPr algn="ctr"/>
+            <a:endParaRPr lang="de-DE" sz="1350"/>
+          </a:p>
+        </p:txBody>
+      </p:sp>
+      <p:sp>
+        <p:nvSpPr>
+          <p:cNvPr id="17" name="Rectangle 16">
+            <a:extLst>
+              <a:ext uri="{FF2B5EF4-FFF2-40B4-BE49-F238E27FC236}">
+                <a16:creationId xmlns:a16="http://schemas.microsoft.com/office/drawing/2014/main" id="{BD757594-F52D-896A-3071-E542959BFA56}"/>
+              </a:ext>
+            </a:extLst>
+          </p:cNvPr>
+          <p:cNvSpPr/>
+          <p:nvPr/>
+        </p:nvSpPr>
+        <p:spPr>
+          <a:xfrm>
+            <a:off x="6939792" y="1448742"/>
+            <a:ext cx="1320287" cy="193594"/>
+          </a:xfrm>
+          <a:prstGeom prst="rect">
+            <a:avLst/>
+          </a:prstGeom>
+        </p:spPr>
+        <p:style>
+          <a:lnRef idx="2">
+            <a:schemeClr val="accent2">
+              <a:shade val="15000"/>
+            </a:schemeClr>
+          </a:lnRef>
+          <a:fillRef idx="1">
+            <a:schemeClr val="accent2"/>
+          </a:fillRef>
+          <a:effectRef idx="0">
+            <a:schemeClr val="accent2"/>
+          </a:effectRef>
+          <a:fontRef idx="minor">
+            <a:schemeClr val="lt1"/>
+          </a:fontRef>
+        </p:style>
+        <p:txBody>
+          <a:bodyPr rtlCol="0" anchor="ctr"/>
+          <a:lstStyle/>
+          <a:p>
+            <a:pPr algn="ctr"/>
+            <a:r>
+              <a:rPr lang="de-DE" sz="825" dirty="0"/>
+              <a:t>Event: </a:t>
+            </a:r>
+            <a:r>
+              <a:rPr lang="de-DE" sz="825" dirty="0" err="1"/>
+              <a:t>initiateWedding</a:t>
+            </a:r>
+            <a:endParaRPr lang="de-DE" sz="825" dirty="0"/>
+          </a:p>
+        </p:txBody>
+      </p:sp>
+      <p:sp>
+        <p:nvSpPr>
+          <p:cNvPr id="18" name="Rectangle 17">
+            <a:extLst>
+              <a:ext uri="{FF2B5EF4-FFF2-40B4-BE49-F238E27FC236}">
+                <a16:creationId xmlns:a16="http://schemas.microsoft.com/office/drawing/2014/main" id="{7A087F33-9F36-194F-2E23-FDBDBE3FAF98}"/>
+              </a:ext>
+            </a:extLst>
+          </p:cNvPr>
+          <p:cNvSpPr/>
+          <p:nvPr/>
+        </p:nvSpPr>
+        <p:spPr>
+          <a:xfrm>
+            <a:off x="5289538" y="2572339"/>
+            <a:ext cx="1650254" cy="204562"/>
+          </a:xfrm>
+          <a:prstGeom prst="rect">
+            <a:avLst/>
+          </a:prstGeom>
+        </p:spPr>
+        <p:style>
+          <a:lnRef idx="2">
+            <a:schemeClr val="accent2">
+              <a:shade val="15000"/>
+            </a:schemeClr>
+          </a:lnRef>
+          <a:fillRef idx="1">
+            <a:schemeClr val="accent2"/>
+          </a:fillRef>
+          <a:effectRef idx="0">
+            <a:schemeClr val="accent2"/>
+          </a:effectRef>
+          <a:fontRef idx="minor">
+            <a:schemeClr val="lt1"/>
+          </a:fontRef>
+        </p:style>
+        <p:txBody>
+          <a:bodyPr rtlCol="0" anchor="ctr"/>
+          <a:lstStyle/>
+          <a:p>
+            <a:pPr algn="ctr"/>
+            <a:r>
+              <a:rPr lang="de-DE" sz="825" dirty="0"/>
+              <a:t>Event: </a:t>
+            </a:r>
+            <a:r>
+              <a:rPr lang="de-DE" sz="825" dirty="0" err="1"/>
+              <a:t>votedAgainstWedding</a:t>
+            </a:r>
+            <a:endParaRPr lang="de-DE" sz="825" dirty="0"/>
+          </a:p>
+        </p:txBody>
+      </p:sp>
+      <p:sp>
+        <p:nvSpPr>
+          <p:cNvPr id="19" name="Rectangle 18">
+            <a:extLst>
+              <a:ext uri="{FF2B5EF4-FFF2-40B4-BE49-F238E27FC236}">
+                <a16:creationId xmlns:a16="http://schemas.microsoft.com/office/drawing/2014/main" id="{0258B74C-8AE1-DA1E-10BF-463164BB3157}"/>
+              </a:ext>
+            </a:extLst>
+          </p:cNvPr>
+          <p:cNvSpPr/>
+          <p:nvPr/>
+        </p:nvSpPr>
+        <p:spPr>
+          <a:xfrm>
+            <a:off x="5289538" y="1836611"/>
+            <a:ext cx="1055964" cy="158162"/>
+          </a:xfrm>
+          <a:prstGeom prst="rect">
+            <a:avLst/>
+          </a:prstGeom>
+        </p:spPr>
+        <p:style>
+          <a:lnRef idx="2">
+            <a:schemeClr val="accent2">
+              <a:shade val="15000"/>
+            </a:schemeClr>
+          </a:lnRef>
+          <a:fillRef idx="1">
+            <a:schemeClr val="accent2"/>
+          </a:fillRef>
+          <a:effectRef idx="0">
+            <a:schemeClr val="accent2"/>
+          </a:effectRef>
+          <a:fontRef idx="minor">
+            <a:schemeClr val="lt1"/>
+          </a:fontRef>
+        </p:style>
+        <p:txBody>
+          <a:bodyPr rtlCol="0" anchor="ctr"/>
+          <a:lstStyle/>
+          <a:p>
+            <a:pPr algn="ctr"/>
+            <a:r>
+              <a:rPr lang="de-DE" sz="825" dirty="0"/>
+              <a:t>Event: </a:t>
+            </a:r>
+            <a:r>
+              <a:rPr lang="de-DE" sz="825" dirty="0" err="1"/>
+              <a:t>inviteSend</a:t>
+            </a:r>
+            <a:endParaRPr lang="de-DE" sz="825" dirty="0"/>
+          </a:p>
+        </p:txBody>
+      </p:sp>
+      <p:sp>
+        <p:nvSpPr>
+          <p:cNvPr id="20" name="Rectangle 19">
+            <a:extLst>
+              <a:ext uri="{FF2B5EF4-FFF2-40B4-BE49-F238E27FC236}">
+                <a16:creationId xmlns:a16="http://schemas.microsoft.com/office/drawing/2014/main" id="{3A828B5F-8FAE-9F87-1BC0-B14084AEE718}"/>
+              </a:ext>
+            </a:extLst>
+          </p:cNvPr>
+          <p:cNvSpPr/>
+          <p:nvPr/>
+        </p:nvSpPr>
+        <p:spPr>
+          <a:xfrm>
+            <a:off x="5294753" y="2125394"/>
+            <a:ext cx="1055964" cy="158162"/>
+          </a:xfrm>
+          <a:prstGeom prst="rect">
+            <a:avLst/>
+          </a:prstGeom>
+        </p:spPr>
+        <p:style>
+          <a:lnRef idx="2">
+            <a:schemeClr val="accent2">
+              <a:shade val="15000"/>
+            </a:schemeClr>
+          </a:lnRef>
+          <a:fillRef idx="1">
+            <a:schemeClr val="accent2"/>
+          </a:fillRef>
+          <a:effectRef idx="0">
+            <a:schemeClr val="accent2"/>
+          </a:effectRef>
+          <a:fontRef idx="minor">
+            <a:schemeClr val="lt1"/>
+          </a:fontRef>
+        </p:style>
+        <p:txBody>
+          <a:bodyPr rtlCol="0" anchor="ctr"/>
+          <a:lstStyle/>
+          <a:p>
+            <a:pPr algn="ctr"/>
+            <a:r>
+              <a:rPr lang="de-DE" sz="825" dirty="0"/>
+              <a:t>Event: </a:t>
+            </a:r>
+            <a:r>
+              <a:rPr lang="de-DE" sz="825" dirty="0" err="1"/>
+              <a:t>inviteSend</a:t>
+            </a:r>
+            <a:endParaRPr lang="de-DE" sz="825" dirty="0"/>
+          </a:p>
+        </p:txBody>
+      </p:sp>
+      <p:sp>
+        <p:nvSpPr>
+          <p:cNvPr id="21" name="Rectangle 20">
+            <a:extLst>
+              <a:ext uri="{FF2B5EF4-FFF2-40B4-BE49-F238E27FC236}">
+                <a16:creationId xmlns:a16="http://schemas.microsoft.com/office/drawing/2014/main" id="{11D0C384-F271-11BB-4324-0FD172EDD89F}"/>
+              </a:ext>
+            </a:extLst>
+          </p:cNvPr>
+          <p:cNvSpPr/>
+          <p:nvPr/>
+        </p:nvSpPr>
+        <p:spPr>
+          <a:xfrm>
+            <a:off x="7299960" y="3399832"/>
+            <a:ext cx="1785317" cy="204562"/>
+          </a:xfrm>
+          <a:prstGeom prst="rect">
+            <a:avLst/>
+          </a:prstGeom>
+        </p:spPr>
+        <p:style>
+          <a:lnRef idx="2">
+            <a:schemeClr val="accent2">
+              <a:shade val="15000"/>
+            </a:schemeClr>
+          </a:lnRef>
+          <a:fillRef idx="1">
+            <a:schemeClr val="accent2"/>
+          </a:fillRef>
+          <a:effectRef idx="0">
+            <a:schemeClr val="accent2"/>
+          </a:effectRef>
+          <a:fontRef idx="minor">
+            <a:schemeClr val="lt1"/>
+          </a:fontRef>
+        </p:style>
+        <p:txBody>
+          <a:bodyPr rtlCol="0" anchor="ctr"/>
+          <a:lstStyle/>
+          <a:p>
+            <a:pPr algn="ctr"/>
+            <a:r>
+              <a:rPr lang="de-DE" sz="825" dirty="0"/>
+              <a:t>Event: </a:t>
+            </a:r>
+            <a:r>
+              <a:rPr lang="de-DE" sz="825" dirty="0" err="1"/>
+              <a:t>issuedWeddingCertificate</a:t>
+            </a:r>
+            <a:endParaRPr lang="de-DE" sz="825" dirty="0"/>
+          </a:p>
+        </p:txBody>
+      </p:sp>
+      <p:sp>
+        <p:nvSpPr>
+          <p:cNvPr id="22" name="Rectangle 21">
+            <a:extLst>
+              <a:ext uri="{FF2B5EF4-FFF2-40B4-BE49-F238E27FC236}">
+                <a16:creationId xmlns:a16="http://schemas.microsoft.com/office/drawing/2014/main" id="{7CC01091-CA0B-D68F-2CC3-D381D65C15D7}"/>
+              </a:ext>
+            </a:extLst>
+          </p:cNvPr>
+          <p:cNvSpPr/>
+          <p:nvPr/>
+        </p:nvSpPr>
+        <p:spPr>
+          <a:xfrm>
+            <a:off x="7391400" y="1742313"/>
+            <a:ext cx="1658563" cy="193594"/>
+          </a:xfrm>
+          <a:prstGeom prst="rect">
+            <a:avLst/>
+          </a:prstGeom>
+          <a:solidFill>
+            <a:srgbClr val="507BC8"/>
+          </a:solidFill>
+        </p:spPr>
+        <p:style>
+          <a:lnRef idx="2">
+            <a:schemeClr val="accent2">
+              <a:shade val="15000"/>
+            </a:schemeClr>
+          </a:lnRef>
+          <a:fillRef idx="1">
+            <a:schemeClr val="accent2"/>
+          </a:fillRef>
+          <a:effectRef idx="0">
+            <a:schemeClr val="accent2"/>
+          </a:effectRef>
+          <a:fontRef idx="minor">
+            <a:schemeClr val="lt1"/>
+          </a:fontRef>
+        </p:style>
+        <p:txBody>
+          <a:bodyPr rtlCol="0" anchor="ctr"/>
+          <a:lstStyle/>
+          <a:p>
+            <a:pPr algn="ctr"/>
+            <a:r>
+              <a:rPr lang="de-DE" sz="825" dirty="0" err="1"/>
+              <a:t>new</a:t>
+            </a:r>
+            <a:r>
+              <a:rPr lang="de-DE" sz="825" dirty="0"/>
+              <a:t> Wedding-Proxy </a:t>
+            </a:r>
+            <a:r>
+              <a:rPr lang="de-DE" sz="825" dirty="0" err="1"/>
+              <a:t>deployed</a:t>
+            </a:r>
+            <a:endParaRPr lang="de-DE" sz="825" dirty="0"/>
+          </a:p>
+        </p:txBody>
+      </p:sp>
+      <p:sp>
+        <p:nvSpPr>
+          <p:cNvPr id="23" name="Rectangle 22">
+            <a:extLst>
+              <a:ext uri="{FF2B5EF4-FFF2-40B4-BE49-F238E27FC236}">
+                <a16:creationId xmlns:a16="http://schemas.microsoft.com/office/drawing/2014/main" id="{F5615E19-272E-0B7D-4587-1C49781B1AC9}"/>
+              </a:ext>
+            </a:extLst>
+          </p:cNvPr>
+          <p:cNvSpPr/>
+          <p:nvPr/>
+        </p:nvSpPr>
+        <p:spPr>
+          <a:xfrm>
+            <a:off x="2519294" y="3818623"/>
+            <a:ext cx="5266553" cy="357938"/>
+          </a:xfrm>
+          <a:prstGeom prst="rect">
+            <a:avLst/>
+          </a:prstGeom>
+          <a:noFill/>
+          <a:ln w="28575" cap="flat" cmpd="sng" algn="ctr">
+            <a:solidFill>
+              <a:srgbClr val="FF0000"/>
+            </a:solidFill>
+            <a:prstDash val="solid"/>
+            <a:round/>
+            <a:headEnd type="none" w="med" len="med"/>
+            <a:tailEnd type="none" w="med" len="med"/>
+          </a:ln>
+        </p:spPr>
+        <p:style>
+          <a:lnRef idx="0">
+            <a:scrgbClr r="0" g="0" b="0"/>
+          </a:lnRef>
+          <a:fillRef idx="0">
+            <a:scrgbClr r="0" g="0" b="0"/>
+          </a:fillRef>
+          <a:effectRef idx="0">
+            <a:scrgbClr r="0" g="0" b="0"/>
+          </a:effectRef>
+          <a:fontRef idx="minor">
+            <a:schemeClr val="accent2"/>
+          </a:fontRef>
+        </p:style>
+        <p:txBody>
+          <a:bodyPr rot="0" spcFirstLastPara="0" vertOverflow="overflow" horzOverflow="overflow" vert="horz" wrap="square" lIns="91440" tIns="45720" rIns="91440" bIns="45720" numCol="1" spcCol="0" rtlCol="0" fromWordArt="0" anchor="ctr" anchorCtr="0" forceAA="0" compatLnSpc="1">
+            <a:prstTxWarp prst="textNoShape">
+              <a:avLst/>
+            </a:prstTxWarp>
+            <a:noAutofit/>
+          </a:bodyPr>
+          <a:lstStyle/>
+          <a:p>
+            <a:pPr algn="ctr"/>
+            <a:endParaRPr lang="de-DE"/>
+          </a:p>
+        </p:txBody>
+      </p:sp>
+    </p:spTree>
+    <p:extLst>
+      <p:ext uri="{BB962C8B-B14F-4D97-AF65-F5344CB8AC3E}">
+        <p14:creationId xmlns:p14="http://schemas.microsoft.com/office/powerpoint/2010/main" val="3889872022"/>
+      </p:ext>
+    </p:extLst>
+  </p:cSld>
+  <p:clrMapOvr>
+    <a:masterClrMapping/>
+  </p:clrMapOvr>
+</p:sld>
+</file>
+
+<file path=ppt/slides/slide28.xml><?xml version="1.0" encoding="utf-8"?>
+<p:sld xmlns:a="http://schemas.openxmlformats.org/drawingml/2006/main" xmlns:r="http://schemas.openxmlformats.org/officeDocument/2006/relationships" xmlns:p="http://schemas.openxmlformats.org/presentationml/2006/main">
+  <p:cSld>
+    <p:spTree>
+      <p:nvGrpSpPr>
+        <p:cNvPr id="1" name=""/>
+        <p:cNvGrpSpPr/>
+        <p:nvPr/>
+      </p:nvGrpSpPr>
+      <p:grpSpPr>
+        <a:xfrm>
+          <a:off x="0" y="0"/>
+          <a:ext cx="0" cy="0"/>
+          <a:chOff x="0" y="0"/>
+          <a:chExt cx="0" cy="0"/>
+        </a:xfrm>
+      </p:grpSpPr>
+      <p:sp>
+        <p:nvSpPr>
+          <p:cNvPr id="2" name="Title 1">
+            <a:extLst>
+              <a:ext uri="{FF2B5EF4-FFF2-40B4-BE49-F238E27FC236}">
+                <a16:creationId xmlns:a16="http://schemas.microsoft.com/office/drawing/2014/main" id="{1C1054AD-3931-ECEE-8662-7ED9D93862B6}"/>
+              </a:ext>
+            </a:extLst>
+          </p:cNvPr>
+          <p:cNvSpPr>
+            <a:spLocks noGrp="1"/>
+          </p:cNvSpPr>
+          <p:nvPr>
+            <p:ph type="title"/>
+          </p:nvPr>
+        </p:nvSpPr>
+        <p:spPr/>
+        <p:txBody>
+          <a:bodyPr/>
+          <a:lstStyle/>
+          <a:p>
+            <a:r>
+              <a:rPr lang="de-DE" dirty="0"/>
+              <a:t>Demo</a:t>
+            </a:r>
+          </a:p>
+        </p:txBody>
+      </p:sp>
+      <p:sp>
+        <p:nvSpPr>
+          <p:cNvPr id="3" name="Content Placeholder 2">
+            <a:extLst>
+              <a:ext uri="{FF2B5EF4-FFF2-40B4-BE49-F238E27FC236}">
+                <a16:creationId xmlns:a16="http://schemas.microsoft.com/office/drawing/2014/main" id="{A9BCBFA6-52D5-A9AE-9F2C-3BEA1805B4B6}"/>
+              </a:ext>
+            </a:extLst>
+          </p:cNvPr>
+          <p:cNvSpPr>
+            <a:spLocks noGrp="1"/>
+          </p:cNvSpPr>
+          <p:nvPr>
+            <p:ph idx="1"/>
+          </p:nvPr>
+        </p:nvSpPr>
+        <p:spPr/>
+        <p:txBody>
+          <a:bodyPr/>
+          <a:lstStyle/>
+          <a:p>
+            <a:endParaRPr lang="de-DE"/>
+          </a:p>
+        </p:txBody>
+      </p:sp>
+    </p:spTree>
+    <p:extLst>
+      <p:ext uri="{BB962C8B-B14F-4D97-AF65-F5344CB8AC3E}">
+        <p14:creationId xmlns:p14="http://schemas.microsoft.com/office/powerpoint/2010/main" val="3743229150"/>
       </p:ext>
     </p:extLst>
   </p:cSld>
@@ -18450,7 +23897,7 @@
           <p:nvPr/>
         </p:nvPicPr>
         <p:blipFill>
-          <a:blip r:embed="rId2"/>
+          <a:blip r:embed="rId3"/>
           <a:stretch>
             <a:fillRect/>
           </a:stretch>
@@ -18558,7 +24005,7 @@
           <p:nvPr/>
         </p:nvPicPr>
         <p:blipFill rotWithShape="1">
-          <a:blip r:embed="rId2"/>
+          <a:blip r:embed="rId3"/>
           <a:srcRect b="59713"/>
           <a:stretch/>
         </p:blipFill>
@@ -18607,9 +24054,9 @@
           </a:p>
         </p:txBody>
       </p:sp>
-      <mc:AlternateContent xmlns:mc="http://schemas.openxmlformats.org/markup-compatibility/2006">
-        <mc:Choice xmlns:p14="http://schemas.microsoft.com/office/powerpoint/2010/main" Requires="p14">
-          <p:contentPart p14:bwMode="auto" r:id="rId3">
+      <mc:AlternateContent xmlns:mc="http://schemas.openxmlformats.org/markup-compatibility/2006" xmlns:p14="http://schemas.microsoft.com/office/powerpoint/2010/main">
+        <mc:Choice Requires="p14">
+          <p:contentPart p14:bwMode="auto" r:id="rId4">
             <p14:nvContentPartPr>
               <p14:cNvPr id="7" name="Ink 6">
                 <a:extLst>
@@ -18627,7 +24074,7 @@
             </p14:xfrm>
           </p:contentPart>
         </mc:Choice>
-        <mc:Fallback>
+        <mc:Fallback xmlns="">
           <p:pic>
             <p:nvPicPr>
               <p:cNvPr id="7" name="Ink 6">
@@ -18641,7 +24088,7 @@
               <p:nvPr/>
             </p:nvPicPr>
             <p:blipFill>
-              <a:blip r:embed="rId4"/>
+              <a:blip r:embed="rId5"/>
               <a:stretch>
                 <a:fillRect/>
               </a:stretch>
@@ -18658,9 +24105,9 @@
           </p:pic>
         </mc:Fallback>
       </mc:AlternateContent>
-      <mc:AlternateContent xmlns:mc="http://schemas.openxmlformats.org/markup-compatibility/2006">
-        <mc:Choice xmlns:p14="http://schemas.microsoft.com/office/powerpoint/2010/main" Requires="p14">
-          <p:contentPart p14:bwMode="auto" r:id="rId5">
+      <mc:AlternateContent xmlns:mc="http://schemas.openxmlformats.org/markup-compatibility/2006" xmlns:p14="http://schemas.microsoft.com/office/powerpoint/2010/main">
+        <mc:Choice Requires="p14">
+          <p:contentPart p14:bwMode="auto" r:id="rId6">
             <p14:nvContentPartPr>
               <p14:cNvPr id="8" name="Ink 7">
                 <a:extLst>
@@ -18678,7 +24125,7 @@
             </p14:xfrm>
           </p:contentPart>
         </mc:Choice>
-        <mc:Fallback>
+        <mc:Fallback xmlns="">
           <p:pic>
             <p:nvPicPr>
               <p:cNvPr id="8" name="Ink 7">
@@ -18692,7 +24139,7 @@
               <p:nvPr/>
             </p:nvPicPr>
             <p:blipFill>
-              <a:blip r:embed="rId6"/>
+              <a:blip r:embed="rId7"/>
               <a:stretch>
                 <a:fillRect/>
               </a:stretch>
@@ -18709,9 +24156,9 @@
           </p:pic>
         </mc:Fallback>
       </mc:AlternateContent>
-      <mc:AlternateContent xmlns:mc="http://schemas.openxmlformats.org/markup-compatibility/2006">
-        <mc:Choice xmlns:p14="http://schemas.microsoft.com/office/powerpoint/2010/main" Requires="p14">
-          <p:contentPart p14:bwMode="auto" r:id="rId7">
+      <mc:AlternateContent xmlns:mc="http://schemas.openxmlformats.org/markup-compatibility/2006" xmlns:p14="http://schemas.microsoft.com/office/powerpoint/2010/main">
+        <mc:Choice Requires="p14">
+          <p:contentPart p14:bwMode="auto" r:id="rId8">
             <p14:nvContentPartPr>
               <p14:cNvPr id="9" name="Ink 8">
                 <a:extLst>
@@ -18729,7 +24176,7 @@
             </p14:xfrm>
           </p:contentPart>
         </mc:Choice>
-        <mc:Fallback>
+        <mc:Fallback xmlns="">
           <p:pic>
             <p:nvPicPr>
               <p:cNvPr id="9" name="Ink 8">
@@ -18743,7 +24190,7 @@
               <p:nvPr/>
             </p:nvPicPr>
             <p:blipFill>
-              <a:blip r:embed="rId8"/>
+              <a:blip r:embed="rId9"/>
               <a:stretch>
                 <a:fillRect/>
               </a:stretch>
@@ -18760,9 +24207,9 @@
           </p:pic>
         </mc:Fallback>
       </mc:AlternateContent>
-      <mc:AlternateContent xmlns:mc="http://schemas.openxmlformats.org/markup-compatibility/2006">
-        <mc:Choice xmlns:p14="http://schemas.microsoft.com/office/powerpoint/2010/main" Requires="p14">
-          <p:contentPart p14:bwMode="auto" r:id="rId9">
+      <mc:AlternateContent xmlns:mc="http://schemas.openxmlformats.org/markup-compatibility/2006" xmlns:p14="http://schemas.microsoft.com/office/powerpoint/2010/main">
+        <mc:Choice Requires="p14">
+          <p:contentPart p14:bwMode="auto" r:id="rId10">
             <p14:nvContentPartPr>
               <p14:cNvPr id="10" name="Ink 9">
                 <a:extLst>
@@ -18780,7 +24227,7 @@
             </p14:xfrm>
           </p:contentPart>
         </mc:Choice>
-        <mc:Fallback>
+        <mc:Fallback xmlns="">
           <p:pic>
             <p:nvPicPr>
               <p:cNvPr id="10" name="Ink 9">
@@ -18794,7 +24241,7 @@
               <p:nvPr/>
             </p:nvPicPr>
             <p:blipFill>
-              <a:blip r:embed="rId10"/>
+              <a:blip r:embed="rId11"/>
               <a:stretch>
                 <a:fillRect/>
               </a:stretch>
@@ -18811,9 +24258,9 @@
           </p:pic>
         </mc:Fallback>
       </mc:AlternateContent>
-      <mc:AlternateContent xmlns:mc="http://schemas.openxmlformats.org/markup-compatibility/2006">
-        <mc:Choice xmlns:p14="http://schemas.microsoft.com/office/powerpoint/2010/main" Requires="p14">
-          <p:contentPart p14:bwMode="auto" r:id="rId11">
+      <mc:AlternateContent xmlns:mc="http://schemas.openxmlformats.org/markup-compatibility/2006" xmlns:p14="http://schemas.microsoft.com/office/powerpoint/2010/main">
+        <mc:Choice Requires="p14">
+          <p:contentPart p14:bwMode="auto" r:id="rId12">
             <p14:nvContentPartPr>
               <p14:cNvPr id="11" name="Ink 10">
                 <a:extLst>
@@ -18831,7 +24278,7 @@
             </p14:xfrm>
           </p:contentPart>
         </mc:Choice>
-        <mc:Fallback>
+        <mc:Fallback xmlns="">
           <p:pic>
             <p:nvPicPr>
               <p:cNvPr id="11" name="Ink 10">
@@ -18845,7 +24292,7 @@
               <p:nvPr/>
             </p:nvPicPr>
             <p:blipFill>
-              <a:blip r:embed="rId12"/>
+              <a:blip r:embed="rId13"/>
               <a:stretch>
                 <a:fillRect/>
               </a:stretch>
@@ -18862,9 +24309,9 @@
           </p:pic>
         </mc:Fallback>
       </mc:AlternateContent>
-      <mc:AlternateContent xmlns:mc="http://schemas.openxmlformats.org/markup-compatibility/2006">
-        <mc:Choice xmlns:p14="http://schemas.microsoft.com/office/powerpoint/2010/main" Requires="p14">
-          <p:contentPart p14:bwMode="auto" r:id="rId13">
+      <mc:AlternateContent xmlns:mc="http://schemas.openxmlformats.org/markup-compatibility/2006" xmlns:p14="http://schemas.microsoft.com/office/powerpoint/2010/main">
+        <mc:Choice Requires="p14">
+          <p:contentPart p14:bwMode="auto" r:id="rId14">
             <p14:nvContentPartPr>
               <p14:cNvPr id="12" name="Ink 11">
                 <a:extLst>
@@ -18882,7 +24329,7 @@
             </p14:xfrm>
           </p:contentPart>
         </mc:Choice>
-        <mc:Fallback>
+        <mc:Fallback xmlns="">
           <p:pic>
             <p:nvPicPr>
               <p:cNvPr id="12" name="Ink 11">
@@ -18896,7 +24343,7 @@
               <p:nvPr/>
             </p:nvPicPr>
             <p:blipFill>
-              <a:blip r:embed="rId14"/>
+              <a:blip r:embed="rId15"/>
               <a:stretch>
                 <a:fillRect/>
               </a:stretch>
@@ -19267,4 +24714,299 @@
   </a:objectDefaults>
   <a:extraClrSchemeLst/>
 </a:theme>
+</file>
+
+<file path=ppt/theme/theme2.xml><?xml version="1.0" encoding="utf-8"?>
+<a:theme xmlns:a="http://schemas.openxmlformats.org/drawingml/2006/main" name="Office Theme">
+  <a:themeElements>
+    <a:clrScheme name="Office">
+      <a:dk1>
+        <a:sysClr val="windowText" lastClr="000000"/>
+      </a:dk1>
+      <a:lt1>
+        <a:sysClr val="window" lastClr="FFFFFF"/>
+      </a:lt1>
+      <a:dk2>
+        <a:srgbClr val="44546A"/>
+      </a:dk2>
+      <a:lt2>
+        <a:srgbClr val="E7E6E6"/>
+      </a:lt2>
+      <a:accent1>
+        <a:srgbClr val="4472C4"/>
+      </a:accent1>
+      <a:accent2>
+        <a:srgbClr val="ED7D31"/>
+      </a:accent2>
+      <a:accent3>
+        <a:srgbClr val="A5A5A5"/>
+      </a:accent3>
+      <a:accent4>
+        <a:srgbClr val="FFC000"/>
+      </a:accent4>
+      <a:accent5>
+        <a:srgbClr val="5B9BD5"/>
+      </a:accent5>
+      <a:accent6>
+        <a:srgbClr val="70AD47"/>
+      </a:accent6>
+      <a:hlink>
+        <a:srgbClr val="0563C1"/>
+      </a:hlink>
+      <a:folHlink>
+        <a:srgbClr val="954F72"/>
+      </a:folHlink>
+    </a:clrScheme>
+    <a:fontScheme name="Office">
+      <a:majorFont>
+        <a:latin typeface="Calibri Light" panose="020F0302020204030204"/>
+        <a:ea typeface=""/>
+        <a:cs typeface=""/>
+        <a:font script="Jpan" typeface="游ゴシック Light"/>
+        <a:font script="Hang" typeface="맑은 고딕"/>
+        <a:font script="Hans" typeface="等线 Light"/>
+        <a:font script="Hant" typeface="新細明體"/>
+        <a:font script="Arab" typeface="Times New Roman"/>
+        <a:font script="Hebr" typeface="Times New Roman"/>
+        <a:font script="Thai" typeface="Angsana New"/>
+        <a:font script="Ethi" typeface="Nyala"/>
+        <a:font script="Beng" typeface="Vrinda"/>
+        <a:font script="Gujr" typeface="Shruti"/>
+        <a:font script="Khmr" typeface="MoolBoran"/>
+        <a:font script="Knda" typeface="Tunga"/>
+        <a:font script="Guru" typeface="Raavi"/>
+        <a:font script="Cans" typeface="Euphemia"/>
+        <a:font script="Cher" typeface="Plantagenet Cherokee"/>
+        <a:font script="Yiii" typeface="Microsoft Yi Baiti"/>
+        <a:font script="Tibt" typeface="Microsoft Himalaya"/>
+        <a:font script="Thaa" typeface="MV Boli"/>
+        <a:font script="Deva" typeface="Mangal"/>
+        <a:font script="Telu" typeface="Gautami"/>
+        <a:font script="Taml" typeface="Latha"/>
+        <a:font script="Syrc" typeface="Estrangelo Edessa"/>
+        <a:font script="Orya" typeface="Kalinga"/>
+        <a:font script="Mlym" typeface="Kartika"/>
+        <a:font script="Laoo" typeface="DokChampa"/>
+        <a:font script="Sinh" typeface="Iskoola Pota"/>
+        <a:font script="Mong" typeface="Mongolian Baiti"/>
+        <a:font script="Viet" typeface="Times New Roman"/>
+        <a:font script="Uigh" typeface="Microsoft Uighur"/>
+        <a:font script="Geor" typeface="Sylfaen"/>
+        <a:font script="Armn" typeface="Arial"/>
+        <a:font script="Bugi" typeface="Leelawadee UI"/>
+        <a:font script="Bopo" typeface="Microsoft JhengHei"/>
+        <a:font script="Java" typeface="Javanese Text"/>
+        <a:font script="Lisu" typeface="Segoe UI"/>
+        <a:font script="Mymr" typeface="Myanmar Text"/>
+        <a:font script="Nkoo" typeface="Ebrima"/>
+        <a:font script="Olck" typeface="Nirmala UI"/>
+        <a:font script="Osma" typeface="Ebrima"/>
+        <a:font script="Phag" typeface="Phagspa"/>
+        <a:font script="Syrn" typeface="Estrangelo Edessa"/>
+        <a:font script="Syrj" typeface="Estrangelo Edessa"/>
+        <a:font script="Syre" typeface="Estrangelo Edessa"/>
+        <a:font script="Sora" typeface="Nirmala UI"/>
+        <a:font script="Tale" typeface="Microsoft Tai Le"/>
+        <a:font script="Talu" typeface="Microsoft New Tai Lue"/>
+        <a:font script="Tfng" typeface="Ebrima"/>
+      </a:majorFont>
+      <a:minorFont>
+        <a:latin typeface="Calibri" panose="020F0502020204030204"/>
+        <a:ea typeface=""/>
+        <a:cs typeface=""/>
+        <a:font script="Jpan" typeface="游ゴシック"/>
+        <a:font script="Hang" typeface="맑은 고딕"/>
+        <a:font script="Hans" typeface="等线"/>
+        <a:font script="Hant" typeface="新細明體"/>
+        <a:font script="Arab" typeface="Arial"/>
+        <a:font script="Hebr" typeface="Arial"/>
+        <a:font script="Thai" typeface="Cordia New"/>
+        <a:font script="Ethi" typeface="Nyala"/>
+        <a:font script="Beng" typeface="Vrinda"/>
+        <a:font script="Gujr" typeface="Shruti"/>
+        <a:font script="Khmr" typeface="DaunPenh"/>
+        <a:font script="Knda" typeface="Tunga"/>
+        <a:font script="Guru" typeface="Raavi"/>
+        <a:font script="Cans" typeface="Euphemia"/>
+        <a:font script="Cher" typeface="Plantagenet Cherokee"/>
+        <a:font script="Yiii" typeface="Microsoft Yi Baiti"/>
+        <a:font script="Tibt" typeface="Microsoft Himalaya"/>
+        <a:font script="Thaa" typeface="MV Boli"/>
+        <a:font script="Deva" typeface="Mangal"/>
+        <a:font script="Telu" typeface="Gautami"/>
+        <a:font script="Taml" typeface="Latha"/>
+        <a:font script="Syrc" typeface="Estrangelo Edessa"/>
+        <a:font script="Orya" typeface="Kalinga"/>
+        <a:font script="Mlym" typeface="Kartika"/>
+        <a:font script="Laoo" typeface="DokChampa"/>
+        <a:font script="Sinh" typeface="Iskoola Pota"/>
+        <a:font script="Mong" typeface="Mongolian Baiti"/>
+        <a:font script="Viet" typeface="Arial"/>
+        <a:font script="Uigh" typeface="Microsoft Uighur"/>
+        <a:font script="Geor" typeface="Sylfaen"/>
+        <a:font script="Armn" typeface="Arial"/>
+        <a:font script="Bugi" typeface="Leelawadee UI"/>
+        <a:font script="Bopo" typeface="Microsoft JhengHei"/>
+        <a:font script="Java" typeface="Javanese Text"/>
+        <a:font script="Lisu" typeface="Segoe UI"/>
+        <a:font script="Mymr" typeface="Myanmar Text"/>
+        <a:font script="Nkoo" typeface="Ebrima"/>
+        <a:font script="Olck" typeface="Nirmala UI"/>
+        <a:font script="Osma" typeface="Ebrima"/>
+        <a:font script="Phag" typeface="Phagspa"/>
+        <a:font script="Syrn" typeface="Estrangelo Edessa"/>
+        <a:font script="Syrj" typeface="Estrangelo Edessa"/>
+        <a:font script="Syre" typeface="Estrangelo Edessa"/>
+        <a:font script="Sora" typeface="Nirmala UI"/>
+        <a:font script="Tale" typeface="Microsoft Tai Le"/>
+        <a:font script="Talu" typeface="Microsoft New Tai Lue"/>
+        <a:font script="Tfng" typeface="Ebrima"/>
+      </a:minorFont>
+    </a:fontScheme>
+    <a:fmtScheme name="Office">
+      <a:fillStyleLst>
+        <a:solidFill>
+          <a:schemeClr val="phClr"/>
+        </a:solidFill>
+        <a:gradFill rotWithShape="1">
+          <a:gsLst>
+            <a:gs pos="0">
+              <a:schemeClr val="phClr">
+                <a:lumMod val="110000"/>
+                <a:satMod val="105000"/>
+                <a:tint val="67000"/>
+              </a:schemeClr>
+            </a:gs>
+            <a:gs pos="50000">
+              <a:schemeClr val="phClr">
+                <a:lumMod val="105000"/>
+                <a:satMod val="103000"/>
+                <a:tint val="73000"/>
+              </a:schemeClr>
+            </a:gs>
+            <a:gs pos="100000">
+              <a:schemeClr val="phClr">
+                <a:lumMod val="105000"/>
+                <a:satMod val="109000"/>
+                <a:tint val="81000"/>
+              </a:schemeClr>
+            </a:gs>
+          </a:gsLst>
+          <a:lin ang="5400000" scaled="0"/>
+        </a:gradFill>
+        <a:gradFill rotWithShape="1">
+          <a:gsLst>
+            <a:gs pos="0">
+              <a:schemeClr val="phClr">
+                <a:satMod val="103000"/>
+                <a:lumMod val="102000"/>
+                <a:tint val="94000"/>
+              </a:schemeClr>
+            </a:gs>
+            <a:gs pos="50000">
+              <a:schemeClr val="phClr">
+                <a:satMod val="110000"/>
+                <a:lumMod val="100000"/>
+                <a:shade val="100000"/>
+              </a:schemeClr>
+            </a:gs>
+            <a:gs pos="100000">
+              <a:schemeClr val="phClr">
+                <a:lumMod val="99000"/>
+                <a:satMod val="120000"/>
+                <a:shade val="78000"/>
+              </a:schemeClr>
+            </a:gs>
+          </a:gsLst>
+          <a:lin ang="5400000" scaled="0"/>
+        </a:gradFill>
+      </a:fillStyleLst>
+      <a:lnStyleLst>
+        <a:ln w="6350" cap="flat" cmpd="sng" algn="ctr">
+          <a:solidFill>
+            <a:schemeClr val="phClr"/>
+          </a:solidFill>
+          <a:prstDash val="solid"/>
+          <a:miter lim="800000"/>
+        </a:ln>
+        <a:ln w="12700" cap="flat" cmpd="sng" algn="ctr">
+          <a:solidFill>
+            <a:schemeClr val="phClr"/>
+          </a:solidFill>
+          <a:prstDash val="solid"/>
+          <a:miter lim="800000"/>
+        </a:ln>
+        <a:ln w="19050" cap="flat" cmpd="sng" algn="ctr">
+          <a:solidFill>
+            <a:schemeClr val="phClr"/>
+          </a:solidFill>
+          <a:prstDash val="solid"/>
+          <a:miter lim="800000"/>
+        </a:ln>
+      </a:lnStyleLst>
+      <a:effectStyleLst>
+        <a:effectStyle>
+          <a:effectLst/>
+        </a:effectStyle>
+        <a:effectStyle>
+          <a:effectLst/>
+        </a:effectStyle>
+        <a:effectStyle>
+          <a:effectLst>
+            <a:outerShdw blurRad="57150" dist="19050" dir="5400000" algn="ctr" rotWithShape="0">
+              <a:srgbClr val="000000">
+                <a:alpha val="63000"/>
+              </a:srgbClr>
+            </a:outerShdw>
+          </a:effectLst>
+        </a:effectStyle>
+      </a:effectStyleLst>
+      <a:bgFillStyleLst>
+        <a:solidFill>
+          <a:schemeClr val="phClr"/>
+        </a:solidFill>
+        <a:solidFill>
+          <a:schemeClr val="phClr">
+            <a:tint val="95000"/>
+            <a:satMod val="170000"/>
+          </a:schemeClr>
+        </a:solidFill>
+        <a:gradFill rotWithShape="1">
+          <a:gsLst>
+            <a:gs pos="0">
+              <a:schemeClr val="phClr">
+                <a:tint val="93000"/>
+                <a:satMod val="150000"/>
+                <a:shade val="98000"/>
+                <a:lumMod val="102000"/>
+              </a:schemeClr>
+            </a:gs>
+            <a:gs pos="50000">
+              <a:schemeClr val="phClr">
+                <a:tint val="98000"/>
+                <a:satMod val="130000"/>
+                <a:shade val="90000"/>
+                <a:lumMod val="103000"/>
+              </a:schemeClr>
+            </a:gs>
+            <a:gs pos="100000">
+              <a:schemeClr val="phClr">
+                <a:shade val="63000"/>
+                <a:satMod val="120000"/>
+              </a:schemeClr>
+            </a:gs>
+          </a:gsLst>
+          <a:lin ang="5400000" scaled="0"/>
+        </a:gradFill>
+      </a:bgFillStyleLst>
+    </a:fmtScheme>
+  </a:themeElements>
+  <a:objectDefaults/>
+  <a:extraClrSchemeLst/>
+  <a:extLst>
+    <a:ext uri="{05A4C25C-085E-4340-85A3-A5531E510DB2}">
+      <thm15:themeFamily xmlns:thm15="http://schemas.microsoft.com/office/thememl/2012/main" name="Office Theme" id="{62F939B6-93AF-4DB8-9C6B-D6C7DFDC589F}" vid="{4A3C46E8-61CC-4603-A589-7422A47A8E4A}"/>
+    </a:ext>
+  </a:extLst>
+</a:theme>
 </file>
--- a/docs/presentation/presentation.pptx
+++ b/docs/presentation/presentation.pptx
@@ -21,21 +21,21 @@
     <p:sldId id="275" r:id="rId12"/>
     <p:sldId id="276" r:id="rId13"/>
     <p:sldId id="274" r:id="rId14"/>
-    <p:sldId id="283" r:id="rId15"/>
-    <p:sldId id="265" r:id="rId16"/>
-    <p:sldId id="266" r:id="rId17"/>
-    <p:sldId id="278" r:id="rId18"/>
-    <p:sldId id="277" r:id="rId19"/>
-    <p:sldId id="291" r:id="rId20"/>
-    <p:sldId id="292" r:id="rId21"/>
-    <p:sldId id="282" r:id="rId22"/>
-    <p:sldId id="284" r:id="rId23"/>
-    <p:sldId id="287" r:id="rId24"/>
-    <p:sldId id="288" r:id="rId25"/>
-    <p:sldId id="293" r:id="rId26"/>
-    <p:sldId id="290" r:id="rId27"/>
-    <p:sldId id="289" r:id="rId28"/>
-    <p:sldId id="294" r:id="rId29"/>
+    <p:sldId id="265" r:id="rId15"/>
+    <p:sldId id="266" r:id="rId16"/>
+    <p:sldId id="278" r:id="rId17"/>
+    <p:sldId id="277" r:id="rId18"/>
+    <p:sldId id="291" r:id="rId19"/>
+    <p:sldId id="292" r:id="rId20"/>
+    <p:sldId id="282" r:id="rId21"/>
+    <p:sldId id="284" r:id="rId22"/>
+    <p:sldId id="287" r:id="rId23"/>
+    <p:sldId id="288" r:id="rId24"/>
+    <p:sldId id="293" r:id="rId25"/>
+    <p:sldId id="290" r:id="rId26"/>
+    <p:sldId id="289" r:id="rId27"/>
+    <p:sldId id="294" r:id="rId28"/>
+    <p:sldId id="283" r:id="rId29"/>
   </p:sldIdLst>
   <p:sldSz cx="9144000" cy="5143500" type="screen16x9"/>
   <p:notesSz cx="6858000" cy="9144000"/>
@@ -839,8 +839,78 @@
           <a:p>
             <a:r>
               <a:rPr lang="de-DE" dirty="0"/>
-              <a:t>Moritz</a:t>
-            </a:r>
+              <a:t>Design </a:t>
+            </a:r>
+            <a:r>
+              <a:rPr lang="de-DE" dirty="0" err="1"/>
+              <a:t>concept</a:t>
+            </a:r>
+            <a:r>
+              <a:rPr lang="de-DE" dirty="0"/>
+              <a:t>: 3-4 min</a:t>
+            </a:r>
+          </a:p>
+          <a:p>
+            <a:r>
+              <a:rPr lang="de-DE" dirty="0" err="1"/>
+              <a:t>registry</a:t>
+            </a:r>
+            <a:r>
+              <a:rPr lang="de-DE" dirty="0"/>
+              <a:t>: 4</a:t>
+            </a:r>
+          </a:p>
+          <a:p>
+            <a:r>
+              <a:rPr lang="de-DE" dirty="0"/>
+              <a:t>Wedding: 3</a:t>
+            </a:r>
+          </a:p>
+          <a:p>
+            <a:r>
+              <a:rPr lang="de-DE" dirty="0"/>
+              <a:t>Development: 1-2</a:t>
+            </a:r>
+          </a:p>
+          <a:p>
+            <a:r>
+              <a:rPr lang="de-DE" dirty="0" err="1"/>
+              <a:t>Deomnstration</a:t>
+            </a:r>
+            <a:r>
+              <a:rPr lang="de-DE" dirty="0"/>
+              <a:t>: 2 min</a:t>
+            </a:r>
+          </a:p>
+          <a:p>
+            <a:r>
+              <a:rPr lang="de-DE" dirty="0"/>
+              <a:t>Challenges: </a:t>
+            </a:r>
+            <a:r>
+              <a:rPr lang="de-DE" dirty="0" err="1"/>
+              <a:t>whatever</a:t>
+            </a:r>
+            <a:r>
+              <a:rPr lang="de-DE" dirty="0"/>
+              <a:t> time </a:t>
+            </a:r>
+            <a:r>
+              <a:rPr lang="de-DE" dirty="0" err="1"/>
+              <a:t>is</a:t>
+            </a:r>
+            <a:r>
+              <a:rPr lang="de-DE" dirty="0"/>
+              <a:t> </a:t>
+            </a:r>
+            <a:r>
+              <a:rPr lang="de-DE"/>
+              <a:t>lefft</a:t>
+            </a:r>
+            <a:endParaRPr lang="de-DE" dirty="0"/>
+          </a:p>
+          <a:p>
+            <a:endParaRPr lang="de-DE" dirty="0"/>
           </a:p>
         </p:txBody>
       </p:sp>
@@ -861,7 +931,7 @@
           <a:p>
             <a:fld id="{23C0600A-0E37-43D8-9B4E-8378DB5A7DD2}" type="slidenum">
               <a:rPr lang="de-DE" smtClean="0"/>
-              <a:t>3</a:t>
+              <a:t>2</a:t>
             </a:fld>
             <a:endParaRPr lang="de-DE"/>
           </a:p>
@@ -870,7 +940,7 @@
     </p:spTree>
     <p:extLst>
       <p:ext uri="{BB962C8B-B14F-4D97-AF65-F5344CB8AC3E}">
-        <p14:creationId xmlns:p14="http://schemas.microsoft.com/office/powerpoint/2010/main" val="229536345"/>
+        <p14:creationId xmlns:p14="http://schemas.microsoft.com/office/powerpoint/2010/main" val="4215773660"/>
       </p:ext>
     </p:extLst>
   </p:cSld>
@@ -948,7 +1018,7 @@
           <a:p>
             <a:fld id="{23C0600A-0E37-43D8-9B4E-8378DB5A7DD2}" type="slidenum">
               <a:rPr lang="de-DE" smtClean="0"/>
-              <a:t>13</a:t>
+              <a:t>12</a:t>
             </a:fld>
             <a:endParaRPr lang="de-DE"/>
           </a:p>
@@ -957,7 +1027,7 @@
     </p:spTree>
     <p:extLst>
       <p:ext uri="{BB962C8B-B14F-4D97-AF65-F5344CB8AC3E}">
-        <p14:creationId xmlns:p14="http://schemas.microsoft.com/office/powerpoint/2010/main" val="921643006"/>
+        <p14:creationId xmlns:p14="http://schemas.microsoft.com/office/powerpoint/2010/main" val="2812190330"/>
       </p:ext>
     </p:extLst>
   </p:cSld>
@@ -1013,7 +1083,7 @@
           <a:p>
             <a:r>
               <a:rPr lang="de-DE" dirty="0"/>
-              <a:t>Espen / Lada</a:t>
+              <a:t>Jonathan</a:t>
             </a:r>
           </a:p>
         </p:txBody>
@@ -1035,7 +1105,7 @@
           <a:p>
             <a:fld id="{23C0600A-0E37-43D8-9B4E-8378DB5A7DD2}" type="slidenum">
               <a:rPr lang="de-DE" smtClean="0"/>
-              <a:t>14</a:t>
+              <a:t>13</a:t>
             </a:fld>
             <a:endParaRPr lang="de-DE"/>
           </a:p>
@@ -1044,7 +1114,7 @@
     </p:spTree>
     <p:extLst>
       <p:ext uri="{BB962C8B-B14F-4D97-AF65-F5344CB8AC3E}">
-        <p14:creationId xmlns:p14="http://schemas.microsoft.com/office/powerpoint/2010/main" val="3962496200"/>
+        <p14:creationId xmlns:p14="http://schemas.microsoft.com/office/powerpoint/2010/main" val="921643006"/>
       </p:ext>
     </p:extLst>
   </p:cSld>
@@ -1122,7 +1192,7 @@
           <a:p>
             <a:fld id="{23C0600A-0E37-43D8-9B4E-8378DB5A7DD2}" type="slidenum">
               <a:rPr lang="de-DE" smtClean="0"/>
-              <a:t>15</a:t>
+              <a:t>14</a:t>
             </a:fld>
             <a:endParaRPr lang="de-DE"/>
           </a:p>
@@ -1209,7 +1279,7 @@
           <a:p>
             <a:fld id="{23C0600A-0E37-43D8-9B4E-8378DB5A7DD2}" type="slidenum">
               <a:rPr lang="de-DE" smtClean="0"/>
-              <a:t>16</a:t>
+              <a:t>15</a:t>
             </a:fld>
             <a:endParaRPr lang="de-DE"/>
           </a:p>
@@ -1296,7 +1366,7 @@
           <a:p>
             <a:fld id="{23C0600A-0E37-43D8-9B4E-8378DB5A7DD2}" type="slidenum">
               <a:rPr lang="de-DE" smtClean="0"/>
-              <a:t>17</a:t>
+              <a:t>16</a:t>
             </a:fld>
             <a:endParaRPr lang="de-DE"/>
           </a:p>
@@ -1306,6 +1376,93 @@
     <p:extLst>
       <p:ext uri="{BB962C8B-B14F-4D97-AF65-F5344CB8AC3E}">
         <p14:creationId xmlns:p14="http://schemas.microsoft.com/office/powerpoint/2010/main" val="1648862843"/>
+      </p:ext>
+    </p:extLst>
+  </p:cSld>
+  <p:clrMapOvr>
+    <a:masterClrMapping/>
+  </p:clrMapOvr>
+</p:notes>
+</file>
+
+<file path=ppt/notesSlides/notesSlide15.xml><?xml version="1.0" encoding="utf-8"?>
+<p:notes xmlns:a="http://schemas.openxmlformats.org/drawingml/2006/main" xmlns:r="http://schemas.openxmlformats.org/officeDocument/2006/relationships" xmlns:p="http://schemas.openxmlformats.org/presentationml/2006/main">
+  <p:cSld>
+    <p:spTree>
+      <p:nvGrpSpPr>
+        <p:cNvPr id="1" name=""/>
+        <p:cNvGrpSpPr/>
+        <p:nvPr/>
+      </p:nvGrpSpPr>
+      <p:grpSpPr>
+        <a:xfrm>
+          <a:off x="0" y="0"/>
+          <a:ext cx="0" cy="0"/>
+          <a:chOff x="0" y="0"/>
+          <a:chExt cx="0" cy="0"/>
+        </a:xfrm>
+      </p:grpSpPr>
+      <p:sp>
+        <p:nvSpPr>
+          <p:cNvPr id="2" name="Slide Image Placeholder 1"/>
+          <p:cNvSpPr>
+            <a:spLocks noGrp="1" noRot="1" noChangeAspect="1"/>
+          </p:cNvSpPr>
+          <p:nvPr>
+            <p:ph type="sldImg"/>
+          </p:nvPr>
+        </p:nvSpPr>
+        <p:spPr/>
+      </p:sp>
+      <p:sp>
+        <p:nvSpPr>
+          <p:cNvPr id="3" name="Notes Placeholder 2"/>
+          <p:cNvSpPr>
+            <a:spLocks noGrp="1"/>
+          </p:cNvSpPr>
+          <p:nvPr>
+            <p:ph type="body" idx="1"/>
+          </p:nvPr>
+        </p:nvSpPr>
+        <p:spPr/>
+        <p:txBody>
+          <a:bodyPr/>
+          <a:lstStyle/>
+          <a:p>
+            <a:r>
+              <a:rPr lang="de-DE" dirty="0"/>
+              <a:t>Espen / Lada</a:t>
+            </a:r>
+          </a:p>
+        </p:txBody>
+      </p:sp>
+      <p:sp>
+        <p:nvSpPr>
+          <p:cNvPr id="4" name="Slide Number Placeholder 3"/>
+          <p:cNvSpPr>
+            <a:spLocks noGrp="1"/>
+          </p:cNvSpPr>
+          <p:nvPr>
+            <p:ph type="sldNum" sz="quarter" idx="5"/>
+          </p:nvPr>
+        </p:nvSpPr>
+        <p:spPr/>
+        <p:txBody>
+          <a:bodyPr/>
+          <a:lstStyle/>
+          <a:p>
+            <a:fld id="{23C0600A-0E37-43D8-9B4E-8378DB5A7DD2}" type="slidenum">
+              <a:rPr lang="de-DE" smtClean="0"/>
+              <a:t>28</a:t>
+            </a:fld>
+            <a:endParaRPr lang="de-DE"/>
+          </a:p>
+        </p:txBody>
+      </p:sp>
+    </p:spTree>
+    <p:extLst>
+      <p:ext uri="{BB962C8B-B14F-4D97-AF65-F5344CB8AC3E}">
+        <p14:creationId xmlns:p14="http://schemas.microsoft.com/office/powerpoint/2010/main" val="3962496200"/>
       </p:ext>
     </p:extLst>
   </p:cSld>
@@ -1383,7 +1540,7 @@
           <a:p>
             <a:fld id="{23C0600A-0E37-43D8-9B4E-8378DB5A7DD2}" type="slidenum">
               <a:rPr lang="de-DE" smtClean="0"/>
-              <a:t>4</a:t>
+              <a:t>3</a:t>
             </a:fld>
             <a:endParaRPr lang="de-DE"/>
           </a:p>
@@ -1392,7 +1549,7 @@
     </p:spTree>
     <p:extLst>
       <p:ext uri="{BB962C8B-B14F-4D97-AF65-F5344CB8AC3E}">
-        <p14:creationId xmlns:p14="http://schemas.microsoft.com/office/powerpoint/2010/main" val="202545097"/>
+        <p14:creationId xmlns:p14="http://schemas.microsoft.com/office/powerpoint/2010/main" val="229536345"/>
       </p:ext>
     </p:extLst>
   </p:cSld>
@@ -1470,7 +1627,7 @@
           <a:p>
             <a:fld id="{23C0600A-0E37-43D8-9B4E-8378DB5A7DD2}" type="slidenum">
               <a:rPr lang="de-DE" smtClean="0"/>
-              <a:t>5</a:t>
+              <a:t>4</a:t>
             </a:fld>
             <a:endParaRPr lang="de-DE"/>
           </a:p>
@@ -1479,7 +1636,7 @@
     </p:spTree>
     <p:extLst>
       <p:ext uri="{BB962C8B-B14F-4D97-AF65-F5344CB8AC3E}">
-        <p14:creationId xmlns:p14="http://schemas.microsoft.com/office/powerpoint/2010/main" val="1250686958"/>
+        <p14:creationId xmlns:p14="http://schemas.microsoft.com/office/powerpoint/2010/main" val="202545097"/>
       </p:ext>
     </p:extLst>
   </p:cSld>
@@ -1557,7 +1714,7 @@
           <a:p>
             <a:fld id="{23C0600A-0E37-43D8-9B4E-8378DB5A7DD2}" type="slidenum">
               <a:rPr lang="de-DE" smtClean="0"/>
-              <a:t>7</a:t>
+              <a:t>5</a:t>
             </a:fld>
             <a:endParaRPr lang="de-DE"/>
           </a:p>
@@ -1566,7 +1723,7 @@
     </p:spTree>
     <p:extLst>
       <p:ext uri="{BB962C8B-B14F-4D97-AF65-F5344CB8AC3E}">
-        <p14:creationId xmlns:p14="http://schemas.microsoft.com/office/powerpoint/2010/main" val="2758895538"/>
+        <p14:creationId xmlns:p14="http://schemas.microsoft.com/office/powerpoint/2010/main" val="1250686958"/>
       </p:ext>
     </p:extLst>
   </p:cSld>
@@ -1644,7 +1801,7 @@
           <a:p>
             <a:fld id="{23C0600A-0E37-43D8-9B4E-8378DB5A7DD2}" type="slidenum">
               <a:rPr lang="de-DE" smtClean="0"/>
-              <a:t>8</a:t>
+              <a:t>7</a:t>
             </a:fld>
             <a:endParaRPr lang="de-DE"/>
           </a:p>
@@ -1653,7 +1810,7 @@
     </p:spTree>
     <p:extLst>
       <p:ext uri="{BB962C8B-B14F-4D97-AF65-F5344CB8AC3E}">
-        <p14:creationId xmlns:p14="http://schemas.microsoft.com/office/powerpoint/2010/main" val="976856496"/>
+        <p14:creationId xmlns:p14="http://schemas.microsoft.com/office/powerpoint/2010/main" val="2758895538"/>
       </p:ext>
     </p:extLst>
   </p:cSld>
@@ -1731,7 +1888,7 @@
           <a:p>
             <a:fld id="{23C0600A-0E37-43D8-9B4E-8378DB5A7DD2}" type="slidenum">
               <a:rPr lang="de-DE" smtClean="0"/>
-              <a:t>9</a:t>
+              <a:t>8</a:t>
             </a:fld>
             <a:endParaRPr lang="de-DE"/>
           </a:p>
@@ -1740,7 +1897,7 @@
     </p:spTree>
     <p:extLst>
       <p:ext uri="{BB962C8B-B14F-4D97-AF65-F5344CB8AC3E}">
-        <p14:creationId xmlns:p14="http://schemas.microsoft.com/office/powerpoint/2010/main" val="2096232413"/>
+        <p14:creationId xmlns:p14="http://schemas.microsoft.com/office/powerpoint/2010/main" val="976856496"/>
       </p:ext>
     </p:extLst>
   </p:cSld>
@@ -1818,7 +1975,7 @@
           <a:p>
             <a:fld id="{23C0600A-0E37-43D8-9B4E-8378DB5A7DD2}" type="slidenum">
               <a:rPr lang="de-DE" smtClean="0"/>
-              <a:t>10</a:t>
+              <a:t>9</a:t>
             </a:fld>
             <a:endParaRPr lang="de-DE"/>
           </a:p>
@@ -1827,7 +1984,7 @@
     </p:spTree>
     <p:extLst>
       <p:ext uri="{BB962C8B-B14F-4D97-AF65-F5344CB8AC3E}">
-        <p14:creationId xmlns:p14="http://schemas.microsoft.com/office/powerpoint/2010/main" val="3127353626"/>
+        <p14:creationId xmlns:p14="http://schemas.microsoft.com/office/powerpoint/2010/main" val="2096232413"/>
       </p:ext>
     </p:extLst>
   </p:cSld>
@@ -1883,7 +2040,7 @@
           <a:p>
             <a:r>
               <a:rPr lang="de-DE" dirty="0"/>
-              <a:t>Lada</a:t>
+              <a:t>Moritz</a:t>
             </a:r>
           </a:p>
         </p:txBody>
@@ -1905,7 +2062,7 @@
           <a:p>
             <a:fld id="{23C0600A-0E37-43D8-9B4E-8378DB5A7DD2}" type="slidenum">
               <a:rPr lang="de-DE" smtClean="0"/>
-              <a:t>11</a:t>
+              <a:t>10</a:t>
             </a:fld>
             <a:endParaRPr lang="de-DE"/>
           </a:p>
@@ -1914,7 +2071,7 @@
     </p:spTree>
     <p:extLst>
       <p:ext uri="{BB962C8B-B14F-4D97-AF65-F5344CB8AC3E}">
-        <p14:creationId xmlns:p14="http://schemas.microsoft.com/office/powerpoint/2010/main" val="1382040621"/>
+        <p14:creationId xmlns:p14="http://schemas.microsoft.com/office/powerpoint/2010/main" val="3127353626"/>
       </p:ext>
     </p:extLst>
   </p:cSld>
@@ -1970,7 +2127,7 @@
           <a:p>
             <a:r>
               <a:rPr lang="de-DE" dirty="0"/>
-              <a:t>Jonathan</a:t>
+              <a:t>Lada</a:t>
             </a:r>
           </a:p>
         </p:txBody>
@@ -1992,7 +2149,7 @@
           <a:p>
             <a:fld id="{23C0600A-0E37-43D8-9B4E-8378DB5A7DD2}" type="slidenum">
               <a:rPr lang="de-DE" smtClean="0"/>
-              <a:t>12</a:t>
+              <a:t>11</a:t>
             </a:fld>
             <a:endParaRPr lang="de-DE"/>
           </a:p>
@@ -2001,7 +2158,7 @@
     </p:spTree>
     <p:extLst>
       <p:ext uri="{BB962C8B-B14F-4D97-AF65-F5344CB8AC3E}">
-        <p14:creationId xmlns:p14="http://schemas.microsoft.com/office/powerpoint/2010/main" val="2812190330"/>
+        <p14:creationId xmlns:p14="http://schemas.microsoft.com/office/powerpoint/2010/main" val="1382040621"/>
       </p:ext>
     </p:extLst>
   </p:cSld>
@@ -7181,403 +7338,6 @@
           <p:cNvPr id="2" name="Title 1">
             <a:extLst>
               <a:ext uri="{FF2B5EF4-FFF2-40B4-BE49-F238E27FC236}">
-                <a16:creationId xmlns:a16="http://schemas.microsoft.com/office/drawing/2014/main" id="{A8742AA2-7E74-04D4-424E-0B668E795268}"/>
-              </a:ext>
-            </a:extLst>
-          </p:cNvPr>
-          <p:cNvSpPr>
-            <a:spLocks noGrp="1"/>
-          </p:cNvSpPr>
-          <p:nvPr>
-            <p:ph type="title"/>
-          </p:nvPr>
-        </p:nvSpPr>
-        <p:spPr/>
-        <p:txBody>
-          <a:bodyPr/>
-          <a:lstStyle/>
-          <a:p>
-            <a:r>
-              <a:rPr lang="de-DE" dirty="0"/>
-              <a:t>Challenges</a:t>
-            </a:r>
-          </a:p>
-        </p:txBody>
-      </p:sp>
-      <p:sp>
-        <p:nvSpPr>
-          <p:cNvPr id="3" name="Content Placeholder 2">
-            <a:extLst>
-              <a:ext uri="{FF2B5EF4-FFF2-40B4-BE49-F238E27FC236}">
-                <a16:creationId xmlns:a16="http://schemas.microsoft.com/office/drawing/2014/main" id="{19FFD057-2835-AC73-65CD-DC9CE81BB373}"/>
-              </a:ext>
-            </a:extLst>
-          </p:cNvPr>
-          <p:cNvSpPr>
-            <a:spLocks noGrp="1"/>
-          </p:cNvSpPr>
-          <p:nvPr>
-            <p:ph idx="1"/>
-          </p:nvPr>
-        </p:nvSpPr>
-        <p:spPr/>
-        <p:txBody>
-          <a:bodyPr/>
-          <a:lstStyle/>
-          <a:p>
-            <a:r>
-              <a:rPr lang="de-DE" dirty="0" err="1"/>
-              <a:t>How</a:t>
-            </a:r>
-            <a:r>
-              <a:rPr lang="de-DE" dirty="0"/>
-              <a:t> </a:t>
-            </a:r>
-            <a:r>
-              <a:rPr lang="de-DE" dirty="0" err="1"/>
-              <a:t>to</a:t>
-            </a:r>
-            <a:r>
-              <a:rPr lang="de-DE" dirty="0"/>
-              <a:t> </a:t>
-            </a:r>
-            <a:r>
-              <a:rPr lang="de-DE" dirty="0" err="1"/>
-              <a:t>efficiently</a:t>
-            </a:r>
-            <a:r>
-              <a:rPr lang="de-DE" dirty="0"/>
-              <a:t> check </a:t>
-            </a:r>
-            <a:r>
-              <a:rPr lang="de-DE" dirty="0" err="1"/>
-              <a:t>wehther</a:t>
-            </a:r>
-            <a:r>
-              <a:rPr lang="de-DE" dirty="0"/>
-              <a:t> </a:t>
-            </a:r>
-            <a:r>
-              <a:rPr lang="de-DE" dirty="0" err="1"/>
-              <a:t>someone</a:t>
-            </a:r>
-            <a:r>
-              <a:rPr lang="de-DE" dirty="0"/>
-              <a:t> </a:t>
-            </a:r>
-            <a:r>
-              <a:rPr lang="de-DE" dirty="0" err="1"/>
-              <a:t>is</a:t>
-            </a:r>
-            <a:r>
-              <a:rPr lang="de-DE" dirty="0"/>
-              <a:t> </a:t>
-            </a:r>
-            <a:r>
-              <a:rPr lang="de-DE" dirty="0" err="1"/>
-              <a:t>married</a:t>
-            </a:r>
-            <a:endParaRPr lang="de-DE" dirty="0"/>
-          </a:p>
-          <a:p>
-            <a:r>
-              <a:rPr lang="de-DE" dirty="0" err="1"/>
-              <a:t>Reducing</a:t>
-            </a:r>
-            <a:r>
-              <a:rPr lang="de-DE" dirty="0"/>
-              <a:t> gas </a:t>
-            </a:r>
-            <a:r>
-              <a:rPr lang="de-DE" dirty="0" err="1"/>
-              <a:t>costs</a:t>
-            </a:r>
-            <a:r>
-              <a:rPr lang="de-DE" dirty="0"/>
-              <a:t> (</a:t>
-            </a:r>
-            <a:r>
-              <a:rPr lang="de-DE" dirty="0">
-                <a:sym typeface="Wingdings" panose="05000000000000000000" pitchFamily="2" charset="2"/>
-              </a:rPr>
-              <a:t></a:t>
-            </a:r>
-            <a:r>
-              <a:rPr lang="de-DE" dirty="0" err="1">
-                <a:sym typeface="Wingdings" panose="05000000000000000000" pitchFamily="2" charset="2"/>
-              </a:rPr>
-              <a:t>Proxies</a:t>
-            </a:r>
-            <a:r>
-              <a:rPr lang="de-DE" dirty="0">
-                <a:sym typeface="Wingdings" panose="05000000000000000000" pitchFamily="2" charset="2"/>
-              </a:rPr>
-              <a:t>)</a:t>
-            </a:r>
-          </a:p>
-          <a:p>
-            <a:r>
-              <a:rPr lang="de-DE" dirty="0" err="1">
-                <a:sym typeface="Wingdings" panose="05000000000000000000" pitchFamily="2" charset="2"/>
-              </a:rPr>
-              <a:t>Polygamy</a:t>
-            </a:r>
-            <a:r>
-              <a:rPr lang="de-DE" dirty="0">
-                <a:sym typeface="Wingdings" panose="05000000000000000000" pitchFamily="2" charset="2"/>
-              </a:rPr>
-              <a:t> </a:t>
-            </a:r>
-            <a:r>
-              <a:rPr lang="de-DE" dirty="0" err="1">
-                <a:sym typeface="Wingdings" panose="05000000000000000000" pitchFamily="2" charset="2"/>
-              </a:rPr>
-              <a:t>edge</a:t>
-            </a:r>
-            <a:r>
-              <a:rPr lang="de-DE" dirty="0">
-                <a:sym typeface="Wingdings" panose="05000000000000000000" pitchFamily="2" charset="2"/>
-              </a:rPr>
-              <a:t> </a:t>
-            </a:r>
-            <a:r>
-              <a:rPr lang="de-DE" dirty="0" err="1">
-                <a:sym typeface="Wingdings" panose="05000000000000000000" pitchFamily="2" charset="2"/>
-              </a:rPr>
-              <a:t>cases</a:t>
-            </a:r>
-            <a:endParaRPr lang="de-DE" dirty="0">
-              <a:sym typeface="Wingdings" panose="05000000000000000000" pitchFamily="2" charset="2"/>
-            </a:endParaRPr>
-          </a:p>
-          <a:p>
-            <a:pPr lvl="1"/>
-            <a:r>
-              <a:rPr lang="de-DE" dirty="0">
-                <a:sym typeface="Wingdings" panose="05000000000000000000" pitchFamily="2" charset="2"/>
-              </a:rPr>
-              <a:t>2 out </a:t>
-            </a:r>
-            <a:r>
-              <a:rPr lang="de-DE" dirty="0" err="1">
-                <a:sym typeface="Wingdings" panose="05000000000000000000" pitchFamily="2" charset="2"/>
-              </a:rPr>
-              <a:t>of</a:t>
-            </a:r>
-            <a:r>
-              <a:rPr lang="de-DE" dirty="0">
-                <a:sym typeface="Wingdings" panose="05000000000000000000" pitchFamily="2" charset="2"/>
-              </a:rPr>
-              <a:t> N </a:t>
-            </a:r>
-            <a:r>
-              <a:rPr lang="de-DE" dirty="0" err="1">
-                <a:sym typeface="Wingdings" panose="05000000000000000000" pitchFamily="2" charset="2"/>
-              </a:rPr>
-              <a:t>for</a:t>
-            </a:r>
-            <a:r>
-              <a:rPr lang="de-DE" dirty="0">
-                <a:sym typeface="Wingdings" panose="05000000000000000000" pitchFamily="2" charset="2"/>
-              </a:rPr>
-              <a:t> </a:t>
-            </a:r>
-            <a:r>
-              <a:rPr lang="de-DE" dirty="0" err="1">
-                <a:sym typeface="Wingdings" panose="05000000000000000000" pitchFamily="2" charset="2"/>
-              </a:rPr>
-              <a:t>divorce</a:t>
-            </a:r>
-            <a:endParaRPr lang="de-DE" dirty="0">
-              <a:sym typeface="Wingdings" panose="05000000000000000000" pitchFamily="2" charset="2"/>
-            </a:endParaRPr>
-          </a:p>
-          <a:p>
-            <a:pPr lvl="1"/>
-            <a:r>
-              <a:rPr lang="de-DE" dirty="0" err="1">
-                <a:sym typeface="Wingdings" panose="05000000000000000000" pitchFamily="2" charset="2"/>
-              </a:rPr>
-              <a:t>How</a:t>
-            </a:r>
-            <a:r>
-              <a:rPr lang="de-DE" dirty="0">
-                <a:sym typeface="Wingdings" panose="05000000000000000000" pitchFamily="2" charset="2"/>
-              </a:rPr>
-              <a:t> </a:t>
-            </a:r>
-            <a:r>
-              <a:rPr lang="de-DE" dirty="0" err="1">
-                <a:sym typeface="Wingdings" panose="05000000000000000000" pitchFamily="2" charset="2"/>
-              </a:rPr>
-              <a:t>to</a:t>
-            </a:r>
-            <a:r>
-              <a:rPr lang="de-DE" dirty="0">
-                <a:sym typeface="Wingdings" panose="05000000000000000000" pitchFamily="2" charset="2"/>
-              </a:rPr>
-              <a:t> handle </a:t>
-            </a:r>
-            <a:r>
-              <a:rPr lang="de-DE" dirty="0" err="1">
-                <a:sym typeface="Wingdings" panose="05000000000000000000" pitchFamily="2" charset="2"/>
-              </a:rPr>
-              <a:t>duplicates</a:t>
-            </a:r>
-            <a:r>
-              <a:rPr lang="de-DE" dirty="0">
-                <a:sym typeface="Wingdings" panose="05000000000000000000" pitchFamily="2" charset="2"/>
-              </a:rPr>
-              <a:t> in </a:t>
-            </a:r>
-            <a:r>
-              <a:rPr lang="de-DE" dirty="0" err="1">
-                <a:sym typeface="Wingdings" panose="05000000000000000000" pitchFamily="2" charset="2"/>
-              </a:rPr>
-              <a:t>list</a:t>
-            </a:r>
-            <a:r>
-              <a:rPr lang="de-DE" dirty="0">
-                <a:sym typeface="Wingdings" panose="05000000000000000000" pitchFamily="2" charset="2"/>
-              </a:rPr>
-              <a:t>?</a:t>
-            </a:r>
-          </a:p>
-          <a:p>
-            <a:r>
-              <a:rPr lang="de-DE" dirty="0" err="1">
-                <a:sym typeface="Wingdings" panose="05000000000000000000" pitchFamily="2" charset="2"/>
-              </a:rPr>
-              <a:t>Differences</a:t>
-            </a:r>
-            <a:r>
-              <a:rPr lang="de-DE" dirty="0">
-                <a:sym typeface="Wingdings" panose="05000000000000000000" pitchFamily="2" charset="2"/>
-              </a:rPr>
-              <a:t> </a:t>
-            </a:r>
-            <a:r>
-              <a:rPr lang="de-DE" dirty="0" err="1">
-                <a:sym typeface="Wingdings" panose="05000000000000000000" pitchFamily="2" charset="2"/>
-              </a:rPr>
-              <a:t>between</a:t>
-            </a:r>
-            <a:r>
-              <a:rPr lang="de-DE" dirty="0">
-                <a:sym typeface="Wingdings" panose="05000000000000000000" pitchFamily="2" charset="2"/>
-              </a:rPr>
-              <a:t> </a:t>
-            </a:r>
-            <a:r>
-              <a:rPr lang="de-DE" dirty="0" err="1">
-                <a:sym typeface="Wingdings" panose="05000000000000000000" pitchFamily="2" charset="2"/>
-              </a:rPr>
-              <a:t>Görli</a:t>
-            </a:r>
-            <a:r>
-              <a:rPr lang="de-DE" dirty="0">
-                <a:sym typeface="Wingdings" panose="05000000000000000000" pitchFamily="2" charset="2"/>
-              </a:rPr>
-              <a:t> </a:t>
-            </a:r>
-            <a:r>
-              <a:rPr lang="de-DE" dirty="0" err="1">
-                <a:sym typeface="Wingdings" panose="05000000000000000000" pitchFamily="2" charset="2"/>
-              </a:rPr>
-              <a:t>testchain</a:t>
-            </a:r>
-            <a:r>
-              <a:rPr lang="de-DE" dirty="0">
-                <a:sym typeface="Wingdings" panose="05000000000000000000" pitchFamily="2" charset="2"/>
-              </a:rPr>
-              <a:t> and </a:t>
-            </a:r>
-            <a:r>
-              <a:rPr lang="de-DE" dirty="0" err="1">
-                <a:sym typeface="Wingdings" panose="05000000000000000000" pitchFamily="2" charset="2"/>
-              </a:rPr>
-              <a:t>local</a:t>
-            </a:r>
-            <a:r>
-              <a:rPr lang="de-DE" dirty="0">
-                <a:sym typeface="Wingdings" panose="05000000000000000000" pitchFamily="2" charset="2"/>
-              </a:rPr>
-              <a:t> Ganache </a:t>
-            </a:r>
-            <a:r>
-              <a:rPr lang="de-DE" dirty="0" err="1">
-                <a:sym typeface="Wingdings" panose="05000000000000000000" pitchFamily="2" charset="2"/>
-              </a:rPr>
-              <a:t>chain</a:t>
-            </a:r>
-            <a:endParaRPr lang="de-DE" dirty="0">
-              <a:sym typeface="Wingdings" panose="05000000000000000000" pitchFamily="2" charset="2"/>
-            </a:endParaRPr>
-          </a:p>
-          <a:p>
-            <a:r>
-              <a:rPr lang="de-DE" dirty="0" err="1">
-                <a:sym typeface="Wingdings" panose="05000000000000000000" pitchFamily="2" charset="2"/>
-              </a:rPr>
-              <a:t>Efficient</a:t>
-            </a:r>
-            <a:r>
-              <a:rPr lang="de-DE" dirty="0">
-                <a:sym typeface="Wingdings" panose="05000000000000000000" pitchFamily="2" charset="2"/>
-              </a:rPr>
-              <a:t> </a:t>
-            </a:r>
-            <a:r>
-              <a:rPr lang="de-DE" dirty="0" err="1">
-                <a:sym typeface="Wingdings" panose="05000000000000000000" pitchFamily="2" charset="2"/>
-              </a:rPr>
-              <a:t>Testing</a:t>
-            </a:r>
-            <a:r>
-              <a:rPr lang="de-DE" dirty="0">
-                <a:sym typeface="Wingdings" panose="05000000000000000000" pitchFamily="2" charset="2"/>
-              </a:rPr>
-              <a:t> (Brownie) </a:t>
-            </a:r>
-            <a:endParaRPr lang="de-DE" dirty="0"/>
-          </a:p>
-        </p:txBody>
-      </p:sp>
-    </p:spTree>
-    <p:extLst>
-      <p:ext uri="{BB962C8B-B14F-4D97-AF65-F5344CB8AC3E}">
-        <p14:creationId xmlns:p14="http://schemas.microsoft.com/office/powerpoint/2010/main" val="3686852496"/>
-      </p:ext>
-    </p:extLst>
-  </p:cSld>
-  <p:clrMapOvr>
-    <a:masterClrMapping/>
-  </p:clrMapOvr>
-</p:sld>
-</file>
-
-<file path=ppt/slides/slide15.xml><?xml version="1.0" encoding="utf-8"?>
-<p:sld xmlns:a="http://schemas.openxmlformats.org/drawingml/2006/main" xmlns:r="http://schemas.openxmlformats.org/officeDocument/2006/relationships" xmlns:p="http://schemas.openxmlformats.org/presentationml/2006/main">
-  <p:cSld>
-    <p:spTree>
-      <p:nvGrpSpPr>
-        <p:cNvPr id="1" name=""/>
-        <p:cNvGrpSpPr/>
-        <p:nvPr/>
-      </p:nvGrpSpPr>
-      <p:grpSpPr>
-        <a:xfrm>
-          <a:off x="0" y="0"/>
-          <a:ext cx="0" cy="0"/>
-          <a:chOff x="0" y="0"/>
-          <a:chExt cx="0" cy="0"/>
-        </a:xfrm>
-      </p:grpSpPr>
-      <p:sp>
-        <p:nvSpPr>
-          <p:cNvPr id="2" name="Title 1">
-            <a:extLst>
-              <a:ext uri="{FF2B5EF4-FFF2-40B4-BE49-F238E27FC236}">
                 <a16:creationId xmlns:a16="http://schemas.microsoft.com/office/drawing/2014/main" id="{3F4B05CE-C96E-511B-B0D4-A45BBA71485A}"/>
               </a:ext>
             </a:extLst>
@@ -8121,7 +7881,7 @@
 </p:sld>
 </file>
 
-<file path=ppt/slides/slide16.xml><?xml version="1.0" encoding="utf-8"?>
+<file path=ppt/slides/slide15.xml><?xml version="1.0" encoding="utf-8"?>
 <p:sld xmlns:a="http://schemas.openxmlformats.org/drawingml/2006/main" xmlns:r="http://schemas.openxmlformats.org/officeDocument/2006/relationships" xmlns:p="http://schemas.openxmlformats.org/presentationml/2006/main">
   <p:cSld>
     <p:spTree>
@@ -8378,7 +8138,7 @@
 </p:sld>
 </file>
 
-<file path=ppt/slides/slide17.xml><?xml version="1.0" encoding="utf-8"?>
+<file path=ppt/slides/slide16.xml><?xml version="1.0" encoding="utf-8"?>
 <p:sld xmlns:a="http://schemas.openxmlformats.org/drawingml/2006/main" xmlns:r="http://schemas.openxmlformats.org/officeDocument/2006/relationships" xmlns:p="http://schemas.openxmlformats.org/presentationml/2006/main">
   <p:cSld>
     <p:spTree>
@@ -9898,7 +9658,7 @@
 </p:sld>
 </file>
 
-<file path=ppt/slides/slide18.xml><?xml version="1.0" encoding="utf-8"?>
+<file path=ppt/slides/slide17.xml><?xml version="1.0" encoding="utf-8"?>
 <p:sld xmlns:a="http://schemas.openxmlformats.org/drawingml/2006/main" xmlns:r="http://schemas.openxmlformats.org/officeDocument/2006/relationships" xmlns:p="http://schemas.openxmlformats.org/presentationml/2006/main">
   <p:cSld>
     <p:spTree>
@@ -9981,7 +9741,7 @@
 </p:sld>
 </file>
 
-<file path=ppt/slides/slide19.xml><?xml version="1.0" encoding="utf-8"?>
+<file path=ppt/slides/slide18.xml><?xml version="1.0" encoding="utf-8"?>
 <p:sld xmlns:a="http://schemas.openxmlformats.org/drawingml/2006/main" xmlns:r="http://schemas.openxmlformats.org/officeDocument/2006/relationships" xmlns:p="http://schemas.openxmlformats.org/presentationml/2006/main">
   <p:cSld>
     <p:spTree>
@@ -11501,6 +11261,89 @@
 </p:sld>
 </file>
 
+<file path=ppt/slides/slide19.xml><?xml version="1.0" encoding="utf-8"?>
+<p:sld xmlns:a="http://schemas.openxmlformats.org/drawingml/2006/main" xmlns:r="http://schemas.openxmlformats.org/officeDocument/2006/relationships" xmlns:p="http://schemas.openxmlformats.org/presentationml/2006/main">
+  <p:cSld>
+    <p:spTree>
+      <p:nvGrpSpPr>
+        <p:cNvPr id="1" name=""/>
+        <p:cNvGrpSpPr/>
+        <p:nvPr/>
+      </p:nvGrpSpPr>
+      <p:grpSpPr>
+        <a:xfrm>
+          <a:off x="0" y="0"/>
+          <a:ext cx="0" cy="0"/>
+          <a:chOff x="0" y="0"/>
+          <a:chExt cx="0" cy="0"/>
+        </a:xfrm>
+      </p:grpSpPr>
+      <p:sp>
+        <p:nvSpPr>
+          <p:cNvPr id="2" name="Title 1">
+            <a:extLst>
+              <a:ext uri="{FF2B5EF4-FFF2-40B4-BE49-F238E27FC236}">
+                <a16:creationId xmlns:a16="http://schemas.microsoft.com/office/drawing/2014/main" id="{1C1054AD-3931-ECEE-8662-7ED9D93862B6}"/>
+              </a:ext>
+            </a:extLst>
+          </p:cNvPr>
+          <p:cNvSpPr>
+            <a:spLocks noGrp="1"/>
+          </p:cNvSpPr>
+          <p:nvPr>
+            <p:ph type="title"/>
+          </p:nvPr>
+        </p:nvSpPr>
+        <p:spPr/>
+        <p:txBody>
+          <a:bodyPr/>
+          <a:lstStyle/>
+          <a:p>
+            <a:r>
+              <a:rPr lang="de-DE" dirty="0"/>
+              <a:t>Demo</a:t>
+            </a:r>
+          </a:p>
+        </p:txBody>
+      </p:sp>
+      <p:sp>
+        <p:nvSpPr>
+          <p:cNvPr id="3" name="Content Placeholder 2">
+            <a:extLst>
+              <a:ext uri="{FF2B5EF4-FFF2-40B4-BE49-F238E27FC236}">
+                <a16:creationId xmlns:a16="http://schemas.microsoft.com/office/drawing/2014/main" id="{A9BCBFA6-52D5-A9AE-9F2C-3BEA1805B4B6}"/>
+              </a:ext>
+            </a:extLst>
+          </p:cNvPr>
+          <p:cNvSpPr>
+            <a:spLocks noGrp="1"/>
+          </p:cNvSpPr>
+          <p:nvPr>
+            <p:ph idx="1"/>
+          </p:nvPr>
+        </p:nvSpPr>
+        <p:spPr/>
+        <p:txBody>
+          <a:bodyPr/>
+          <a:lstStyle/>
+          <a:p>
+            <a:endParaRPr lang="de-DE"/>
+          </a:p>
+        </p:txBody>
+      </p:sp>
+    </p:spTree>
+    <p:extLst>
+      <p:ext uri="{BB962C8B-B14F-4D97-AF65-F5344CB8AC3E}">
+        <p14:creationId xmlns:p14="http://schemas.microsoft.com/office/powerpoint/2010/main" val="3636581264"/>
+      </p:ext>
+    </p:extLst>
+  </p:cSld>
+  <p:clrMapOvr>
+    <a:masterClrMapping/>
+  </p:clrMapOvr>
+</p:sld>
+</file>
+
 <file path=ppt/slides/slide2.xml><?xml version="1.0" encoding="utf-8"?>
 <p:sld xmlns:a="http://schemas.openxmlformats.org/drawingml/2006/main" xmlns:r="http://schemas.openxmlformats.org/officeDocument/2006/relationships" xmlns:p="http://schemas.openxmlformats.org/presentationml/2006/main">
   <p:cSld>
@@ -11593,13 +11436,13 @@
           <a:p>
             <a:r>
               <a:rPr lang="nb-NO" dirty="0"/>
+              <a:t>Demonstration</a:t>
+            </a:r>
+          </a:p>
+          <a:p>
+            <a:r>
+              <a:rPr lang="nb-NO" dirty="0"/>
               <a:t>Challenges</a:t>
-            </a:r>
-          </a:p>
-          <a:p>
-            <a:r>
-              <a:rPr lang="nb-NO" dirty="0"/>
-              <a:t>Demonstration</a:t>
             </a:r>
           </a:p>
         </p:txBody>
@@ -11618,89 +11461,6 @@
 </file>
 
 <file path=ppt/slides/slide20.xml><?xml version="1.0" encoding="utf-8"?>
-<p:sld xmlns:a="http://schemas.openxmlformats.org/drawingml/2006/main" xmlns:r="http://schemas.openxmlformats.org/officeDocument/2006/relationships" xmlns:p="http://schemas.openxmlformats.org/presentationml/2006/main">
-  <p:cSld>
-    <p:spTree>
-      <p:nvGrpSpPr>
-        <p:cNvPr id="1" name=""/>
-        <p:cNvGrpSpPr/>
-        <p:nvPr/>
-      </p:nvGrpSpPr>
-      <p:grpSpPr>
-        <a:xfrm>
-          <a:off x="0" y="0"/>
-          <a:ext cx="0" cy="0"/>
-          <a:chOff x="0" y="0"/>
-          <a:chExt cx="0" cy="0"/>
-        </a:xfrm>
-      </p:grpSpPr>
-      <p:sp>
-        <p:nvSpPr>
-          <p:cNvPr id="2" name="Title 1">
-            <a:extLst>
-              <a:ext uri="{FF2B5EF4-FFF2-40B4-BE49-F238E27FC236}">
-                <a16:creationId xmlns:a16="http://schemas.microsoft.com/office/drawing/2014/main" id="{1C1054AD-3931-ECEE-8662-7ED9D93862B6}"/>
-              </a:ext>
-            </a:extLst>
-          </p:cNvPr>
-          <p:cNvSpPr>
-            <a:spLocks noGrp="1"/>
-          </p:cNvSpPr>
-          <p:nvPr>
-            <p:ph type="title"/>
-          </p:nvPr>
-        </p:nvSpPr>
-        <p:spPr/>
-        <p:txBody>
-          <a:bodyPr/>
-          <a:lstStyle/>
-          <a:p>
-            <a:r>
-              <a:rPr lang="de-DE" dirty="0"/>
-              <a:t>Demo</a:t>
-            </a:r>
-          </a:p>
-        </p:txBody>
-      </p:sp>
-      <p:sp>
-        <p:nvSpPr>
-          <p:cNvPr id="3" name="Content Placeholder 2">
-            <a:extLst>
-              <a:ext uri="{FF2B5EF4-FFF2-40B4-BE49-F238E27FC236}">
-                <a16:creationId xmlns:a16="http://schemas.microsoft.com/office/drawing/2014/main" id="{A9BCBFA6-52D5-A9AE-9F2C-3BEA1805B4B6}"/>
-              </a:ext>
-            </a:extLst>
-          </p:cNvPr>
-          <p:cNvSpPr>
-            <a:spLocks noGrp="1"/>
-          </p:cNvSpPr>
-          <p:nvPr>
-            <p:ph idx="1"/>
-          </p:nvPr>
-        </p:nvSpPr>
-        <p:spPr/>
-        <p:txBody>
-          <a:bodyPr/>
-          <a:lstStyle/>
-          <a:p>
-            <a:endParaRPr lang="de-DE"/>
-          </a:p>
-        </p:txBody>
-      </p:sp>
-    </p:spTree>
-    <p:extLst>
-      <p:ext uri="{BB962C8B-B14F-4D97-AF65-F5344CB8AC3E}">
-        <p14:creationId xmlns:p14="http://schemas.microsoft.com/office/powerpoint/2010/main" val="3636581264"/>
-      </p:ext>
-    </p:extLst>
-  </p:cSld>
-  <p:clrMapOvr>
-    <a:masterClrMapping/>
-  </p:clrMapOvr>
-</p:sld>
-</file>
-
-<file path=ppt/slides/slide21.xml><?xml version="1.0" encoding="utf-8"?>
 <p:sld xmlns:a="http://schemas.openxmlformats.org/drawingml/2006/main" xmlns:r="http://schemas.openxmlformats.org/officeDocument/2006/relationships" xmlns:p="http://schemas.openxmlformats.org/presentationml/2006/main">
   <p:cSld>
     <p:spTree>
@@ -13220,7 +12980,7 @@
 </p:sld>
 </file>
 
-<file path=ppt/slides/slide22.xml><?xml version="1.0" encoding="utf-8"?>
+<file path=ppt/slides/slide21.xml><?xml version="1.0" encoding="utf-8"?>
 <p:sld xmlns:a="http://schemas.openxmlformats.org/drawingml/2006/main" xmlns:r="http://schemas.openxmlformats.org/officeDocument/2006/relationships" xmlns:p="http://schemas.openxmlformats.org/presentationml/2006/main">
   <p:cSld>
     <p:spTree>
@@ -13303,7 +13063,7 @@
 </p:sld>
 </file>
 
-<file path=ppt/slides/slide23.xml><?xml version="1.0" encoding="utf-8"?>
+<file path=ppt/slides/slide22.xml><?xml version="1.0" encoding="utf-8"?>
 <p:sld xmlns:a="http://schemas.openxmlformats.org/drawingml/2006/main" xmlns:r="http://schemas.openxmlformats.org/officeDocument/2006/relationships" xmlns:p="http://schemas.openxmlformats.org/presentationml/2006/main">
   <p:cSld>
     <p:spTree>
@@ -14823,7 +14583,7 @@
 </p:sld>
 </file>
 
-<file path=ppt/slides/slide24.xml><?xml version="1.0" encoding="utf-8"?>
+<file path=ppt/slides/slide23.xml><?xml version="1.0" encoding="utf-8"?>
 <p:sld xmlns:a="http://schemas.openxmlformats.org/drawingml/2006/main" xmlns:r="http://schemas.openxmlformats.org/officeDocument/2006/relationships" xmlns:p="http://schemas.openxmlformats.org/presentationml/2006/main">
   <p:cSld>
     <p:spTree>
@@ -14906,7 +14666,7 @@
 </p:sld>
 </file>
 
-<file path=ppt/slides/slide25.xml><?xml version="1.0" encoding="utf-8"?>
+<file path=ppt/slides/slide24.xml><?xml version="1.0" encoding="utf-8"?>
 <p:sld xmlns:a="http://schemas.openxmlformats.org/drawingml/2006/main" xmlns:r="http://schemas.openxmlformats.org/officeDocument/2006/relationships" xmlns:p="http://schemas.openxmlformats.org/presentationml/2006/main">
   <p:cSld>
     <p:spTree>
@@ -16426,7 +16186,7 @@
 </p:sld>
 </file>
 
-<file path=ppt/slides/slide26.xml><?xml version="1.0" encoding="utf-8"?>
+<file path=ppt/slides/slide25.xml><?xml version="1.0" encoding="utf-8"?>
 <p:sld xmlns:a="http://schemas.openxmlformats.org/drawingml/2006/main" xmlns:r="http://schemas.openxmlformats.org/officeDocument/2006/relationships" xmlns:p="http://schemas.openxmlformats.org/presentationml/2006/main">
   <p:cSld>
     <p:spTree>
@@ -16509,7 +16269,7 @@
 </p:sld>
 </file>
 
-<file path=ppt/slides/slide27.xml><?xml version="1.0" encoding="utf-8"?>
+<file path=ppt/slides/slide26.xml><?xml version="1.0" encoding="utf-8"?>
 <p:sld xmlns:a="http://schemas.openxmlformats.org/drawingml/2006/main" xmlns:r="http://schemas.openxmlformats.org/officeDocument/2006/relationships" xmlns:p="http://schemas.openxmlformats.org/presentationml/2006/main">
   <p:cSld>
     <p:spTree>
@@ -18029,6 +17789,89 @@
 </p:sld>
 </file>
 
+<file path=ppt/slides/slide27.xml><?xml version="1.0" encoding="utf-8"?>
+<p:sld xmlns:a="http://schemas.openxmlformats.org/drawingml/2006/main" xmlns:r="http://schemas.openxmlformats.org/officeDocument/2006/relationships" xmlns:p="http://schemas.openxmlformats.org/presentationml/2006/main">
+  <p:cSld>
+    <p:spTree>
+      <p:nvGrpSpPr>
+        <p:cNvPr id="1" name=""/>
+        <p:cNvGrpSpPr/>
+        <p:nvPr/>
+      </p:nvGrpSpPr>
+      <p:grpSpPr>
+        <a:xfrm>
+          <a:off x="0" y="0"/>
+          <a:ext cx="0" cy="0"/>
+          <a:chOff x="0" y="0"/>
+          <a:chExt cx="0" cy="0"/>
+        </a:xfrm>
+      </p:grpSpPr>
+      <p:sp>
+        <p:nvSpPr>
+          <p:cNvPr id="2" name="Title 1">
+            <a:extLst>
+              <a:ext uri="{FF2B5EF4-FFF2-40B4-BE49-F238E27FC236}">
+                <a16:creationId xmlns:a16="http://schemas.microsoft.com/office/drawing/2014/main" id="{1C1054AD-3931-ECEE-8662-7ED9D93862B6}"/>
+              </a:ext>
+            </a:extLst>
+          </p:cNvPr>
+          <p:cNvSpPr>
+            <a:spLocks noGrp="1"/>
+          </p:cNvSpPr>
+          <p:nvPr>
+            <p:ph type="title"/>
+          </p:nvPr>
+        </p:nvSpPr>
+        <p:spPr/>
+        <p:txBody>
+          <a:bodyPr/>
+          <a:lstStyle/>
+          <a:p>
+            <a:r>
+              <a:rPr lang="de-DE" dirty="0"/>
+              <a:t>Demo</a:t>
+            </a:r>
+          </a:p>
+        </p:txBody>
+      </p:sp>
+      <p:sp>
+        <p:nvSpPr>
+          <p:cNvPr id="3" name="Content Placeholder 2">
+            <a:extLst>
+              <a:ext uri="{FF2B5EF4-FFF2-40B4-BE49-F238E27FC236}">
+                <a16:creationId xmlns:a16="http://schemas.microsoft.com/office/drawing/2014/main" id="{A9BCBFA6-52D5-A9AE-9F2C-3BEA1805B4B6}"/>
+              </a:ext>
+            </a:extLst>
+          </p:cNvPr>
+          <p:cNvSpPr>
+            <a:spLocks noGrp="1"/>
+          </p:cNvSpPr>
+          <p:nvPr>
+            <p:ph idx="1"/>
+          </p:nvPr>
+        </p:nvSpPr>
+        <p:spPr/>
+        <p:txBody>
+          <a:bodyPr/>
+          <a:lstStyle/>
+          <a:p>
+            <a:endParaRPr lang="de-DE"/>
+          </a:p>
+        </p:txBody>
+      </p:sp>
+    </p:spTree>
+    <p:extLst>
+      <p:ext uri="{BB962C8B-B14F-4D97-AF65-F5344CB8AC3E}">
+        <p14:creationId xmlns:p14="http://schemas.microsoft.com/office/powerpoint/2010/main" val="3743229150"/>
+      </p:ext>
+    </p:extLst>
+  </p:cSld>
+  <p:clrMapOvr>
+    <a:masterClrMapping/>
+  </p:clrMapOvr>
+</p:sld>
+</file>
+
 <file path=ppt/slides/slide28.xml><?xml version="1.0" encoding="utf-8"?>
 <p:sld xmlns:a="http://schemas.openxmlformats.org/drawingml/2006/main" xmlns:r="http://schemas.openxmlformats.org/officeDocument/2006/relationships" xmlns:p="http://schemas.openxmlformats.org/presentationml/2006/main">
   <p:cSld>
@@ -18051,7 +17894,7 @@
           <p:cNvPr id="2" name="Title 1">
             <a:extLst>
               <a:ext uri="{FF2B5EF4-FFF2-40B4-BE49-F238E27FC236}">
-                <a16:creationId xmlns:a16="http://schemas.microsoft.com/office/drawing/2014/main" id="{1C1054AD-3931-ECEE-8662-7ED9D93862B6}"/>
+                <a16:creationId xmlns:a16="http://schemas.microsoft.com/office/drawing/2014/main" id="{A8742AA2-7E74-04D4-424E-0B668E795268}"/>
               </a:ext>
             </a:extLst>
           </p:cNvPr>
@@ -18069,7 +17912,7 @@
           <a:p>
             <a:r>
               <a:rPr lang="de-DE" dirty="0"/>
-              <a:t>Demo</a:t>
+              <a:t>Challenges</a:t>
             </a:r>
           </a:p>
         </p:txBody>
@@ -18079,7 +17922,7 @@
           <p:cNvPr id="3" name="Content Placeholder 2">
             <a:extLst>
               <a:ext uri="{FF2B5EF4-FFF2-40B4-BE49-F238E27FC236}">
-                <a16:creationId xmlns:a16="http://schemas.microsoft.com/office/drawing/2014/main" id="{A9BCBFA6-52D5-A9AE-9F2C-3BEA1805B4B6}"/>
+                <a16:creationId xmlns:a16="http://schemas.microsoft.com/office/drawing/2014/main" id="{19FFD057-2835-AC73-65CD-DC9CE81BB373}"/>
               </a:ext>
             </a:extLst>
           </p:cNvPr>
@@ -18095,14 +17938,328 @@
           <a:bodyPr/>
           <a:lstStyle/>
           <a:p>
-            <a:endParaRPr lang="de-DE"/>
+            <a:r>
+              <a:rPr lang="de-DE" dirty="0" err="1"/>
+              <a:t>How</a:t>
+            </a:r>
+            <a:r>
+              <a:rPr lang="de-DE" dirty="0"/>
+              <a:t> </a:t>
+            </a:r>
+            <a:r>
+              <a:rPr lang="de-DE" dirty="0" err="1"/>
+              <a:t>to</a:t>
+            </a:r>
+            <a:r>
+              <a:rPr lang="de-DE" dirty="0"/>
+              <a:t> </a:t>
+            </a:r>
+            <a:r>
+              <a:rPr lang="de-DE" dirty="0" err="1"/>
+              <a:t>efficiently</a:t>
+            </a:r>
+            <a:r>
+              <a:rPr lang="de-DE" dirty="0"/>
+              <a:t> check </a:t>
+            </a:r>
+            <a:r>
+              <a:rPr lang="de-DE" dirty="0" err="1"/>
+              <a:t>wehther</a:t>
+            </a:r>
+            <a:r>
+              <a:rPr lang="de-DE" dirty="0"/>
+              <a:t> </a:t>
+            </a:r>
+            <a:r>
+              <a:rPr lang="de-DE" dirty="0" err="1"/>
+              <a:t>someone</a:t>
+            </a:r>
+            <a:r>
+              <a:rPr lang="de-DE" dirty="0"/>
+              <a:t> </a:t>
+            </a:r>
+            <a:r>
+              <a:rPr lang="de-DE" dirty="0" err="1"/>
+              <a:t>is</a:t>
+            </a:r>
+            <a:r>
+              <a:rPr lang="de-DE" dirty="0"/>
+              <a:t> </a:t>
+            </a:r>
+            <a:r>
+              <a:rPr lang="de-DE" dirty="0" err="1"/>
+              <a:t>married</a:t>
+            </a:r>
+            <a:endParaRPr lang="de-DE" dirty="0"/>
+          </a:p>
+          <a:p>
+            <a:r>
+              <a:rPr lang="de-DE" dirty="0" err="1"/>
+              <a:t>Reducing</a:t>
+            </a:r>
+            <a:r>
+              <a:rPr lang="de-DE" dirty="0"/>
+              <a:t> gas </a:t>
+            </a:r>
+            <a:r>
+              <a:rPr lang="de-DE" dirty="0" err="1"/>
+              <a:t>costs</a:t>
+            </a:r>
+            <a:r>
+              <a:rPr lang="de-DE" dirty="0"/>
+              <a:t> (</a:t>
+            </a:r>
+            <a:r>
+              <a:rPr lang="de-DE" dirty="0">
+                <a:sym typeface="Wingdings" panose="05000000000000000000" pitchFamily="2" charset="2"/>
+              </a:rPr>
+              <a:t></a:t>
+            </a:r>
+            <a:r>
+              <a:rPr lang="de-DE" dirty="0" err="1">
+                <a:sym typeface="Wingdings" panose="05000000000000000000" pitchFamily="2" charset="2"/>
+              </a:rPr>
+              <a:t>Proxies</a:t>
+            </a:r>
+            <a:r>
+              <a:rPr lang="de-DE" dirty="0">
+                <a:sym typeface="Wingdings" panose="05000000000000000000" pitchFamily="2" charset="2"/>
+              </a:rPr>
+              <a:t>)</a:t>
+            </a:r>
+          </a:p>
+          <a:p>
+            <a:r>
+              <a:rPr lang="de-DE" dirty="0" err="1">
+                <a:sym typeface="Wingdings" panose="05000000000000000000" pitchFamily="2" charset="2"/>
+              </a:rPr>
+              <a:t>Polygamy</a:t>
+            </a:r>
+            <a:r>
+              <a:rPr lang="de-DE" dirty="0">
+                <a:sym typeface="Wingdings" panose="05000000000000000000" pitchFamily="2" charset="2"/>
+              </a:rPr>
+              <a:t> </a:t>
+            </a:r>
+            <a:r>
+              <a:rPr lang="de-DE" dirty="0" err="1">
+                <a:sym typeface="Wingdings" panose="05000000000000000000" pitchFamily="2" charset="2"/>
+              </a:rPr>
+              <a:t>edge</a:t>
+            </a:r>
+            <a:r>
+              <a:rPr lang="de-DE" dirty="0">
+                <a:sym typeface="Wingdings" panose="05000000000000000000" pitchFamily="2" charset="2"/>
+              </a:rPr>
+              <a:t> </a:t>
+            </a:r>
+            <a:r>
+              <a:rPr lang="de-DE" dirty="0" err="1">
+                <a:sym typeface="Wingdings" panose="05000000000000000000" pitchFamily="2" charset="2"/>
+              </a:rPr>
+              <a:t>cases</a:t>
+            </a:r>
+            <a:endParaRPr lang="de-DE" dirty="0">
+              <a:sym typeface="Wingdings" panose="05000000000000000000" pitchFamily="2" charset="2"/>
+            </a:endParaRPr>
+          </a:p>
+          <a:p>
+            <a:pPr lvl="1"/>
+            <a:r>
+              <a:rPr lang="de-DE" dirty="0">
+                <a:sym typeface="Wingdings" panose="05000000000000000000" pitchFamily="2" charset="2"/>
+              </a:rPr>
+              <a:t>2 out </a:t>
+            </a:r>
+            <a:r>
+              <a:rPr lang="de-DE" dirty="0" err="1">
+                <a:sym typeface="Wingdings" panose="05000000000000000000" pitchFamily="2" charset="2"/>
+              </a:rPr>
+              <a:t>of</a:t>
+            </a:r>
+            <a:r>
+              <a:rPr lang="de-DE" dirty="0">
+                <a:sym typeface="Wingdings" panose="05000000000000000000" pitchFamily="2" charset="2"/>
+              </a:rPr>
+              <a:t> N </a:t>
+            </a:r>
+            <a:r>
+              <a:rPr lang="de-DE" dirty="0" err="1">
+                <a:sym typeface="Wingdings" panose="05000000000000000000" pitchFamily="2" charset="2"/>
+              </a:rPr>
+              <a:t>for</a:t>
+            </a:r>
+            <a:r>
+              <a:rPr lang="de-DE" dirty="0">
+                <a:sym typeface="Wingdings" panose="05000000000000000000" pitchFamily="2" charset="2"/>
+              </a:rPr>
+              <a:t> </a:t>
+            </a:r>
+            <a:r>
+              <a:rPr lang="de-DE" dirty="0" err="1">
+                <a:sym typeface="Wingdings" panose="05000000000000000000" pitchFamily="2" charset="2"/>
+              </a:rPr>
+              <a:t>divorce</a:t>
+            </a:r>
+            <a:endParaRPr lang="de-DE" dirty="0">
+              <a:sym typeface="Wingdings" panose="05000000000000000000" pitchFamily="2" charset="2"/>
+            </a:endParaRPr>
+          </a:p>
+          <a:p>
+            <a:pPr lvl="1"/>
+            <a:r>
+              <a:rPr lang="de-DE" dirty="0" err="1">
+                <a:sym typeface="Wingdings" panose="05000000000000000000" pitchFamily="2" charset="2"/>
+              </a:rPr>
+              <a:t>How</a:t>
+            </a:r>
+            <a:r>
+              <a:rPr lang="de-DE" dirty="0">
+                <a:sym typeface="Wingdings" panose="05000000000000000000" pitchFamily="2" charset="2"/>
+              </a:rPr>
+              <a:t> </a:t>
+            </a:r>
+            <a:r>
+              <a:rPr lang="de-DE" dirty="0" err="1">
+                <a:sym typeface="Wingdings" panose="05000000000000000000" pitchFamily="2" charset="2"/>
+              </a:rPr>
+              <a:t>to</a:t>
+            </a:r>
+            <a:r>
+              <a:rPr lang="de-DE" dirty="0">
+                <a:sym typeface="Wingdings" panose="05000000000000000000" pitchFamily="2" charset="2"/>
+              </a:rPr>
+              <a:t> handle </a:t>
+            </a:r>
+            <a:r>
+              <a:rPr lang="de-DE" dirty="0" err="1">
+                <a:sym typeface="Wingdings" panose="05000000000000000000" pitchFamily="2" charset="2"/>
+              </a:rPr>
+              <a:t>duplicates</a:t>
+            </a:r>
+            <a:r>
+              <a:rPr lang="de-DE" dirty="0">
+                <a:sym typeface="Wingdings" panose="05000000000000000000" pitchFamily="2" charset="2"/>
+              </a:rPr>
+              <a:t> in </a:t>
+            </a:r>
+            <a:r>
+              <a:rPr lang="de-DE" dirty="0" err="1">
+                <a:sym typeface="Wingdings" panose="05000000000000000000" pitchFamily="2" charset="2"/>
+              </a:rPr>
+              <a:t>list</a:t>
+            </a:r>
+            <a:r>
+              <a:rPr lang="de-DE" dirty="0">
+                <a:sym typeface="Wingdings" panose="05000000000000000000" pitchFamily="2" charset="2"/>
+              </a:rPr>
+              <a:t>?</a:t>
+            </a:r>
+          </a:p>
+          <a:p>
+            <a:r>
+              <a:rPr lang="de-DE" dirty="0" err="1">
+                <a:sym typeface="Wingdings" panose="05000000000000000000" pitchFamily="2" charset="2"/>
+              </a:rPr>
+              <a:t>Differences</a:t>
+            </a:r>
+            <a:r>
+              <a:rPr lang="de-DE" dirty="0">
+                <a:sym typeface="Wingdings" panose="05000000000000000000" pitchFamily="2" charset="2"/>
+              </a:rPr>
+              <a:t> </a:t>
+            </a:r>
+            <a:r>
+              <a:rPr lang="de-DE" dirty="0" err="1">
+                <a:sym typeface="Wingdings" panose="05000000000000000000" pitchFamily="2" charset="2"/>
+              </a:rPr>
+              <a:t>between</a:t>
+            </a:r>
+            <a:r>
+              <a:rPr lang="de-DE" dirty="0">
+                <a:sym typeface="Wingdings" panose="05000000000000000000" pitchFamily="2" charset="2"/>
+              </a:rPr>
+              <a:t> </a:t>
+            </a:r>
+            <a:r>
+              <a:rPr lang="de-DE" dirty="0" err="1">
+                <a:sym typeface="Wingdings" panose="05000000000000000000" pitchFamily="2" charset="2"/>
+              </a:rPr>
+              <a:t>Görli</a:t>
+            </a:r>
+            <a:r>
+              <a:rPr lang="de-DE" dirty="0">
+                <a:sym typeface="Wingdings" panose="05000000000000000000" pitchFamily="2" charset="2"/>
+              </a:rPr>
+              <a:t> </a:t>
+            </a:r>
+            <a:r>
+              <a:rPr lang="de-DE" dirty="0" err="1">
+                <a:sym typeface="Wingdings" panose="05000000000000000000" pitchFamily="2" charset="2"/>
+              </a:rPr>
+              <a:t>testchain</a:t>
+            </a:r>
+            <a:r>
+              <a:rPr lang="de-DE" dirty="0">
+                <a:sym typeface="Wingdings" panose="05000000000000000000" pitchFamily="2" charset="2"/>
+              </a:rPr>
+              <a:t> and </a:t>
+            </a:r>
+            <a:r>
+              <a:rPr lang="de-DE" dirty="0" err="1">
+                <a:sym typeface="Wingdings" panose="05000000000000000000" pitchFamily="2" charset="2"/>
+              </a:rPr>
+              <a:t>local</a:t>
+            </a:r>
+            <a:r>
+              <a:rPr lang="de-DE" dirty="0">
+                <a:sym typeface="Wingdings" panose="05000000000000000000" pitchFamily="2" charset="2"/>
+              </a:rPr>
+              <a:t> Ganache </a:t>
+            </a:r>
+            <a:r>
+              <a:rPr lang="de-DE" dirty="0" err="1">
+                <a:sym typeface="Wingdings" panose="05000000000000000000" pitchFamily="2" charset="2"/>
+              </a:rPr>
+              <a:t>chain</a:t>
+            </a:r>
+            <a:endParaRPr lang="de-DE" dirty="0">
+              <a:sym typeface="Wingdings" panose="05000000000000000000" pitchFamily="2" charset="2"/>
+            </a:endParaRPr>
+          </a:p>
+          <a:p>
+            <a:r>
+              <a:rPr lang="de-DE" dirty="0" err="1">
+                <a:sym typeface="Wingdings" panose="05000000000000000000" pitchFamily="2" charset="2"/>
+              </a:rPr>
+              <a:t>Efficient</a:t>
+            </a:r>
+            <a:r>
+              <a:rPr lang="de-DE" dirty="0">
+                <a:sym typeface="Wingdings" panose="05000000000000000000" pitchFamily="2" charset="2"/>
+              </a:rPr>
+              <a:t> </a:t>
+            </a:r>
+            <a:r>
+              <a:rPr lang="de-DE" dirty="0" err="1">
+                <a:sym typeface="Wingdings" panose="05000000000000000000" pitchFamily="2" charset="2"/>
+              </a:rPr>
+              <a:t>Testing</a:t>
+            </a:r>
+            <a:r>
+              <a:rPr lang="de-DE" dirty="0">
+                <a:sym typeface="Wingdings" panose="05000000000000000000" pitchFamily="2" charset="2"/>
+              </a:rPr>
+              <a:t> (Brownie) </a:t>
+            </a:r>
+            <a:endParaRPr lang="de-DE" dirty="0"/>
           </a:p>
         </p:txBody>
       </p:sp>
     </p:spTree>
     <p:extLst>
       <p:ext uri="{BB962C8B-B14F-4D97-AF65-F5344CB8AC3E}">
-        <p14:creationId xmlns:p14="http://schemas.microsoft.com/office/powerpoint/2010/main" val="3743229150"/>
+        <p14:creationId xmlns:p14="http://schemas.microsoft.com/office/powerpoint/2010/main" val="3686852496"/>
       </p:ext>
     </p:extLst>
   </p:cSld>
